--- a/MCS_project_sem_III/python_project.pptx
+++ b/MCS_project_sem_III/python_project.pptx
@@ -292,7 +292,7 @@
           <a:p>
             <a:fld id="{4D804108-0192-4A9F-9F26-4B789C2F2C79}" type="datetimeFigureOut">
               <a:rPr lang="en-US" smtClean="0"/>
-              <a:t>5/7/2019</a:t>
+              <a:t>5/8/2019</a:t>
             </a:fld>
             <a:endParaRPr lang="en-US"/>
           </a:p>
@@ -14676,59 +14676,6 @@
           <a:chExt cx="0" cy="0"/>
         </a:xfrm>
       </p:grpSpPr>
-      <p:pic>
-        <p:nvPicPr>
-          <p:cNvPr id="4" name="Content Placeholder 3"/>
-          <p:cNvPicPr>
-            <a:picLocks noGrp="1" noChangeAspect="1"/>
-          </p:cNvPicPr>
-          <p:nvPr>
-            <p:ph sz="half" idx="2"/>
-          </p:nvPr>
-        </p:nvPicPr>
-        <p:blipFill>
-          <a:blip r:embed="rId2"/>
-          <a:stretch>
-            <a:fillRect/>
-          </a:stretch>
-        </p:blipFill>
-        <p:spPr>
-          <a:xfrm>
-            <a:off x="4692650" y="1329508"/>
-            <a:ext cx="7081838" cy="4364084"/>
-          </a:xfrm>
-          <a:prstGeom prst="rect">
-            <a:avLst/>
-          </a:prstGeom>
-        </p:spPr>
-      </p:pic>
-      <p:sp>
-        <p:nvSpPr>
-          <p:cNvPr id="3" name="Title 2"/>
-          <p:cNvSpPr>
-            <a:spLocks noGrp="1"/>
-          </p:cNvSpPr>
-          <p:nvPr>
-            <p:ph type="title"/>
-          </p:nvPr>
-        </p:nvSpPr>
-        <p:spPr>
-          <a:xfrm>
-            <a:off x="430434" y="3206608"/>
-            <a:ext cx="3270447" cy="443070"/>
-          </a:xfrm>
-        </p:spPr>
-        <p:txBody>
-          <a:bodyPr/>
-          <a:lstStyle/>
-          <a:p>
-            <a:r>
-              <a:rPr lang="en-US" dirty="0"/>
-              <a:t>UiGtm</a:t>
-            </a:r>
-          </a:p>
-        </p:txBody>
-      </p:sp>
     </p:spTree>
     <p:extLst>
       <p:ext uri="{BB962C8B-B14F-4D97-AF65-F5344CB8AC3E}">
@@ -16269,12 +16216,6 @@
               <a:t>What is this project about?</a:t>
             </a:r>
           </a:p>
-          <a:p>
-            <a:r>
-              <a:rPr lang="en-US" dirty="0"/>
-              <a:t>What did I learn in PTC?</a:t>
-            </a:r>
-          </a:p>
         </p:txBody>
       </p:sp>
     </p:spTree>
@@ -18141,7 +18082,7 @@
           <a:p>
             <a:r>
               <a:rPr lang="en-US" dirty="0"/>
-              <a:t>What did I learnt	</a:t>
+              <a:t>What is this project about?</a:t>
             </a:r>
           </a:p>
         </p:txBody>
@@ -18162,62 +18103,24 @@
           <a:lstStyle/>
           <a:p>
             <a:r>
-              <a:rPr lang="en-IN" dirty="0"/>
-              <a:t>1</a:t>
-            </a:r>
-            <a:r>
-              <a:rPr lang="en-US" dirty="0"/>
-              <a:t>8 – relative path</a:t>
-            </a:r>
-          </a:p>
-          <a:p>
-            <a:r>
-              <a:rPr lang="en-IN" dirty="0"/>
-              <a:t>&gt;get values from string</a:t>
-            </a:r>
-          </a:p>
-          <a:p>
-            <a:r>
-              <a:rPr lang="en-IN" dirty="0"/>
-              <a:t>&gt;split that string</a:t>
-            </a:r>
-          </a:p>
-          <a:p>
-            <a:r>
-              <a:rPr lang="en-IN" dirty="0"/>
-              <a:t>&gt;pass split string to the web()</a:t>
-            </a:r>
-          </a:p>
-          <a:p>
-            <a:r>
-              <a:rPr lang="en-IN" dirty="0"/>
-              <a:t>19 – compared the version values dictionary</a:t>
-            </a:r>
-          </a:p>
-          <a:p>
-            <a:r>
-              <a:rPr lang="en-IN" dirty="0"/>
-              <a:t>20 – compared two keys</a:t>
-            </a:r>
-          </a:p>
-          <a:p>
-            <a:r>
-              <a:rPr lang="en-IN" dirty="0"/>
-              <a:t>&gt;cleaned old code</a:t>
-            </a:r>
-          </a:p>
-          <a:p>
-            <a:r>
-              <a:rPr lang="en-IN" dirty="0"/>
-              <a:t>&gt;removed </a:t>
-            </a:r>
-            <a:r>
-              <a:rPr lang="en-IN" dirty="0" err="1"/>
-              <a:t>confirmationMsg</a:t>
-            </a:r>
-            <a:r>
-              <a:rPr lang="en-IN" dirty="0"/>
-              <a:t>()</a:t>
+              <a:rPr lang="en-US" dirty="0"/>
+              <a:t>Machine Learning</a:t>
+            </a:r>
+          </a:p>
+          <a:p>
+            <a:r>
+              <a:rPr lang="en-US" dirty="0"/>
+              <a:t>Automation</a:t>
+            </a:r>
+          </a:p>
+          <a:p>
+            <a:r>
+              <a:rPr lang="en-US" dirty="0" err="1"/>
+              <a:t>Regretion</a:t>
+            </a:r>
+            <a:r>
+              <a:rPr lang="en-US" dirty="0"/>
+              <a:t> tests</a:t>
             </a:r>
           </a:p>
         </p:txBody>

--- a/MCS_project_sem_III/python_project.pptx
+++ b/MCS_project_sem_III/python_project.pptx
@@ -5,7 +5,7 @@
     <p:sldMasterId id="2147483671" r:id="rId1"/>
   </p:sldMasterIdLst>
   <p:notesMasterIdLst>
-    <p:notesMasterId r:id="rId23"/>
+    <p:notesMasterId r:id="rId22"/>
   </p:notesMasterIdLst>
   <p:sldIdLst>
     <p:sldId id="256" r:id="rId2"/>
@@ -16,19 +16,18 @@
     <p:sldId id="268" r:id="rId7"/>
     <p:sldId id="319" r:id="rId8"/>
     <p:sldId id="320" r:id="rId9"/>
-    <p:sldId id="272" r:id="rId10"/>
-    <p:sldId id="271" r:id="rId11"/>
-    <p:sldId id="311" r:id="rId12"/>
-    <p:sldId id="305" r:id="rId13"/>
-    <p:sldId id="286" r:id="rId14"/>
-    <p:sldId id="287" r:id="rId15"/>
-    <p:sldId id="293" r:id="rId16"/>
-    <p:sldId id="294" r:id="rId17"/>
-    <p:sldId id="300" r:id="rId18"/>
-    <p:sldId id="302" r:id="rId19"/>
-    <p:sldId id="299" r:id="rId20"/>
-    <p:sldId id="303" r:id="rId21"/>
-    <p:sldId id="262" r:id="rId22"/>
+    <p:sldId id="271" r:id="rId10"/>
+    <p:sldId id="311" r:id="rId11"/>
+    <p:sldId id="305" r:id="rId12"/>
+    <p:sldId id="286" r:id="rId13"/>
+    <p:sldId id="287" r:id="rId14"/>
+    <p:sldId id="293" r:id="rId15"/>
+    <p:sldId id="294" r:id="rId16"/>
+    <p:sldId id="300" r:id="rId17"/>
+    <p:sldId id="302" r:id="rId18"/>
+    <p:sldId id="299" r:id="rId19"/>
+    <p:sldId id="303" r:id="rId20"/>
+    <p:sldId id="262" r:id="rId21"/>
   </p:sldIdLst>
   <p:sldSz cx="12188825" cy="6858000"/>
   <p:notesSz cx="7315200" cy="9601200"/>
@@ -292,7 +291,7 @@
           <a:p>
             <a:fld id="{4D804108-0192-4A9F-9F26-4B789C2F2C79}" type="datetimeFigureOut">
               <a:rPr lang="en-US" smtClean="0"/>
-              <a:t>5/8/2019</a:t>
+              <a:t>5/23/2019</a:t>
             </a:fld>
             <a:endParaRPr lang="en-US"/>
           </a:p>
@@ -596,7 +595,7 @@
             <a:fld id="{4AC60E50-3C27-4815-BEC2-F2EE66228B78}" type="slidenum">
               <a:rPr lang="en-US" altLang="en-US"/>
               <a:pPr/>
-              <a:t>13</a:t>
+              <a:t>12</a:t>
             </a:fld>
             <a:endParaRPr lang="en-US" altLang="en-US"/>
           </a:p>
@@ -684,7 +683,7 @@
             <a:fld id="{B89410A4-7C6D-4CC3-AF28-14B7F2E532BE}" type="slidenum">
               <a:rPr lang="en-US" altLang="en-US"/>
               <a:pPr/>
-              <a:t>14</a:t>
+              <a:t>13</a:t>
             </a:fld>
             <a:endParaRPr lang="en-US" altLang="en-US"/>
           </a:p>
@@ -772,7 +771,7 @@
             <a:fld id="{47D4BDEA-73D0-42B1-A4FA-036A0892992F}" type="slidenum">
               <a:rPr lang="en-US" altLang="en-US"/>
               <a:pPr/>
-              <a:t>15</a:t>
+              <a:t>14</a:t>
             </a:fld>
             <a:endParaRPr lang="en-US" altLang="en-US"/>
           </a:p>
@@ -860,7 +859,7 @@
             <a:fld id="{5C842580-AE5A-4693-B639-FD9ACECD0E66}" type="slidenum">
               <a:rPr lang="en-US" altLang="en-US"/>
               <a:pPr/>
-              <a:t>16</a:t>
+              <a:t>15</a:t>
             </a:fld>
             <a:endParaRPr lang="en-US" altLang="en-US"/>
           </a:p>
@@ -14496,166 +14495,28 @@
           <a:chExt cx="0" cy="0"/>
         </a:xfrm>
       </p:grpSpPr>
-      <p:sp>
-        <p:nvSpPr>
-          <p:cNvPr id="2" name="Content Placeholder 1"/>
-          <p:cNvSpPr>
-            <a:spLocks noGrp="1"/>
-          </p:cNvSpPr>
-          <p:nvPr>
-            <p:ph idx="1"/>
-          </p:nvPr>
-        </p:nvSpPr>
-        <p:spPr/>
-        <p:txBody>
-          <a:bodyPr/>
-          <a:lstStyle/>
-          <a:p>
-            <a:r>
-              <a:rPr lang="en-US" dirty="0">
-                <a:solidFill>
-                  <a:schemeClr val="tx1"/>
-                </a:solidFill>
-              </a:rPr>
-              <a:t>Command line tools – you can invoke directly from the shell</a:t>
-            </a:r>
-          </a:p>
-          <a:p>
-            <a:r>
-              <a:rPr lang="en-US" dirty="0">
-                <a:solidFill>
-                  <a:schemeClr val="tx1"/>
-                </a:solidFill>
-              </a:rPr>
-              <a:t>Compiler – transform C/C++ code to machine code (*.</a:t>
-            </a:r>
-            <a:r>
-              <a:rPr lang="en-US" dirty="0" err="1">
-                <a:solidFill>
-                  <a:schemeClr val="tx1"/>
-                </a:solidFill>
-              </a:rPr>
-              <a:t>obj</a:t>
-            </a:r>
-            <a:r>
-              <a:rPr lang="en-US" dirty="0">
-                <a:solidFill>
-                  <a:schemeClr val="tx1"/>
-                </a:solidFill>
-              </a:rPr>
-              <a:t>)</a:t>
-            </a:r>
-          </a:p>
-          <a:p>
-            <a:r>
-              <a:rPr lang="en-US" dirty="0">
-                <a:solidFill>
-                  <a:schemeClr val="tx1"/>
-                </a:solidFill>
-              </a:rPr>
-              <a:t>Linker – mashes together object files to an executable or </a:t>
-            </a:r>
-            <a:r>
-              <a:rPr lang="en-US" dirty="0" err="1">
-                <a:solidFill>
-                  <a:schemeClr val="tx1"/>
-                </a:solidFill>
-              </a:rPr>
-              <a:t>dll</a:t>
-            </a:r>
-            <a:endParaRPr lang="en-US" dirty="0">
-              <a:solidFill>
-                <a:schemeClr val="tx1"/>
-              </a:solidFill>
-            </a:endParaRPr>
-          </a:p>
-          <a:p>
-            <a:r>
-              <a:rPr lang="en-US" dirty="0">
-                <a:solidFill>
-                  <a:schemeClr val="tx1"/>
-                </a:solidFill>
-              </a:rPr>
-              <a:t>The tools and concept work in similar ways on Sun, Linux and Mac OS X</a:t>
-            </a:r>
-          </a:p>
-          <a:p>
-            <a:pPr lvl="1"/>
-            <a:r>
-              <a:rPr lang="en-US" dirty="0">
-                <a:solidFill>
-                  <a:schemeClr val="tx1"/>
-                </a:solidFill>
-              </a:rPr>
-              <a:t>All commands in this presentation are for Microsoft Visual Studio, on Windows</a:t>
-            </a:r>
-          </a:p>
-          <a:p>
-            <a:endParaRPr lang="en-US" dirty="0">
-              <a:solidFill>
-                <a:schemeClr val="tx1"/>
-              </a:solidFill>
-            </a:endParaRPr>
-          </a:p>
-        </p:txBody>
-      </p:sp>
-      <p:sp>
-        <p:nvSpPr>
-          <p:cNvPr id="3" name="Title 2"/>
-          <p:cNvSpPr>
-            <a:spLocks noGrp="1"/>
-          </p:cNvSpPr>
-          <p:nvPr>
-            <p:ph type="title"/>
-          </p:nvPr>
-        </p:nvSpPr>
-        <p:spPr/>
-        <p:txBody>
-          <a:bodyPr/>
-          <a:lstStyle/>
-          <a:p>
-            <a:r>
-              <a:rPr lang="en-US" dirty="0"/>
-              <a:t>How do we build</a:t>
-            </a:r>
-          </a:p>
-        </p:txBody>
-      </p:sp>
-      <p:sp>
-        <p:nvSpPr>
-          <p:cNvPr id="4" name="Subtitle 3"/>
-          <p:cNvSpPr>
-            <a:spLocks noGrp="1"/>
-          </p:cNvSpPr>
-          <p:nvPr>
-            <p:ph type="subTitle" idx="15"/>
-          </p:nvPr>
-        </p:nvSpPr>
-        <p:spPr/>
-        <p:txBody>
-          <a:bodyPr/>
-          <a:lstStyle/>
-          <a:p>
-            <a:r>
-              <a:rPr lang="en-US" dirty="0"/>
-              <a:t>Platform used - Windows</a:t>
-            </a:r>
-          </a:p>
-        </p:txBody>
-      </p:sp>
     </p:spTree>
     <p:extLst>
       <p:ext uri="{BB962C8B-B14F-4D97-AF65-F5344CB8AC3E}">
-        <p14:creationId xmlns:p14="http://schemas.microsoft.com/office/powerpoint/2010/main" val="3028628420"/>
+        <p14:creationId xmlns:p14="http://schemas.microsoft.com/office/powerpoint/2010/main" val="1460813515"/>
       </p:ext>
     </p:extLst>
   </p:cSld>
   <p:clrMapOvr>
     <a:masterClrMapping/>
   </p:clrMapOvr>
-  <p:transition>
-    <p:wipe dir="r"/>
-  </p:transition>
+  <mc:AlternateContent xmlns:mc="http://schemas.openxmlformats.org/markup-compatibility/2006" xmlns:p14="http://schemas.microsoft.com/office/powerpoint/2010/main">
+    <mc:Choice Requires="p14">
+      <p:transition spd="med" p14:dur="700">
+        <p:fade/>
+      </p:transition>
+    </mc:Choice>
+    <mc:Fallback xmlns="">
+      <p:transition spd="med">
+        <p:fade/>
+      </p:transition>
+    </mc:Fallback>
+  </mc:AlternateContent>
 </p:sld>
 </file>
 
@@ -14676,10 +14537,32 @@
           <a:chExt cx="0" cy="0"/>
         </a:xfrm>
       </p:grpSpPr>
+      <p:sp>
+        <p:nvSpPr>
+          <p:cNvPr id="2" name="Title 1"/>
+          <p:cNvSpPr>
+            <a:spLocks noGrp="1"/>
+          </p:cNvSpPr>
+          <p:nvPr>
+            <p:ph type="title"/>
+          </p:nvPr>
+        </p:nvSpPr>
+        <p:spPr/>
+        <p:txBody>
+          <a:bodyPr/>
+          <a:lstStyle/>
+          <a:p>
+            <a:r>
+              <a:rPr lang="en-US" dirty="0"/>
+              <a:t>How it all works together</a:t>
+            </a:r>
+          </a:p>
+        </p:txBody>
+      </p:sp>
     </p:spTree>
     <p:extLst>
       <p:ext uri="{BB962C8B-B14F-4D97-AF65-F5344CB8AC3E}">
-        <p14:creationId xmlns:p14="http://schemas.microsoft.com/office/powerpoint/2010/main" val="1460813515"/>
+        <p14:creationId xmlns:p14="http://schemas.microsoft.com/office/powerpoint/2010/main" val="4105241803"/>
       </p:ext>
     </p:extLst>
   </p:cSld>
@@ -14720,9 +14603,9 @@
       </p:grpSpPr>
       <p:sp>
         <p:nvSpPr>
-          <p:cNvPr id="2" name="Title 1"/>
+          <p:cNvPr id="30722" name="Rectangle 2"/>
           <p:cNvSpPr>
-            <a:spLocks noGrp="1"/>
+            <a:spLocks noGrp="1" noChangeArrowheads="1"/>
           </p:cNvSpPr>
           <p:nvPr>
             <p:ph type="title"/>
@@ -14734,8 +14617,92 @@
           <a:lstStyle/>
           <a:p>
             <a:r>
-              <a:rPr lang="en-US" dirty="0"/>
-              <a:t>How it all works together</a:t>
+              <a:rPr lang="en-US" altLang="en-US" dirty="0"/>
+              <a:t>Using your Header File</a:t>
+            </a:r>
+          </a:p>
+        </p:txBody>
+      </p:sp>
+      <p:sp>
+        <p:nvSpPr>
+          <p:cNvPr id="30723" name="Rectangle 3"/>
+          <p:cNvSpPr>
+            <a:spLocks noGrp="1" noChangeArrowheads="1"/>
+          </p:cNvSpPr>
+          <p:nvPr>
+            <p:ph idx="1"/>
+          </p:nvPr>
+        </p:nvSpPr>
+        <p:spPr/>
+        <p:txBody>
+          <a:bodyPr/>
+          <a:lstStyle/>
+          <a:p>
+            <a:r>
+              <a:rPr lang="en-US" altLang="en-US" dirty="0"/>
+              <a:t>Fetch a header file to your project</a:t>
+            </a:r>
+          </a:p>
+          <a:p>
+            <a:r>
+              <a:rPr lang="en-US" altLang="en-US" dirty="0"/>
+              <a:t>Update the makefile</a:t>
+            </a:r>
+          </a:p>
+          <a:p>
+            <a:pPr lvl="1"/>
+            <a:r>
+              <a:rPr lang="en-US" altLang="en-US" dirty="0"/>
+              <a:t>The include search path will be modified – to first look at your project files</a:t>
+            </a:r>
+          </a:p>
+          <a:p>
+            <a:r>
+              <a:rPr lang="en-US" altLang="en-US" dirty="0"/>
+              <a:t>Whenever you write an #include inside a header file, make sure you use &lt;&gt; (and not “” )</a:t>
+            </a:r>
+          </a:p>
+          <a:p>
+            <a:pPr marL="0" indent="0">
+              <a:buNone/>
+            </a:pPr>
+            <a:r>
+              <a:rPr lang="en-US" altLang="en-US" dirty="0"/>
+              <a:t>(Self learning) – why?</a:t>
+            </a:r>
+          </a:p>
+          <a:p>
+            <a:pPr marL="0" indent="0">
+              <a:buNone/>
+            </a:pPr>
+            <a:r>
+              <a:rPr lang="en-US" altLang="en-US" dirty="0"/>
+              <a:t>Use </a:t>
+            </a:r>
+            <a:r>
+              <a:rPr lang="en-US" altLang="en-US" dirty="0">
+                <a:latin typeface="Consolas" panose="020B0609020204030204" pitchFamily="49" charset="0"/>
+                <a:cs typeface="Consolas" panose="020B0609020204030204" pitchFamily="49" charset="0"/>
+              </a:rPr>
+              <a:t>/</a:t>
+            </a:r>
+            <a:r>
+              <a:rPr lang="en-US" altLang="en-US" dirty="0" err="1">
+                <a:latin typeface="Consolas" panose="020B0609020204030204" pitchFamily="49" charset="0"/>
+                <a:cs typeface="Consolas" panose="020B0609020204030204" pitchFamily="49" charset="0"/>
+              </a:rPr>
+              <a:t>showIncludes</a:t>
+            </a:r>
+            <a:r>
+              <a:rPr lang="en-US" altLang="en-US" dirty="0">
+                <a:latin typeface="Consolas" panose="020B0609020204030204" pitchFamily="49" charset="0"/>
+                <a:cs typeface="Consolas" panose="020B0609020204030204" pitchFamily="49" charset="0"/>
+              </a:rPr>
+              <a:t> </a:t>
+            </a:r>
+            <a:r>
+              <a:rPr lang="en-US" altLang="en-US" dirty="0"/>
+              <a:t>compiler flag to research this</a:t>
             </a:r>
           </a:p>
         </p:txBody>
@@ -14743,25 +14710,13 @@
     </p:spTree>
     <p:extLst>
       <p:ext uri="{BB962C8B-B14F-4D97-AF65-F5344CB8AC3E}">
-        <p14:creationId xmlns:p14="http://schemas.microsoft.com/office/powerpoint/2010/main" val="4105241803"/>
+        <p14:creationId xmlns:p14="http://schemas.microsoft.com/office/powerpoint/2010/main" val="462016195"/>
       </p:ext>
     </p:extLst>
   </p:cSld>
   <p:clrMapOvr>
     <a:masterClrMapping/>
   </p:clrMapOvr>
-  <mc:AlternateContent xmlns:mc="http://schemas.openxmlformats.org/markup-compatibility/2006" xmlns:p14="http://schemas.microsoft.com/office/powerpoint/2010/main">
-    <mc:Choice Requires="p14">
-      <p:transition spd="med" p14:dur="700">
-        <p:fade/>
-      </p:transition>
-    </mc:Choice>
-    <mc:Fallback xmlns="">
-      <p:transition spd="med">
-        <p:fade/>
-      </p:transition>
-    </mc:Fallback>
-  </mc:AlternateContent>
 </p:sld>
 </file>
 
@@ -14784,7 +14739,7 @@
       </p:grpSpPr>
       <p:sp>
         <p:nvSpPr>
-          <p:cNvPr id="30722" name="Rectangle 2"/>
+          <p:cNvPr id="32770" name="Rectangle 2"/>
           <p:cNvSpPr>
             <a:spLocks noGrp="1" noChangeArrowheads="1"/>
           </p:cNvSpPr>
@@ -14799,14 +14754,14 @@
           <a:p>
             <a:r>
               <a:rPr lang="en-US" altLang="en-US" dirty="0"/>
-              <a:t>Using your Header File</a:t>
-            </a:r>
-          </a:p>
-        </p:txBody>
-      </p:sp>
-      <p:sp>
-        <p:nvSpPr>
-          <p:cNvPr id="30723" name="Rectangle 3"/>
+              <a:t>Summary- compilation</a:t>
+            </a:r>
+          </a:p>
+        </p:txBody>
+      </p:sp>
+      <p:sp>
+        <p:nvSpPr>
+          <p:cNvPr id="32771" name="Rectangle 3"/>
           <p:cNvSpPr>
             <a:spLocks noGrp="1" noChangeArrowheads="1"/>
           </p:cNvSpPr>
@@ -14821,69 +14776,33 @@
           <a:p>
             <a:r>
               <a:rPr lang="en-US" altLang="en-US" dirty="0"/>
-              <a:t>Fetch a header file to your project</a:t>
-            </a:r>
+              <a:t>We compile all the source file in one directory at once</a:t>
+            </a:r>
+          </a:p>
+          <a:p>
+            <a:endParaRPr lang="en-US" altLang="en-US" dirty="0"/>
           </a:p>
           <a:p>
             <a:r>
               <a:rPr lang="en-US" altLang="en-US" dirty="0"/>
-              <a:t>Update the makefile</a:t>
-            </a:r>
-          </a:p>
-          <a:p>
-            <a:pPr lvl="1"/>
+              <a:t>‘gmk’ tweaks the include search path so the project files override the system files</a:t>
+            </a:r>
+          </a:p>
+          <a:p>
+            <a:endParaRPr lang="en-US" altLang="en-US" dirty="0"/>
+          </a:p>
+          <a:p>
             <a:r>
               <a:rPr lang="en-US" altLang="en-US" dirty="0"/>
-              <a:t>The include search path will be modified – to first look at your project files</a:t>
-            </a:r>
-          </a:p>
-          <a:p>
+              <a:t>Always do “</a:t>
+            </a:r>
+            <a:r>
+              <a:rPr lang="en-US" altLang="en-US" dirty="0" err="1"/>
+              <a:t>Update&amp;Make</a:t>
+            </a:r>
             <a:r>
               <a:rPr lang="en-US" altLang="en-US" dirty="0"/>
-              <a:t>Whenever you write an #include inside a header file, make sure you use &lt;&gt; (and not “” )</a:t>
-            </a:r>
-          </a:p>
-          <a:p>
-            <a:pPr marL="0" indent="0">
-              <a:buNone/>
-            </a:pPr>
-            <a:r>
-              <a:rPr lang="en-US" altLang="en-US" dirty="0"/>
-              <a:t>(Self learning) – why?</a:t>
-            </a:r>
-          </a:p>
-          <a:p>
-            <a:pPr marL="0" indent="0">
-              <a:buNone/>
-            </a:pPr>
-            <a:r>
-              <a:rPr lang="en-US" altLang="en-US" dirty="0"/>
-              <a:t>Use </a:t>
-            </a:r>
-            <a:r>
-              <a:rPr lang="en-US" altLang="en-US" dirty="0">
-                <a:latin typeface="Consolas" panose="020B0609020204030204" pitchFamily="49" charset="0"/>
-                <a:cs typeface="Consolas" panose="020B0609020204030204" pitchFamily="49" charset="0"/>
-              </a:rPr>
-              <a:t>/</a:t>
-            </a:r>
-            <a:r>
-              <a:rPr lang="en-US" altLang="en-US" dirty="0" err="1">
-                <a:latin typeface="Consolas" panose="020B0609020204030204" pitchFamily="49" charset="0"/>
-                <a:cs typeface="Consolas" panose="020B0609020204030204" pitchFamily="49" charset="0"/>
-              </a:rPr>
-              <a:t>showIncludes</a:t>
-            </a:r>
-            <a:r>
-              <a:rPr lang="en-US" altLang="en-US" dirty="0">
-                <a:latin typeface="Consolas" panose="020B0609020204030204" pitchFamily="49" charset="0"/>
-                <a:cs typeface="Consolas" panose="020B0609020204030204" pitchFamily="49" charset="0"/>
-              </a:rPr>
-              <a:t> </a:t>
-            </a:r>
-            <a:r>
-              <a:rPr lang="en-US" altLang="en-US" dirty="0"/>
-              <a:t>compiler flag to research this</a:t>
+              <a:t>” after fetching a file (either .c or .h)</a:t>
             </a:r>
           </a:p>
         </p:txBody>
@@ -14891,7 +14810,7 @@
     </p:spTree>
     <p:extLst>
       <p:ext uri="{BB962C8B-B14F-4D97-AF65-F5344CB8AC3E}">
-        <p14:creationId xmlns:p14="http://schemas.microsoft.com/office/powerpoint/2010/main" val="462016195"/>
+        <p14:creationId xmlns:p14="http://schemas.microsoft.com/office/powerpoint/2010/main" val="999957548"/>
       </p:ext>
     </p:extLst>
   </p:cSld>
@@ -14920,7 +14839,7 @@
       </p:grpSpPr>
       <p:sp>
         <p:nvSpPr>
-          <p:cNvPr id="32770" name="Rectangle 2"/>
+          <p:cNvPr id="45058" name="Rectangle 2"/>
           <p:cNvSpPr>
             <a:spLocks noGrp="1" noChangeArrowheads="1"/>
           </p:cNvSpPr>
@@ -14930,19 +14849,42 @@
         </p:nvSpPr>
         <p:spPr/>
         <p:txBody>
-          <a:bodyPr/>
+          <a:bodyPr>
+            <a:normAutofit/>
+          </a:bodyPr>
           <a:lstStyle/>
           <a:p>
             <a:r>
-              <a:rPr lang="en-US" altLang="en-US" dirty="0"/>
-              <a:t>Summary- compilation</a:t>
-            </a:r>
-          </a:p>
-        </p:txBody>
-      </p:sp>
-      <p:sp>
-        <p:nvSpPr>
-          <p:cNvPr id="32771" name="Rectangle 3"/>
+              <a:rPr lang="en-US" altLang="en-US" sz="2800" dirty="0"/>
+              <a:t>The linker treats .OBJ and .LIB </a:t>
+            </a:r>
+            <a:r>
+              <a:rPr lang="en-US" altLang="en-US" sz="2800" dirty="0" err="1"/>
+              <a:t>differentlY</a:t>
+            </a:r>
+            <a:r>
+              <a:rPr lang="en-US" altLang="en-US" dirty="0" err="1">
+                <a:solidFill>
+                  <a:srgbClr val="FFFFFF"/>
+                </a:solidFill>
+              </a:rPr>
+              <a:t>of</a:t>
+            </a:r>
+            <a:r>
+              <a:rPr lang="en-US" altLang="en-US" dirty="0">
+                <a:solidFill>
+                  <a:srgbClr val="FFFFFF"/>
+                </a:solidFill>
+              </a:rPr>
+              <a:t> libraries</a:t>
+            </a:r>
+            <a:endParaRPr lang="en-US" altLang="en-US" sz="4000" dirty="0"/>
+          </a:p>
+        </p:txBody>
+      </p:sp>
+      <p:sp>
+        <p:nvSpPr>
+          <p:cNvPr id="45059" name="Rectangle 3"/>
           <p:cNvSpPr>
             <a:spLocks noGrp="1" noChangeArrowheads="1"/>
           </p:cNvSpPr>
@@ -14950,48 +14892,224 @@
             <p:ph idx="1"/>
           </p:nvPr>
         </p:nvSpPr>
-        <p:spPr/>
-        <p:txBody>
-          <a:bodyPr/>
+        <p:spPr>
+          <a:xfrm>
+            <a:off x="406834" y="914400"/>
+            <a:ext cx="11516880" cy="990600"/>
+          </a:xfrm>
+        </p:spPr>
+        <p:txBody>
+          <a:bodyPr>
+            <a:normAutofit fontScale="92500" lnSpcReduction="10000"/>
+          </a:bodyPr>
           <a:lstStyle/>
           <a:p>
-            <a:r>
-              <a:rPr lang="en-US" altLang="en-US" dirty="0"/>
-              <a:t>We compile all the source file in one directory at once</a:t>
-            </a:r>
-          </a:p>
-          <a:p>
-            <a:endParaRPr lang="en-US" altLang="en-US" dirty="0"/>
-          </a:p>
-          <a:p>
-            <a:r>
-              <a:rPr lang="en-US" altLang="en-US" dirty="0"/>
-              <a:t>‘gmk’ tweaks the include search path so the project files override the system files</a:t>
-            </a:r>
-          </a:p>
-          <a:p>
-            <a:endParaRPr lang="en-US" altLang="en-US" dirty="0"/>
-          </a:p>
-          <a:p>
-            <a:r>
-              <a:rPr lang="en-US" altLang="en-US" dirty="0"/>
-              <a:t>Always do “</a:t>
-            </a:r>
-            <a:r>
-              <a:rPr lang="en-US" altLang="en-US" dirty="0" err="1"/>
-              <a:t>Update&amp;Make</a:t>
-            </a:r>
-            <a:r>
-              <a:rPr lang="en-US" altLang="en-US" dirty="0"/>
-              <a:t>” after fetching a file (either .c or .h)</a:t>
-            </a:r>
+            <a:pPr marL="0" lvl="0" indent="0">
+              <a:buClr>
+                <a:srgbClr val="236192"/>
+              </a:buClr>
+              <a:buNone/>
+            </a:pPr>
+            <a:r>
+              <a:rPr lang="en-US" sz="1600" dirty="0">
+                <a:solidFill>
+                  <a:srgbClr val="236192"/>
+                </a:solidFill>
+                <a:latin typeface="Courier New" panose="02070309020205020404" pitchFamily="49" charset="0"/>
+                <a:cs typeface="Courier New" panose="02070309020205020404" pitchFamily="49" charset="0"/>
+              </a:rPr>
+              <a:t>f:\tmp\LL\shipsrcp20\spg\system_1\x86e_win64\libs\lightning\uitk_integ\obj\uitk_integ.lib f:\tmp\LL\shipsrcp20\spg\system_1\x86e_win64\proe\solvertools\objmd\solvertools_md.lib </a:t>
+            </a:r>
+            <a:r>
+              <a:rPr lang="en-US" sz="1600" b="1" dirty="0">
+                <a:solidFill>
+                  <a:srgbClr val="236192"/>
+                </a:solidFill>
+                <a:latin typeface="Courier New" panose="02070309020205020404" pitchFamily="49" charset="0"/>
+                <a:cs typeface="Courier New" panose="02070309020205020404" pitchFamily="49" charset="0"/>
+              </a:rPr>
+              <a:t>d:\home\aamit\proj\hrztestp20\x86e_win64\proe\geomtools\objmd\g_uv2dcntr_mt.obj </a:t>
+            </a:r>
+            <a:r>
+              <a:rPr lang="en-US" sz="1600" dirty="0">
+                <a:solidFill>
+                  <a:srgbClr val="236192"/>
+                </a:solidFill>
+                <a:latin typeface="Courier New" panose="02070309020205020404" pitchFamily="49" charset="0"/>
+                <a:cs typeface="Courier New" panose="02070309020205020404" pitchFamily="49" charset="0"/>
+              </a:rPr>
+              <a:t>f:\tmp\LL\shipsrcp20\spg\system_1\x86e_win64\proe\geomtools\objmd\geomtools_md.lib f:\tmp\LL\shipsrcp20\spg\system_1\x86e_win64\proe\unitmgr\objmd\unitmgr_md.lib</a:t>
+            </a:r>
+            <a:endParaRPr lang="en-US" altLang="en-US" sz="1600" dirty="0">
+              <a:solidFill>
+                <a:srgbClr val="236192"/>
+              </a:solidFill>
+              <a:latin typeface="Courier New" pitchFamily="49" charset="0"/>
+              <a:cs typeface="Courier New" pitchFamily="49" charset="0"/>
+            </a:endParaRPr>
+          </a:p>
+          <a:p>
+            <a:endParaRPr lang="en-US" altLang="en-US" sz="2800" dirty="0"/>
+          </a:p>
+          <a:p>
+            <a:pPr>
+              <a:buFontTx/>
+              <a:buNone/>
+            </a:pPr>
+            <a:endParaRPr lang="en-US" altLang="en-US" sz="2000" dirty="0"/>
+          </a:p>
+          <a:p>
+            <a:pPr>
+              <a:buFontTx/>
+              <a:buNone/>
+            </a:pPr>
+            <a:endParaRPr lang="en-US" altLang="en-US" sz="2000" dirty="0"/>
+          </a:p>
+        </p:txBody>
+      </p:sp>
+      <p:sp>
+        <p:nvSpPr>
+          <p:cNvPr id="2" name="TextBox 1"/>
+          <p:cNvSpPr txBox="1"/>
+          <p:nvPr/>
+        </p:nvSpPr>
+        <p:spPr>
+          <a:xfrm>
+            <a:off x="411776" y="2209800"/>
+            <a:ext cx="10635635" cy="4062651"/>
+          </a:xfrm>
+          <a:prstGeom prst="rect">
+            <a:avLst/>
+          </a:prstGeom>
+          <a:noFill/>
+        </p:spPr>
+        <p:txBody>
+          <a:bodyPr wrap="square" lIns="0" tIns="0" rIns="0" bIns="0" rtlCol="0">
+            <a:spAutoFit/>
+          </a:bodyPr>
+          <a:lstStyle/>
+          <a:p>
+            <a:r>
+              <a:rPr lang="en-US" dirty="0">
+                <a:latin typeface="Tahoma" panose="020B0604030504040204" pitchFamily="34" charset="0"/>
+                <a:ea typeface="Tahoma" panose="020B0604030504040204" pitchFamily="34" charset="0"/>
+                <a:cs typeface="Tahoma" panose="020B0604030504040204" pitchFamily="34" charset="0"/>
+              </a:rPr>
+              <a:t>The linker won't include any stuff from an OBJ inside a library unless there's a reference to at least one symbol from that OBJ. </a:t>
+            </a:r>
+          </a:p>
+          <a:p>
+            <a:endParaRPr lang="en-US" dirty="0">
+              <a:latin typeface="Tahoma" panose="020B0604030504040204" pitchFamily="34" charset="0"/>
+              <a:ea typeface="Tahoma" panose="020B0604030504040204" pitchFamily="34" charset="0"/>
+              <a:cs typeface="Tahoma" panose="020B0604030504040204" pitchFamily="34" charset="0"/>
+            </a:endParaRPr>
+          </a:p>
+          <a:p>
+            <a:r>
+              <a:rPr lang="en-US" dirty="0">
+                <a:latin typeface="Tahoma" panose="020B0604030504040204" pitchFamily="34" charset="0"/>
+                <a:ea typeface="Tahoma" panose="020B0604030504040204" pitchFamily="34" charset="0"/>
+                <a:cs typeface="Tahoma" panose="020B0604030504040204" pitchFamily="34" charset="0"/>
+              </a:rPr>
+              <a:t>In other words,</a:t>
+            </a:r>
+          </a:p>
+          <a:p>
+            <a:r>
+              <a:rPr lang="en-US" dirty="0">
+                <a:latin typeface="Tahoma" panose="020B0604030504040204" pitchFamily="34" charset="0"/>
+                <a:ea typeface="Tahoma" panose="020B0604030504040204" pitchFamily="34" charset="0"/>
+                <a:cs typeface="Tahoma" panose="020B0604030504040204" pitchFamily="34" charset="0"/>
+              </a:rPr>
+              <a:t>Explicitly named OBJs on the linker command line fly </a:t>
+            </a:r>
+            <a:r>
+              <a:rPr lang="en-US" b="1" dirty="0">
+                <a:latin typeface="Tahoma" panose="020B0604030504040204" pitchFamily="34" charset="0"/>
+                <a:ea typeface="Tahoma" panose="020B0604030504040204" pitchFamily="34" charset="0"/>
+                <a:cs typeface="Tahoma" panose="020B0604030504040204" pitchFamily="34" charset="0"/>
+              </a:rPr>
+              <a:t>first class</a:t>
+            </a:r>
+            <a:r>
+              <a:rPr lang="en-US" dirty="0">
+                <a:latin typeface="Tahoma" panose="020B0604030504040204" pitchFamily="34" charset="0"/>
+                <a:ea typeface="Tahoma" panose="020B0604030504040204" pitchFamily="34" charset="0"/>
+                <a:cs typeface="Tahoma" panose="020B0604030504040204" pitchFamily="34" charset="0"/>
+              </a:rPr>
+              <a:t>, and are always included in the executable. </a:t>
+            </a:r>
+          </a:p>
+          <a:p>
+            <a:r>
+              <a:rPr lang="en-US" dirty="0">
+                <a:latin typeface="Tahoma" panose="020B0604030504040204" pitchFamily="34" charset="0"/>
+                <a:ea typeface="Tahoma" panose="020B0604030504040204" pitchFamily="34" charset="0"/>
+                <a:cs typeface="Tahoma" panose="020B0604030504040204" pitchFamily="34" charset="0"/>
+              </a:rPr>
+              <a:t>OBJs from LIB files </a:t>
+            </a:r>
+            <a:r>
+              <a:rPr lang="en-US" b="1" dirty="0">
+                <a:latin typeface="Tahoma" panose="020B0604030504040204" pitchFamily="34" charset="0"/>
+                <a:ea typeface="Tahoma" panose="020B0604030504040204" pitchFamily="34" charset="0"/>
+                <a:cs typeface="Tahoma" panose="020B0604030504040204" pitchFamily="34" charset="0"/>
+              </a:rPr>
+              <a:t>fly standby</a:t>
+            </a:r>
+            <a:r>
+              <a:rPr lang="en-US" dirty="0">
+                <a:latin typeface="Tahoma" panose="020B0604030504040204" pitchFamily="34" charset="0"/>
+                <a:ea typeface="Tahoma" panose="020B0604030504040204" pitchFamily="34" charset="0"/>
+                <a:cs typeface="Tahoma" panose="020B0604030504040204" pitchFamily="34" charset="0"/>
+              </a:rPr>
+              <a:t>, and are only included in the executable if referenced. </a:t>
+            </a:r>
+          </a:p>
+          <a:p>
+            <a:endParaRPr lang="en-US" dirty="0">
+              <a:latin typeface="Tahoma" panose="020B0604030504040204" pitchFamily="34" charset="0"/>
+              <a:ea typeface="Tahoma" panose="020B0604030504040204" pitchFamily="34" charset="0"/>
+              <a:cs typeface="Tahoma" panose="020B0604030504040204" pitchFamily="34" charset="0"/>
+            </a:endParaRPr>
+          </a:p>
+          <a:p>
+            <a:r>
+              <a:rPr lang="en-US" dirty="0">
+                <a:latin typeface="Tahoma" panose="020B0604030504040204" pitchFamily="34" charset="0"/>
+                <a:ea typeface="Tahoma" panose="020B0604030504040204" pitchFamily="34" charset="0"/>
+                <a:cs typeface="Tahoma" panose="020B0604030504040204" pitchFamily="34" charset="0"/>
+                <a:hlinkClick r:id="rId3"/>
+              </a:rPr>
+              <a:t>http://www.microsoft.com/msj/0797/hood0797.aspx</a:t>
+            </a:r>
+            <a:endParaRPr lang="en-US" dirty="0">
+              <a:latin typeface="Tahoma" panose="020B0604030504040204" pitchFamily="34" charset="0"/>
+              <a:ea typeface="Tahoma" panose="020B0604030504040204" pitchFamily="34" charset="0"/>
+              <a:cs typeface="Tahoma" panose="020B0604030504040204" pitchFamily="34" charset="0"/>
+            </a:endParaRPr>
+          </a:p>
+          <a:p>
+            <a:endParaRPr lang="en-US" dirty="0">
+              <a:latin typeface="Tahoma" panose="020B0604030504040204" pitchFamily="34" charset="0"/>
+              <a:ea typeface="Tahoma" panose="020B0604030504040204" pitchFamily="34" charset="0"/>
+              <a:cs typeface="Tahoma" panose="020B0604030504040204" pitchFamily="34" charset="0"/>
+            </a:endParaRPr>
+          </a:p>
+          <a:p>
+            <a:endParaRPr lang="en-US" dirty="0">
+              <a:latin typeface="Tahoma" panose="020B0604030504040204" pitchFamily="34" charset="0"/>
+              <a:ea typeface="Tahoma" panose="020B0604030504040204" pitchFamily="34" charset="0"/>
+              <a:cs typeface="Tahoma" panose="020B0604030504040204" pitchFamily="34" charset="0"/>
+            </a:endParaRPr>
           </a:p>
         </p:txBody>
       </p:sp>
     </p:spTree>
     <p:extLst>
       <p:ext uri="{BB962C8B-B14F-4D97-AF65-F5344CB8AC3E}">
-        <p14:creationId xmlns:p14="http://schemas.microsoft.com/office/powerpoint/2010/main" val="999957548"/>
+        <p14:creationId xmlns:p14="http://schemas.microsoft.com/office/powerpoint/2010/main" val="2284729990"/>
       </p:ext>
     </p:extLst>
   </p:cSld>
@@ -15020,7 +15138,7 @@
       </p:grpSpPr>
       <p:sp>
         <p:nvSpPr>
-          <p:cNvPr id="45058" name="Rectangle 2"/>
+          <p:cNvPr id="47106" name="Rectangle 2"/>
           <p:cNvSpPr>
             <a:spLocks noGrp="1" noChangeArrowheads="1"/>
           </p:cNvSpPr>
@@ -15030,42 +15148,19 @@
         </p:nvSpPr>
         <p:spPr/>
         <p:txBody>
-          <a:bodyPr>
-            <a:normAutofit/>
-          </a:bodyPr>
+          <a:bodyPr/>
           <a:lstStyle/>
           <a:p>
             <a:r>
-              <a:rPr lang="en-US" altLang="en-US" sz="2800" dirty="0"/>
-              <a:t>The linker treats .OBJ and .LIB </a:t>
-            </a:r>
-            <a:r>
-              <a:rPr lang="en-US" altLang="en-US" sz="2800" dirty="0" err="1"/>
-              <a:t>differentlY</a:t>
-            </a:r>
-            <a:r>
-              <a:rPr lang="en-US" altLang="en-US" dirty="0" err="1">
-                <a:solidFill>
-                  <a:srgbClr val="FFFFFF"/>
-                </a:solidFill>
-              </a:rPr>
-              <a:t>of</a:t>
-            </a:r>
-            <a:r>
-              <a:rPr lang="en-US" altLang="en-US" dirty="0">
-                <a:solidFill>
-                  <a:srgbClr val="FFFFFF"/>
-                </a:solidFill>
-              </a:rPr>
-              <a:t> libraries</a:t>
-            </a:r>
-            <a:endParaRPr lang="en-US" altLang="en-US" sz="4000" dirty="0"/>
-          </a:p>
-        </p:txBody>
-      </p:sp>
-      <p:sp>
-        <p:nvSpPr>
-          <p:cNvPr id="45059" name="Rectangle 3"/>
+              <a:rPr lang="en-US" altLang="en-US"/>
+              <a:t>Example</a:t>
+            </a:r>
+          </a:p>
+        </p:txBody>
+      </p:sp>
+      <p:sp>
+        <p:nvSpPr>
+          <p:cNvPr id="47107" name="Rectangle 3"/>
           <p:cNvSpPr>
             <a:spLocks noGrp="1" noChangeArrowheads="1"/>
           </p:cNvSpPr>
@@ -15075,222 +15170,522 @@
         </p:nvSpPr>
         <p:spPr>
           <a:xfrm>
-            <a:off x="406834" y="914400"/>
-            <a:ext cx="11516880" cy="990600"/>
-          </a:xfrm>
-        </p:spPr>
-        <p:txBody>
-          <a:bodyPr>
-            <a:normAutofit fontScale="92500" lnSpcReduction="10000"/>
-          </a:bodyPr>
+            <a:off x="292532" y="1380744"/>
+            <a:ext cx="11481873" cy="4258056"/>
+          </a:xfrm>
+        </p:spPr>
+        <p:txBody>
+          <a:bodyPr/>
           <a:lstStyle/>
           <a:p>
-            <a:pPr marL="0" lvl="0" indent="0">
-              <a:buClr>
-                <a:srgbClr val="236192"/>
-              </a:buClr>
+            <a:pPr>
+              <a:lnSpc>
+                <a:spcPct val="90000"/>
+              </a:lnSpc>
+            </a:pPr>
+            <a:r>
+              <a:rPr lang="en-US" altLang="en-US" sz="2000" dirty="0" err="1">
+                <a:solidFill>
+                  <a:schemeClr val="tx1">
+                    <a:lumMod val="75000"/>
+                  </a:schemeClr>
+                </a:solidFill>
+                <a:latin typeface="Courier New" pitchFamily="49" charset="0"/>
+                <a:cs typeface="Courier New" pitchFamily="49" charset="0"/>
+              </a:rPr>
+              <a:t>main.c</a:t>
+            </a:r>
+            <a:r>
+              <a:rPr lang="en-US" altLang="en-US" sz="2000" dirty="0">
+                <a:solidFill>
+                  <a:schemeClr val="tx1">
+                    <a:lumMod val="75000"/>
+                  </a:schemeClr>
+                </a:solidFill>
+                <a:latin typeface="Courier New" pitchFamily="49" charset="0"/>
+                <a:cs typeface="Courier New" pitchFamily="49" charset="0"/>
+              </a:rPr>
+              <a:t> : </a:t>
+            </a:r>
+            <a:r>
+              <a:rPr lang="en-US" altLang="en-US" sz="2000" dirty="0" err="1">
+                <a:solidFill>
+                  <a:schemeClr val="tx1">
+                    <a:lumMod val="75000"/>
+                  </a:schemeClr>
+                </a:solidFill>
+                <a:latin typeface="Courier New" pitchFamily="49" charset="0"/>
+                <a:cs typeface="Courier New" pitchFamily="49" charset="0"/>
+              </a:rPr>
+              <a:t>int</a:t>
+            </a:r>
+            <a:r>
+              <a:rPr lang="en-US" altLang="en-US" sz="2000" dirty="0">
+                <a:solidFill>
+                  <a:schemeClr val="tx1">
+                    <a:lumMod val="75000"/>
+                  </a:schemeClr>
+                </a:solidFill>
+                <a:latin typeface="Courier New" pitchFamily="49" charset="0"/>
+                <a:cs typeface="Courier New" pitchFamily="49" charset="0"/>
+              </a:rPr>
+              <a:t> main() { display(); }</a:t>
+            </a:r>
+          </a:p>
+          <a:p>
+            <a:pPr>
+              <a:lnSpc>
+                <a:spcPct val="90000"/>
+              </a:lnSpc>
+            </a:pPr>
+            <a:r>
+              <a:rPr lang="en-US" altLang="en-US" sz="2000" dirty="0">
+                <a:solidFill>
+                  <a:schemeClr val="tx1">
+                    <a:lumMod val="75000"/>
+                  </a:schemeClr>
+                </a:solidFill>
+                <a:latin typeface="Courier New" pitchFamily="49" charset="0"/>
+                <a:cs typeface="Courier New" pitchFamily="49" charset="0"/>
+              </a:rPr>
+              <a:t>f1.c   : void display() {printf(“from f1\n”);}</a:t>
+            </a:r>
+          </a:p>
+          <a:p>
+            <a:pPr>
+              <a:lnSpc>
+                <a:spcPct val="90000"/>
+              </a:lnSpc>
+            </a:pPr>
+            <a:r>
+              <a:rPr lang="en-US" altLang="en-US" sz="2000" dirty="0">
+                <a:solidFill>
+                  <a:schemeClr val="tx1">
+                    <a:lumMod val="75000"/>
+                  </a:schemeClr>
+                </a:solidFill>
+                <a:latin typeface="Courier New" pitchFamily="49" charset="0"/>
+                <a:cs typeface="Courier New" pitchFamily="49" charset="0"/>
+              </a:rPr>
+              <a:t>f2.c   : void display() {printf(“from f2\n”);}</a:t>
+            </a:r>
+          </a:p>
+          <a:p>
+            <a:pPr>
+              <a:lnSpc>
+                <a:spcPct val="90000"/>
+              </a:lnSpc>
+              <a:buFontTx/>
               <a:buNone/>
             </a:pPr>
             <a:r>
-              <a:rPr lang="en-US" sz="1600" dirty="0">
-                <a:solidFill>
-                  <a:srgbClr val="236192"/>
-                </a:solidFill>
-                <a:latin typeface="Courier New" panose="02070309020205020404" pitchFamily="49" charset="0"/>
-                <a:cs typeface="Courier New" panose="02070309020205020404" pitchFamily="49" charset="0"/>
+              <a:rPr lang="en-US" altLang="en-US" sz="2400" dirty="0">
+                <a:solidFill>
+                  <a:schemeClr val="tx1">
+                    <a:lumMod val="75000"/>
+                  </a:schemeClr>
+                </a:solidFill>
+                <a:latin typeface="Courier New" pitchFamily="49" charset="0"/>
+                <a:cs typeface="Courier New" pitchFamily="49" charset="0"/>
               </a:rPr>
-              <a:t>f:\tmp\LL\shipsrcp20\spg\system_1\x86e_win64\libs\lightning\uitk_integ\obj\uitk_integ.lib f:\tmp\LL\shipsrcp20\spg\system_1\x86e_win64\proe\solvertools\objmd\solvertools_md.lib </a:t>
-            </a:r>
-            <a:r>
-              <a:rPr lang="en-US" sz="1600" b="1" dirty="0">
-                <a:solidFill>
-                  <a:srgbClr val="236192"/>
-                </a:solidFill>
-                <a:latin typeface="Courier New" panose="02070309020205020404" pitchFamily="49" charset="0"/>
-                <a:cs typeface="Courier New" panose="02070309020205020404" pitchFamily="49" charset="0"/>
+              <a:t>% lib /</a:t>
+            </a:r>
+            <a:r>
+              <a:rPr lang="en-US" altLang="en-US" sz="2400" dirty="0" err="1">
+                <a:solidFill>
+                  <a:schemeClr val="tx1">
+                    <a:lumMod val="75000"/>
+                  </a:schemeClr>
+                </a:solidFill>
+                <a:latin typeface="Courier New" pitchFamily="49" charset="0"/>
+                <a:cs typeface="Courier New" pitchFamily="49" charset="0"/>
               </a:rPr>
-              <a:t>d:\home\aamit\proj\hrztestp20\x86e_win64\proe\geomtools\objmd\g_uv2dcntr_mt.obj </a:t>
-            </a:r>
-            <a:r>
-              <a:rPr lang="en-US" sz="1600" dirty="0">
-                <a:solidFill>
-                  <a:srgbClr val="236192"/>
-                </a:solidFill>
-                <a:latin typeface="Courier New" panose="02070309020205020404" pitchFamily="49" charset="0"/>
-                <a:cs typeface="Courier New" panose="02070309020205020404" pitchFamily="49" charset="0"/>
+              <a:t>out:mylib.lib</a:t>
+            </a:r>
+            <a:r>
+              <a:rPr lang="en-US" altLang="en-US" sz="2400" dirty="0">
+                <a:solidFill>
+                  <a:schemeClr val="tx1">
+                    <a:lumMod val="75000"/>
+                  </a:schemeClr>
+                </a:solidFill>
+                <a:latin typeface="Courier New" pitchFamily="49" charset="0"/>
+                <a:cs typeface="Courier New" pitchFamily="49" charset="0"/>
               </a:rPr>
-              <a:t>f:\tmp\LL\shipsrcp20\spg\system_1\x86e_win64\proe\geomtools\objmd\geomtools_md.lib f:\tmp\LL\shipsrcp20\spg\system_1\x86e_win64\proe\unitmgr\objmd\unitmgr_md.lib</a:t>
-            </a:r>
-            <a:endParaRPr lang="en-US" altLang="en-US" sz="1600" dirty="0">
-              <a:solidFill>
-                <a:srgbClr val="236192"/>
-              </a:solidFill>
+              <a:t> f1.obj</a:t>
+            </a:r>
+          </a:p>
+          <a:p>
+            <a:pPr>
+              <a:lnSpc>
+                <a:spcPct val="90000"/>
+              </a:lnSpc>
+              <a:buFontTx/>
+              <a:buNone/>
+            </a:pPr>
+            <a:r>
+              <a:rPr lang="en-US" altLang="en-US" sz="2400" dirty="0">
+                <a:latin typeface="Courier New" pitchFamily="49" charset="0"/>
+                <a:cs typeface="Courier New" pitchFamily="49" charset="0"/>
+              </a:rPr>
+              <a:t>% </a:t>
+            </a:r>
+            <a:r>
+              <a:rPr lang="en-US" altLang="en-US" sz="2400" dirty="0">
+                <a:solidFill>
+                  <a:schemeClr val="accent2"/>
+                </a:solidFill>
+                <a:latin typeface="Courier New" pitchFamily="49" charset="0"/>
+                <a:cs typeface="Courier New" pitchFamily="49" charset="0"/>
+              </a:rPr>
+              <a:t>link /out:f1.exe main.obj mylib.lib  </a:t>
+            </a:r>
+          </a:p>
+          <a:p>
+            <a:pPr>
+              <a:lnSpc>
+                <a:spcPct val="90000"/>
+              </a:lnSpc>
+              <a:buFontTx/>
+              <a:buNone/>
+            </a:pPr>
+            <a:r>
+              <a:rPr lang="en-US" altLang="en-US" sz="2400" dirty="0">
+                <a:latin typeface="Courier New" pitchFamily="49" charset="0"/>
+                <a:cs typeface="Courier New" pitchFamily="49" charset="0"/>
+              </a:rPr>
+              <a:t>% link /out:f2.exe main.obj f2.obj mylib.lib</a:t>
+            </a:r>
+          </a:p>
+          <a:p>
+            <a:pPr>
+              <a:lnSpc>
+                <a:spcPct val="90000"/>
+              </a:lnSpc>
+              <a:buFontTx/>
+              <a:buNone/>
+            </a:pPr>
+            <a:endParaRPr lang="en-US" altLang="en-US" sz="2400" dirty="0">
               <a:latin typeface="Courier New" pitchFamily="49" charset="0"/>
               <a:cs typeface="Courier New" pitchFamily="49" charset="0"/>
             </a:endParaRPr>
           </a:p>
-          <a:p>
-            <a:endParaRPr lang="en-US" altLang="en-US" sz="2800" dirty="0"/>
-          </a:p>
+        </p:txBody>
+      </p:sp>
+      <p:sp>
+        <p:nvSpPr>
+          <p:cNvPr id="4" name="Line Callout 1 3"/>
+          <p:cNvSpPr/>
+          <p:nvPr/>
+        </p:nvSpPr>
+        <p:spPr>
+          <a:xfrm>
+            <a:off x="2665412" y="4876800"/>
+            <a:ext cx="2057400" cy="533400"/>
+          </a:xfrm>
+          <a:prstGeom prst="borderCallout1">
+            <a:avLst>
+              <a:gd name="adj1" fmla="val -95850"/>
+              <a:gd name="adj2" fmla="val 145770"/>
+              <a:gd name="adj3" fmla="val 8362"/>
+              <a:gd name="adj4" fmla="val 96791"/>
+            </a:avLst>
+          </a:prstGeom>
+          <a:ln>
+            <a:solidFill>
+              <a:schemeClr val="accent1"/>
+            </a:solidFill>
+          </a:ln>
+        </p:spPr>
+        <p:style>
+          <a:lnRef idx="2">
+            <a:schemeClr val="accent1">
+              <a:shade val="50000"/>
+            </a:schemeClr>
+          </a:lnRef>
+          <a:fillRef idx="1">
+            <a:schemeClr val="accent1"/>
+          </a:fillRef>
+          <a:effectRef idx="0">
+            <a:schemeClr val="accent1"/>
+          </a:effectRef>
+          <a:fontRef idx="minor">
+            <a:schemeClr val="lt1"/>
+          </a:fontRef>
+        </p:style>
+        <p:txBody>
+          <a:bodyPr rtlCol="0" anchor="ctr"/>
+          <a:lstStyle/>
+          <a:p>
+            <a:pPr algn="ctr"/>
+            <a:r>
+              <a:rPr lang="en-US" dirty="0">
+                <a:solidFill>
+                  <a:schemeClr val="bg1"/>
+                </a:solidFill>
+              </a:rPr>
+              <a:t>First Class</a:t>
+            </a:r>
+          </a:p>
+        </p:txBody>
+      </p:sp>
+      <p:sp>
+        <p:nvSpPr>
+          <p:cNvPr id="7" name="Line Callout 1 6"/>
+          <p:cNvSpPr/>
+          <p:nvPr/>
+        </p:nvSpPr>
+        <p:spPr>
+          <a:xfrm>
+            <a:off x="7305451" y="4876800"/>
+            <a:ext cx="2057400" cy="533400"/>
+          </a:xfrm>
+          <a:prstGeom prst="borderCallout1">
+            <a:avLst>
+              <a:gd name="adj1" fmla="val -94248"/>
+              <a:gd name="adj2" fmla="val 11606"/>
+              <a:gd name="adj3" fmla="val -1251"/>
+              <a:gd name="adj4" fmla="val 49853"/>
+            </a:avLst>
+          </a:prstGeom>
+          <a:ln>
+            <a:solidFill>
+              <a:schemeClr val="accent1"/>
+            </a:solidFill>
+          </a:ln>
+        </p:spPr>
+        <p:style>
+          <a:lnRef idx="2">
+            <a:schemeClr val="accent1">
+              <a:shade val="50000"/>
+            </a:schemeClr>
+          </a:lnRef>
+          <a:fillRef idx="1">
+            <a:schemeClr val="accent1"/>
+          </a:fillRef>
+          <a:effectRef idx="0">
+            <a:schemeClr val="accent1"/>
+          </a:effectRef>
+          <a:fontRef idx="minor">
+            <a:schemeClr val="lt1"/>
+          </a:fontRef>
+        </p:style>
+        <p:txBody>
+          <a:bodyPr rtlCol="0" anchor="ctr"/>
+          <a:lstStyle/>
+          <a:p>
+            <a:pPr algn="ctr"/>
+            <a:r>
+              <a:rPr lang="en-US" dirty="0">
+                <a:solidFill>
+                  <a:schemeClr val="bg1"/>
+                </a:solidFill>
+              </a:rPr>
+              <a:t>Standby</a:t>
+            </a:r>
+          </a:p>
+        </p:txBody>
+      </p:sp>
+      <p:sp>
+        <p:nvSpPr>
+          <p:cNvPr id="8" name="Rectangle 3"/>
+          <p:cNvSpPr txBox="1">
+            <a:spLocks noChangeArrowheads="1"/>
+          </p:cNvSpPr>
+          <p:nvPr/>
+        </p:nvSpPr>
+        <p:spPr>
+          <a:xfrm>
+            <a:off x="297872" y="5715000"/>
+            <a:ext cx="8849880" cy="528828"/>
+          </a:xfrm>
+          <a:prstGeom prst="rect">
+            <a:avLst/>
+          </a:prstGeom>
+        </p:spPr>
+        <p:txBody>
+          <a:bodyPr vert="horz" lIns="0" tIns="0" rIns="0" bIns="0" rtlCol="0">
+            <a:noAutofit/>
+          </a:bodyPr>
+          <a:lstStyle>
+            <a:lvl1pPr marL="230188" indent="-230188" algn="l" defTabSz="914400" rtl="0" eaLnBrk="1" latinLnBrk="0" hangingPunct="1">
+              <a:spcBef>
+                <a:spcPts val="1800"/>
+              </a:spcBef>
+              <a:buClr>
+                <a:schemeClr val="bg2"/>
+              </a:buClr>
+              <a:buFont typeface="Arial" pitchFamily="34" charset="0"/>
+              <a:buChar char="•"/>
+              <a:defRPr sz="2200" kern="1200">
+                <a:solidFill>
+                  <a:schemeClr val="bg2"/>
+                </a:solidFill>
+                <a:latin typeface="+mn-lt"/>
+                <a:ea typeface="+mn-ea"/>
+                <a:cs typeface="+mn-cs"/>
+              </a:defRPr>
+            </a:lvl1pPr>
+            <a:lvl2pPr marL="684213" indent="-228600" algn="l" defTabSz="914400" rtl="0" eaLnBrk="1" latinLnBrk="0" hangingPunct="1">
+              <a:spcBef>
+                <a:spcPts val="0"/>
+              </a:spcBef>
+              <a:spcAft>
+                <a:spcPts val="200"/>
+              </a:spcAft>
+              <a:buFont typeface="Arial" pitchFamily="34" charset="0"/>
+              <a:buChar char="–"/>
+              <a:defRPr sz="2000" kern="1200">
+                <a:solidFill>
+                  <a:srgbClr val="4C4D4F"/>
+                </a:solidFill>
+                <a:latin typeface="Arial Narrow" pitchFamily="34" charset="0"/>
+                <a:ea typeface="+mn-ea"/>
+                <a:cs typeface="+mn-cs"/>
+              </a:defRPr>
+            </a:lvl2pPr>
+            <a:lvl3pPr marL="1143000" indent="-228600" algn="l" defTabSz="1085850" rtl="0" eaLnBrk="1" latinLnBrk="0" hangingPunct="1">
+              <a:spcBef>
+                <a:spcPts val="0"/>
+              </a:spcBef>
+              <a:spcAft>
+                <a:spcPts val="200"/>
+              </a:spcAft>
+              <a:buFont typeface="Arial" pitchFamily="34" charset="0"/>
+              <a:buChar char="•"/>
+              <a:defRPr sz="1800" kern="1200">
+                <a:solidFill>
+                  <a:srgbClr val="4C4D4F"/>
+                </a:solidFill>
+                <a:latin typeface="Arial Narrow" pitchFamily="34" charset="0"/>
+                <a:ea typeface="+mn-ea"/>
+                <a:cs typeface="+mn-cs"/>
+              </a:defRPr>
+            </a:lvl3pPr>
+            <a:lvl4pPr marL="1600200" indent="-228600" algn="l" defTabSz="914400" rtl="0" eaLnBrk="1" latinLnBrk="0" hangingPunct="1">
+              <a:spcBef>
+                <a:spcPct val="20000"/>
+              </a:spcBef>
+              <a:buFont typeface="Arial" pitchFamily="34" charset="0"/>
+              <a:buChar char="–"/>
+              <a:defRPr sz="1400" kern="1200">
+                <a:solidFill>
+                  <a:srgbClr val="4C4D4F"/>
+                </a:solidFill>
+                <a:latin typeface="+mn-lt"/>
+                <a:ea typeface="+mn-ea"/>
+                <a:cs typeface="+mn-cs"/>
+              </a:defRPr>
+            </a:lvl4pPr>
+            <a:lvl5pPr marL="2057400" indent="-228600" algn="l" defTabSz="914400" rtl="0" eaLnBrk="1" latinLnBrk="0" hangingPunct="1">
+              <a:spcBef>
+                <a:spcPct val="20000"/>
+              </a:spcBef>
+              <a:buFont typeface="Arial" pitchFamily="34" charset="0"/>
+              <a:buChar char="»"/>
+              <a:defRPr sz="1400" kern="1200">
+                <a:solidFill>
+                  <a:srgbClr val="4C4D4F"/>
+                </a:solidFill>
+                <a:latin typeface="+mn-lt"/>
+                <a:ea typeface="+mn-ea"/>
+                <a:cs typeface="+mn-cs"/>
+              </a:defRPr>
+            </a:lvl5pPr>
+            <a:lvl6pPr marL="2514600" indent="-228600" algn="l" defTabSz="914400" rtl="0" eaLnBrk="1" latinLnBrk="0" hangingPunct="1">
+              <a:spcBef>
+                <a:spcPct val="20000"/>
+              </a:spcBef>
+              <a:buFont typeface="Arial" pitchFamily="34" charset="0"/>
+              <a:buChar char="•"/>
+              <a:defRPr sz="2000" kern="1200">
+                <a:solidFill>
+                  <a:schemeClr val="tx1"/>
+                </a:solidFill>
+                <a:latin typeface="+mn-lt"/>
+                <a:ea typeface="+mn-ea"/>
+                <a:cs typeface="+mn-cs"/>
+              </a:defRPr>
+            </a:lvl6pPr>
+            <a:lvl7pPr marL="2971800" indent="-228600" algn="l" defTabSz="914400" rtl="0" eaLnBrk="1" latinLnBrk="0" hangingPunct="1">
+              <a:spcBef>
+                <a:spcPct val="20000"/>
+              </a:spcBef>
+              <a:buFont typeface="Arial" pitchFamily="34" charset="0"/>
+              <a:buChar char="•"/>
+              <a:defRPr sz="2000" kern="1200">
+                <a:solidFill>
+                  <a:schemeClr val="tx1"/>
+                </a:solidFill>
+                <a:latin typeface="+mn-lt"/>
+                <a:ea typeface="+mn-ea"/>
+                <a:cs typeface="+mn-cs"/>
+              </a:defRPr>
+            </a:lvl7pPr>
+            <a:lvl8pPr marL="3429000" indent="-228600" algn="l" defTabSz="914400" rtl="0" eaLnBrk="1" latinLnBrk="0" hangingPunct="1">
+              <a:spcBef>
+                <a:spcPct val="20000"/>
+              </a:spcBef>
+              <a:buFont typeface="Arial" pitchFamily="34" charset="0"/>
+              <a:buChar char="•"/>
+              <a:defRPr sz="2000" kern="1200">
+                <a:solidFill>
+                  <a:schemeClr val="tx1"/>
+                </a:solidFill>
+                <a:latin typeface="+mn-lt"/>
+                <a:ea typeface="+mn-ea"/>
+                <a:cs typeface="+mn-cs"/>
+              </a:defRPr>
+            </a:lvl8pPr>
+            <a:lvl9pPr marL="3886200" indent="-228600" algn="l" defTabSz="914400" rtl="0" eaLnBrk="1" latinLnBrk="0" hangingPunct="1">
+              <a:spcBef>
+                <a:spcPct val="20000"/>
+              </a:spcBef>
+              <a:buFont typeface="Arial" pitchFamily="34" charset="0"/>
+              <a:buChar char="•"/>
+              <a:defRPr sz="2000" kern="1200">
+                <a:solidFill>
+                  <a:schemeClr val="tx1"/>
+                </a:solidFill>
+                <a:latin typeface="+mn-lt"/>
+                <a:ea typeface="+mn-ea"/>
+                <a:cs typeface="+mn-cs"/>
+              </a:defRPr>
+            </a:lvl9pPr>
+          </a:lstStyle>
           <a:p>
             <a:pPr>
+              <a:lnSpc>
+                <a:spcPct val="90000"/>
+              </a:lnSpc>
               <a:buFontTx/>
               <a:buNone/>
             </a:pPr>
-            <a:endParaRPr lang="en-US" altLang="en-US" sz="2000" dirty="0"/>
-          </a:p>
-          <a:p>
-            <a:pPr>
-              <a:buFontTx/>
-              <a:buNone/>
-            </a:pPr>
-            <a:endParaRPr lang="en-US" altLang="en-US" sz="2000" dirty="0"/>
-          </a:p>
-        </p:txBody>
-      </p:sp>
-      <p:sp>
-        <p:nvSpPr>
-          <p:cNvPr id="2" name="TextBox 1"/>
-          <p:cNvSpPr txBox="1"/>
-          <p:nvPr/>
-        </p:nvSpPr>
-        <p:spPr>
-          <a:xfrm>
-            <a:off x="411776" y="2209800"/>
-            <a:ext cx="10635635" cy="4062651"/>
-          </a:xfrm>
-          <a:prstGeom prst="rect">
-            <a:avLst/>
-          </a:prstGeom>
-          <a:noFill/>
-        </p:spPr>
-        <p:txBody>
-          <a:bodyPr wrap="square" lIns="0" tIns="0" rIns="0" bIns="0" rtlCol="0">
-            <a:spAutoFit/>
-          </a:bodyPr>
-          <a:lstStyle/>
-          <a:p>
-            <a:r>
-              <a:rPr lang="en-US" dirty="0">
-                <a:latin typeface="Tahoma" panose="020B0604030504040204" pitchFamily="34" charset="0"/>
-                <a:ea typeface="Tahoma" panose="020B0604030504040204" pitchFamily="34" charset="0"/>
-                <a:cs typeface="Tahoma" panose="020B0604030504040204" pitchFamily="34" charset="0"/>
+            <a:r>
+              <a:rPr lang="en-US" sz="2400" dirty="0">
+                <a:solidFill>
+                  <a:schemeClr val="tx1"/>
+                </a:solidFill>
               </a:rPr>
-              <a:t>The linker won't include any stuff from an OBJ inside a library unless there's a reference to at least one symbol from that OBJ. </a:t>
-            </a:r>
-          </a:p>
-          <a:p>
-            <a:endParaRPr lang="en-US" dirty="0">
-              <a:latin typeface="Tahoma" panose="020B0604030504040204" pitchFamily="34" charset="0"/>
-              <a:ea typeface="Tahoma" panose="020B0604030504040204" pitchFamily="34" charset="0"/>
-              <a:cs typeface="Tahoma" panose="020B0604030504040204" pitchFamily="34" charset="0"/>
-            </a:endParaRPr>
-          </a:p>
-          <a:p>
-            <a:r>
-              <a:rPr lang="en-US" dirty="0">
-                <a:latin typeface="Tahoma" panose="020B0604030504040204" pitchFamily="34" charset="0"/>
-                <a:ea typeface="Tahoma" panose="020B0604030504040204" pitchFamily="34" charset="0"/>
-                <a:cs typeface="Tahoma" panose="020B0604030504040204" pitchFamily="34" charset="0"/>
+              <a:t>Compare </a:t>
+            </a:r>
+            <a:r>
+              <a:rPr lang="en-US" altLang="en-US" sz="2400" dirty="0">
+                <a:solidFill>
+                  <a:schemeClr val="tx1"/>
+                </a:solidFill>
+                <a:latin typeface="Courier New" pitchFamily="49" charset="0"/>
+                <a:cs typeface="Courier New" pitchFamily="49" charset="0"/>
               </a:rPr>
-              <a:t>In other words,</a:t>
-            </a:r>
-          </a:p>
-          <a:p>
-            <a:r>
-              <a:rPr lang="en-US" dirty="0">
-                <a:latin typeface="Tahoma" panose="020B0604030504040204" pitchFamily="34" charset="0"/>
-                <a:ea typeface="Tahoma" panose="020B0604030504040204" pitchFamily="34" charset="0"/>
-                <a:cs typeface="Tahoma" panose="020B0604030504040204" pitchFamily="34" charset="0"/>
-              </a:rPr>
-              <a:t>Explicitly named OBJs on the linker command line fly </a:t>
-            </a:r>
-            <a:r>
-              <a:rPr lang="en-US" b="1" dirty="0">
-                <a:latin typeface="Tahoma" panose="020B0604030504040204" pitchFamily="34" charset="0"/>
-                <a:ea typeface="Tahoma" panose="020B0604030504040204" pitchFamily="34" charset="0"/>
-                <a:cs typeface="Tahoma" panose="020B0604030504040204" pitchFamily="34" charset="0"/>
-              </a:rPr>
-              <a:t>first class</a:t>
-            </a:r>
-            <a:r>
-              <a:rPr lang="en-US" dirty="0">
-                <a:latin typeface="Tahoma" panose="020B0604030504040204" pitchFamily="34" charset="0"/>
-                <a:ea typeface="Tahoma" panose="020B0604030504040204" pitchFamily="34" charset="0"/>
-                <a:cs typeface="Tahoma" panose="020B0604030504040204" pitchFamily="34" charset="0"/>
-              </a:rPr>
-              <a:t>, and are always included in the executable. </a:t>
-            </a:r>
-          </a:p>
-          <a:p>
-            <a:r>
-              <a:rPr lang="en-US" dirty="0">
-                <a:latin typeface="Tahoma" panose="020B0604030504040204" pitchFamily="34" charset="0"/>
-                <a:ea typeface="Tahoma" panose="020B0604030504040204" pitchFamily="34" charset="0"/>
-                <a:cs typeface="Tahoma" panose="020B0604030504040204" pitchFamily="34" charset="0"/>
-              </a:rPr>
-              <a:t>OBJs from LIB files </a:t>
-            </a:r>
-            <a:r>
-              <a:rPr lang="en-US" b="1" dirty="0">
-                <a:latin typeface="Tahoma" panose="020B0604030504040204" pitchFamily="34" charset="0"/>
-                <a:ea typeface="Tahoma" panose="020B0604030504040204" pitchFamily="34" charset="0"/>
-                <a:cs typeface="Tahoma" panose="020B0604030504040204" pitchFamily="34" charset="0"/>
-              </a:rPr>
-              <a:t>fly standby</a:t>
-            </a:r>
-            <a:r>
-              <a:rPr lang="en-US" dirty="0">
-                <a:latin typeface="Tahoma" panose="020B0604030504040204" pitchFamily="34" charset="0"/>
-                <a:ea typeface="Tahoma" panose="020B0604030504040204" pitchFamily="34" charset="0"/>
-                <a:cs typeface="Tahoma" panose="020B0604030504040204" pitchFamily="34" charset="0"/>
-              </a:rPr>
-              <a:t>, and are only included in the executable if referenced. </a:t>
-            </a:r>
-          </a:p>
-          <a:p>
-            <a:endParaRPr lang="en-US" dirty="0">
-              <a:latin typeface="Tahoma" panose="020B0604030504040204" pitchFamily="34" charset="0"/>
-              <a:ea typeface="Tahoma" panose="020B0604030504040204" pitchFamily="34" charset="0"/>
-              <a:cs typeface="Tahoma" panose="020B0604030504040204" pitchFamily="34" charset="0"/>
-            </a:endParaRPr>
-          </a:p>
-          <a:p>
-            <a:r>
-              <a:rPr lang="en-US" dirty="0">
-                <a:latin typeface="Tahoma" panose="020B0604030504040204" pitchFamily="34" charset="0"/>
-                <a:ea typeface="Tahoma" panose="020B0604030504040204" pitchFamily="34" charset="0"/>
-                <a:cs typeface="Tahoma" panose="020B0604030504040204" pitchFamily="34" charset="0"/>
-                <a:hlinkClick r:id="rId3"/>
-              </a:rPr>
-              <a:t>http://www.microsoft.com/msj/0797/hood0797.aspx</a:t>
-            </a:r>
-            <a:endParaRPr lang="en-US" dirty="0">
-              <a:latin typeface="Tahoma" panose="020B0604030504040204" pitchFamily="34" charset="0"/>
-              <a:ea typeface="Tahoma" panose="020B0604030504040204" pitchFamily="34" charset="0"/>
-              <a:cs typeface="Tahoma" panose="020B0604030504040204" pitchFamily="34" charset="0"/>
-            </a:endParaRPr>
-          </a:p>
-          <a:p>
-            <a:endParaRPr lang="en-US" dirty="0">
-              <a:latin typeface="Tahoma" panose="020B0604030504040204" pitchFamily="34" charset="0"/>
-              <a:ea typeface="Tahoma" panose="020B0604030504040204" pitchFamily="34" charset="0"/>
-              <a:cs typeface="Tahoma" panose="020B0604030504040204" pitchFamily="34" charset="0"/>
-            </a:endParaRPr>
-          </a:p>
-          <a:p>
-            <a:endParaRPr lang="en-US" dirty="0">
-              <a:latin typeface="Tahoma" panose="020B0604030504040204" pitchFamily="34" charset="0"/>
-              <a:ea typeface="Tahoma" panose="020B0604030504040204" pitchFamily="34" charset="0"/>
-              <a:cs typeface="Tahoma" panose="020B0604030504040204" pitchFamily="34" charset="0"/>
-            </a:endParaRPr>
+              <a:t>/verbose output</a:t>
+            </a:r>
           </a:p>
         </p:txBody>
       </p:sp>
     </p:spTree>
     <p:extLst>
       <p:ext uri="{BB962C8B-B14F-4D97-AF65-F5344CB8AC3E}">
-        <p14:creationId xmlns:p14="http://schemas.microsoft.com/office/powerpoint/2010/main" val="2284729990"/>
+        <p14:creationId xmlns:p14="http://schemas.microsoft.com/office/powerpoint/2010/main" val="248715748"/>
       </p:ext>
     </p:extLst>
   </p:cSld>
@@ -15319,582 +15714,6 @@
       </p:grpSpPr>
       <p:sp>
         <p:nvSpPr>
-          <p:cNvPr id="47106" name="Rectangle 2"/>
-          <p:cNvSpPr>
-            <a:spLocks noGrp="1" noChangeArrowheads="1"/>
-          </p:cNvSpPr>
-          <p:nvPr>
-            <p:ph type="title"/>
-          </p:nvPr>
-        </p:nvSpPr>
-        <p:spPr/>
-        <p:txBody>
-          <a:bodyPr/>
-          <a:lstStyle/>
-          <a:p>
-            <a:r>
-              <a:rPr lang="en-US" altLang="en-US"/>
-              <a:t>Example</a:t>
-            </a:r>
-          </a:p>
-        </p:txBody>
-      </p:sp>
-      <p:sp>
-        <p:nvSpPr>
-          <p:cNvPr id="47107" name="Rectangle 3"/>
-          <p:cNvSpPr>
-            <a:spLocks noGrp="1" noChangeArrowheads="1"/>
-          </p:cNvSpPr>
-          <p:nvPr>
-            <p:ph idx="1"/>
-          </p:nvPr>
-        </p:nvSpPr>
-        <p:spPr>
-          <a:xfrm>
-            <a:off x="292532" y="1380744"/>
-            <a:ext cx="11481873" cy="4258056"/>
-          </a:xfrm>
-        </p:spPr>
-        <p:txBody>
-          <a:bodyPr/>
-          <a:lstStyle/>
-          <a:p>
-            <a:pPr>
-              <a:lnSpc>
-                <a:spcPct val="90000"/>
-              </a:lnSpc>
-            </a:pPr>
-            <a:r>
-              <a:rPr lang="en-US" altLang="en-US" sz="2000" dirty="0" err="1">
-                <a:solidFill>
-                  <a:schemeClr val="tx1">
-                    <a:lumMod val="75000"/>
-                  </a:schemeClr>
-                </a:solidFill>
-                <a:latin typeface="Courier New" pitchFamily="49" charset="0"/>
-                <a:cs typeface="Courier New" pitchFamily="49" charset="0"/>
-              </a:rPr>
-              <a:t>main.c</a:t>
-            </a:r>
-            <a:r>
-              <a:rPr lang="en-US" altLang="en-US" sz="2000" dirty="0">
-                <a:solidFill>
-                  <a:schemeClr val="tx1">
-                    <a:lumMod val="75000"/>
-                  </a:schemeClr>
-                </a:solidFill>
-                <a:latin typeface="Courier New" pitchFamily="49" charset="0"/>
-                <a:cs typeface="Courier New" pitchFamily="49" charset="0"/>
-              </a:rPr>
-              <a:t> : </a:t>
-            </a:r>
-            <a:r>
-              <a:rPr lang="en-US" altLang="en-US" sz="2000" dirty="0" err="1">
-                <a:solidFill>
-                  <a:schemeClr val="tx1">
-                    <a:lumMod val="75000"/>
-                  </a:schemeClr>
-                </a:solidFill>
-                <a:latin typeface="Courier New" pitchFamily="49" charset="0"/>
-                <a:cs typeface="Courier New" pitchFamily="49" charset="0"/>
-              </a:rPr>
-              <a:t>int</a:t>
-            </a:r>
-            <a:r>
-              <a:rPr lang="en-US" altLang="en-US" sz="2000" dirty="0">
-                <a:solidFill>
-                  <a:schemeClr val="tx1">
-                    <a:lumMod val="75000"/>
-                  </a:schemeClr>
-                </a:solidFill>
-                <a:latin typeface="Courier New" pitchFamily="49" charset="0"/>
-                <a:cs typeface="Courier New" pitchFamily="49" charset="0"/>
-              </a:rPr>
-              <a:t> main() { display(); }</a:t>
-            </a:r>
-          </a:p>
-          <a:p>
-            <a:pPr>
-              <a:lnSpc>
-                <a:spcPct val="90000"/>
-              </a:lnSpc>
-            </a:pPr>
-            <a:r>
-              <a:rPr lang="en-US" altLang="en-US" sz="2000" dirty="0">
-                <a:solidFill>
-                  <a:schemeClr val="tx1">
-                    <a:lumMod val="75000"/>
-                  </a:schemeClr>
-                </a:solidFill>
-                <a:latin typeface="Courier New" pitchFamily="49" charset="0"/>
-                <a:cs typeface="Courier New" pitchFamily="49" charset="0"/>
-              </a:rPr>
-              <a:t>f1.c   : void display() {printf(“from f1\n”);}</a:t>
-            </a:r>
-          </a:p>
-          <a:p>
-            <a:pPr>
-              <a:lnSpc>
-                <a:spcPct val="90000"/>
-              </a:lnSpc>
-            </a:pPr>
-            <a:r>
-              <a:rPr lang="en-US" altLang="en-US" sz="2000" dirty="0">
-                <a:solidFill>
-                  <a:schemeClr val="tx1">
-                    <a:lumMod val="75000"/>
-                  </a:schemeClr>
-                </a:solidFill>
-                <a:latin typeface="Courier New" pitchFamily="49" charset="0"/>
-                <a:cs typeface="Courier New" pitchFamily="49" charset="0"/>
-              </a:rPr>
-              <a:t>f2.c   : void display() {printf(“from f2\n”);}</a:t>
-            </a:r>
-          </a:p>
-          <a:p>
-            <a:pPr>
-              <a:lnSpc>
-                <a:spcPct val="90000"/>
-              </a:lnSpc>
-              <a:buFontTx/>
-              <a:buNone/>
-            </a:pPr>
-            <a:r>
-              <a:rPr lang="en-US" altLang="en-US" sz="2400" dirty="0">
-                <a:solidFill>
-                  <a:schemeClr val="tx1">
-                    <a:lumMod val="75000"/>
-                  </a:schemeClr>
-                </a:solidFill>
-                <a:latin typeface="Courier New" pitchFamily="49" charset="0"/>
-                <a:cs typeface="Courier New" pitchFamily="49" charset="0"/>
-              </a:rPr>
-              <a:t>% lib /</a:t>
-            </a:r>
-            <a:r>
-              <a:rPr lang="en-US" altLang="en-US" sz="2400" dirty="0" err="1">
-                <a:solidFill>
-                  <a:schemeClr val="tx1">
-                    <a:lumMod val="75000"/>
-                  </a:schemeClr>
-                </a:solidFill>
-                <a:latin typeface="Courier New" pitchFamily="49" charset="0"/>
-                <a:cs typeface="Courier New" pitchFamily="49" charset="0"/>
-              </a:rPr>
-              <a:t>out:mylib.lib</a:t>
-            </a:r>
-            <a:r>
-              <a:rPr lang="en-US" altLang="en-US" sz="2400" dirty="0">
-                <a:solidFill>
-                  <a:schemeClr val="tx1">
-                    <a:lumMod val="75000"/>
-                  </a:schemeClr>
-                </a:solidFill>
-                <a:latin typeface="Courier New" pitchFamily="49" charset="0"/>
-                <a:cs typeface="Courier New" pitchFamily="49" charset="0"/>
-              </a:rPr>
-              <a:t> f1.obj</a:t>
-            </a:r>
-          </a:p>
-          <a:p>
-            <a:pPr>
-              <a:lnSpc>
-                <a:spcPct val="90000"/>
-              </a:lnSpc>
-              <a:buFontTx/>
-              <a:buNone/>
-            </a:pPr>
-            <a:r>
-              <a:rPr lang="en-US" altLang="en-US" sz="2400" dirty="0">
-                <a:latin typeface="Courier New" pitchFamily="49" charset="0"/>
-                <a:cs typeface="Courier New" pitchFamily="49" charset="0"/>
-              </a:rPr>
-              <a:t>% </a:t>
-            </a:r>
-            <a:r>
-              <a:rPr lang="en-US" altLang="en-US" sz="2400" dirty="0">
-                <a:solidFill>
-                  <a:schemeClr val="accent2"/>
-                </a:solidFill>
-                <a:latin typeface="Courier New" pitchFamily="49" charset="0"/>
-                <a:cs typeface="Courier New" pitchFamily="49" charset="0"/>
-              </a:rPr>
-              <a:t>link /out:f1.exe main.obj mylib.lib  </a:t>
-            </a:r>
-          </a:p>
-          <a:p>
-            <a:pPr>
-              <a:lnSpc>
-                <a:spcPct val="90000"/>
-              </a:lnSpc>
-              <a:buFontTx/>
-              <a:buNone/>
-            </a:pPr>
-            <a:r>
-              <a:rPr lang="en-US" altLang="en-US" sz="2400" dirty="0">
-                <a:latin typeface="Courier New" pitchFamily="49" charset="0"/>
-                <a:cs typeface="Courier New" pitchFamily="49" charset="0"/>
-              </a:rPr>
-              <a:t>% link /out:f2.exe main.obj f2.obj mylib.lib</a:t>
-            </a:r>
-          </a:p>
-          <a:p>
-            <a:pPr>
-              <a:lnSpc>
-                <a:spcPct val="90000"/>
-              </a:lnSpc>
-              <a:buFontTx/>
-              <a:buNone/>
-            </a:pPr>
-            <a:endParaRPr lang="en-US" altLang="en-US" sz="2400" dirty="0">
-              <a:latin typeface="Courier New" pitchFamily="49" charset="0"/>
-              <a:cs typeface="Courier New" pitchFamily="49" charset="0"/>
-            </a:endParaRPr>
-          </a:p>
-        </p:txBody>
-      </p:sp>
-      <p:sp>
-        <p:nvSpPr>
-          <p:cNvPr id="4" name="Line Callout 1 3"/>
-          <p:cNvSpPr/>
-          <p:nvPr/>
-        </p:nvSpPr>
-        <p:spPr>
-          <a:xfrm>
-            <a:off x="2665412" y="4876800"/>
-            <a:ext cx="2057400" cy="533400"/>
-          </a:xfrm>
-          <a:prstGeom prst="borderCallout1">
-            <a:avLst>
-              <a:gd name="adj1" fmla="val -95850"/>
-              <a:gd name="adj2" fmla="val 145770"/>
-              <a:gd name="adj3" fmla="val 8362"/>
-              <a:gd name="adj4" fmla="val 96791"/>
-            </a:avLst>
-          </a:prstGeom>
-          <a:ln>
-            <a:solidFill>
-              <a:schemeClr val="accent1"/>
-            </a:solidFill>
-          </a:ln>
-        </p:spPr>
-        <p:style>
-          <a:lnRef idx="2">
-            <a:schemeClr val="accent1">
-              <a:shade val="50000"/>
-            </a:schemeClr>
-          </a:lnRef>
-          <a:fillRef idx="1">
-            <a:schemeClr val="accent1"/>
-          </a:fillRef>
-          <a:effectRef idx="0">
-            <a:schemeClr val="accent1"/>
-          </a:effectRef>
-          <a:fontRef idx="minor">
-            <a:schemeClr val="lt1"/>
-          </a:fontRef>
-        </p:style>
-        <p:txBody>
-          <a:bodyPr rtlCol="0" anchor="ctr"/>
-          <a:lstStyle/>
-          <a:p>
-            <a:pPr algn="ctr"/>
-            <a:r>
-              <a:rPr lang="en-US" dirty="0">
-                <a:solidFill>
-                  <a:schemeClr val="bg1"/>
-                </a:solidFill>
-              </a:rPr>
-              <a:t>First Class</a:t>
-            </a:r>
-          </a:p>
-        </p:txBody>
-      </p:sp>
-      <p:sp>
-        <p:nvSpPr>
-          <p:cNvPr id="7" name="Line Callout 1 6"/>
-          <p:cNvSpPr/>
-          <p:nvPr/>
-        </p:nvSpPr>
-        <p:spPr>
-          <a:xfrm>
-            <a:off x="7305451" y="4876800"/>
-            <a:ext cx="2057400" cy="533400"/>
-          </a:xfrm>
-          <a:prstGeom prst="borderCallout1">
-            <a:avLst>
-              <a:gd name="adj1" fmla="val -94248"/>
-              <a:gd name="adj2" fmla="val 11606"/>
-              <a:gd name="adj3" fmla="val -1251"/>
-              <a:gd name="adj4" fmla="val 49853"/>
-            </a:avLst>
-          </a:prstGeom>
-          <a:ln>
-            <a:solidFill>
-              <a:schemeClr val="accent1"/>
-            </a:solidFill>
-          </a:ln>
-        </p:spPr>
-        <p:style>
-          <a:lnRef idx="2">
-            <a:schemeClr val="accent1">
-              <a:shade val="50000"/>
-            </a:schemeClr>
-          </a:lnRef>
-          <a:fillRef idx="1">
-            <a:schemeClr val="accent1"/>
-          </a:fillRef>
-          <a:effectRef idx="0">
-            <a:schemeClr val="accent1"/>
-          </a:effectRef>
-          <a:fontRef idx="minor">
-            <a:schemeClr val="lt1"/>
-          </a:fontRef>
-        </p:style>
-        <p:txBody>
-          <a:bodyPr rtlCol="0" anchor="ctr"/>
-          <a:lstStyle/>
-          <a:p>
-            <a:pPr algn="ctr"/>
-            <a:r>
-              <a:rPr lang="en-US" dirty="0">
-                <a:solidFill>
-                  <a:schemeClr val="bg1"/>
-                </a:solidFill>
-              </a:rPr>
-              <a:t>Standby</a:t>
-            </a:r>
-          </a:p>
-        </p:txBody>
-      </p:sp>
-      <p:sp>
-        <p:nvSpPr>
-          <p:cNvPr id="8" name="Rectangle 3"/>
-          <p:cNvSpPr txBox="1">
-            <a:spLocks noChangeArrowheads="1"/>
-          </p:cNvSpPr>
-          <p:nvPr/>
-        </p:nvSpPr>
-        <p:spPr>
-          <a:xfrm>
-            <a:off x="297872" y="5715000"/>
-            <a:ext cx="8849880" cy="528828"/>
-          </a:xfrm>
-          <a:prstGeom prst="rect">
-            <a:avLst/>
-          </a:prstGeom>
-        </p:spPr>
-        <p:txBody>
-          <a:bodyPr vert="horz" lIns="0" tIns="0" rIns="0" bIns="0" rtlCol="0">
-            <a:noAutofit/>
-          </a:bodyPr>
-          <a:lstStyle>
-            <a:lvl1pPr marL="230188" indent="-230188" algn="l" defTabSz="914400" rtl="0" eaLnBrk="1" latinLnBrk="0" hangingPunct="1">
-              <a:spcBef>
-                <a:spcPts val="1800"/>
-              </a:spcBef>
-              <a:buClr>
-                <a:schemeClr val="bg2"/>
-              </a:buClr>
-              <a:buFont typeface="Arial" pitchFamily="34" charset="0"/>
-              <a:buChar char="•"/>
-              <a:defRPr sz="2200" kern="1200">
-                <a:solidFill>
-                  <a:schemeClr val="bg2"/>
-                </a:solidFill>
-                <a:latin typeface="+mn-lt"/>
-                <a:ea typeface="+mn-ea"/>
-                <a:cs typeface="+mn-cs"/>
-              </a:defRPr>
-            </a:lvl1pPr>
-            <a:lvl2pPr marL="684213" indent="-228600" algn="l" defTabSz="914400" rtl="0" eaLnBrk="1" latinLnBrk="0" hangingPunct="1">
-              <a:spcBef>
-                <a:spcPts val="0"/>
-              </a:spcBef>
-              <a:spcAft>
-                <a:spcPts val="200"/>
-              </a:spcAft>
-              <a:buFont typeface="Arial" pitchFamily="34" charset="0"/>
-              <a:buChar char="–"/>
-              <a:defRPr sz="2000" kern="1200">
-                <a:solidFill>
-                  <a:srgbClr val="4C4D4F"/>
-                </a:solidFill>
-                <a:latin typeface="Arial Narrow" pitchFamily="34" charset="0"/>
-                <a:ea typeface="+mn-ea"/>
-                <a:cs typeface="+mn-cs"/>
-              </a:defRPr>
-            </a:lvl2pPr>
-            <a:lvl3pPr marL="1143000" indent="-228600" algn="l" defTabSz="1085850" rtl="0" eaLnBrk="1" latinLnBrk="0" hangingPunct="1">
-              <a:spcBef>
-                <a:spcPts val="0"/>
-              </a:spcBef>
-              <a:spcAft>
-                <a:spcPts val="200"/>
-              </a:spcAft>
-              <a:buFont typeface="Arial" pitchFamily="34" charset="0"/>
-              <a:buChar char="•"/>
-              <a:defRPr sz="1800" kern="1200">
-                <a:solidFill>
-                  <a:srgbClr val="4C4D4F"/>
-                </a:solidFill>
-                <a:latin typeface="Arial Narrow" pitchFamily="34" charset="0"/>
-                <a:ea typeface="+mn-ea"/>
-                <a:cs typeface="+mn-cs"/>
-              </a:defRPr>
-            </a:lvl3pPr>
-            <a:lvl4pPr marL="1600200" indent="-228600" algn="l" defTabSz="914400" rtl="0" eaLnBrk="1" latinLnBrk="0" hangingPunct="1">
-              <a:spcBef>
-                <a:spcPct val="20000"/>
-              </a:spcBef>
-              <a:buFont typeface="Arial" pitchFamily="34" charset="0"/>
-              <a:buChar char="–"/>
-              <a:defRPr sz="1400" kern="1200">
-                <a:solidFill>
-                  <a:srgbClr val="4C4D4F"/>
-                </a:solidFill>
-                <a:latin typeface="+mn-lt"/>
-                <a:ea typeface="+mn-ea"/>
-                <a:cs typeface="+mn-cs"/>
-              </a:defRPr>
-            </a:lvl4pPr>
-            <a:lvl5pPr marL="2057400" indent="-228600" algn="l" defTabSz="914400" rtl="0" eaLnBrk="1" latinLnBrk="0" hangingPunct="1">
-              <a:spcBef>
-                <a:spcPct val="20000"/>
-              </a:spcBef>
-              <a:buFont typeface="Arial" pitchFamily="34" charset="0"/>
-              <a:buChar char="»"/>
-              <a:defRPr sz="1400" kern="1200">
-                <a:solidFill>
-                  <a:srgbClr val="4C4D4F"/>
-                </a:solidFill>
-                <a:latin typeface="+mn-lt"/>
-                <a:ea typeface="+mn-ea"/>
-                <a:cs typeface="+mn-cs"/>
-              </a:defRPr>
-            </a:lvl5pPr>
-            <a:lvl6pPr marL="2514600" indent="-228600" algn="l" defTabSz="914400" rtl="0" eaLnBrk="1" latinLnBrk="0" hangingPunct="1">
-              <a:spcBef>
-                <a:spcPct val="20000"/>
-              </a:spcBef>
-              <a:buFont typeface="Arial" pitchFamily="34" charset="0"/>
-              <a:buChar char="•"/>
-              <a:defRPr sz="2000" kern="1200">
-                <a:solidFill>
-                  <a:schemeClr val="tx1"/>
-                </a:solidFill>
-                <a:latin typeface="+mn-lt"/>
-                <a:ea typeface="+mn-ea"/>
-                <a:cs typeface="+mn-cs"/>
-              </a:defRPr>
-            </a:lvl6pPr>
-            <a:lvl7pPr marL="2971800" indent="-228600" algn="l" defTabSz="914400" rtl="0" eaLnBrk="1" latinLnBrk="0" hangingPunct="1">
-              <a:spcBef>
-                <a:spcPct val="20000"/>
-              </a:spcBef>
-              <a:buFont typeface="Arial" pitchFamily="34" charset="0"/>
-              <a:buChar char="•"/>
-              <a:defRPr sz="2000" kern="1200">
-                <a:solidFill>
-                  <a:schemeClr val="tx1"/>
-                </a:solidFill>
-                <a:latin typeface="+mn-lt"/>
-                <a:ea typeface="+mn-ea"/>
-                <a:cs typeface="+mn-cs"/>
-              </a:defRPr>
-            </a:lvl7pPr>
-            <a:lvl8pPr marL="3429000" indent="-228600" algn="l" defTabSz="914400" rtl="0" eaLnBrk="1" latinLnBrk="0" hangingPunct="1">
-              <a:spcBef>
-                <a:spcPct val="20000"/>
-              </a:spcBef>
-              <a:buFont typeface="Arial" pitchFamily="34" charset="0"/>
-              <a:buChar char="•"/>
-              <a:defRPr sz="2000" kern="1200">
-                <a:solidFill>
-                  <a:schemeClr val="tx1"/>
-                </a:solidFill>
-                <a:latin typeface="+mn-lt"/>
-                <a:ea typeface="+mn-ea"/>
-                <a:cs typeface="+mn-cs"/>
-              </a:defRPr>
-            </a:lvl8pPr>
-            <a:lvl9pPr marL="3886200" indent="-228600" algn="l" defTabSz="914400" rtl="0" eaLnBrk="1" latinLnBrk="0" hangingPunct="1">
-              <a:spcBef>
-                <a:spcPct val="20000"/>
-              </a:spcBef>
-              <a:buFont typeface="Arial" pitchFamily="34" charset="0"/>
-              <a:buChar char="•"/>
-              <a:defRPr sz="2000" kern="1200">
-                <a:solidFill>
-                  <a:schemeClr val="tx1"/>
-                </a:solidFill>
-                <a:latin typeface="+mn-lt"/>
-                <a:ea typeface="+mn-ea"/>
-                <a:cs typeface="+mn-cs"/>
-              </a:defRPr>
-            </a:lvl9pPr>
-          </a:lstStyle>
-          <a:p>
-            <a:pPr>
-              <a:lnSpc>
-                <a:spcPct val="90000"/>
-              </a:lnSpc>
-              <a:buFontTx/>
-              <a:buNone/>
-            </a:pPr>
-            <a:r>
-              <a:rPr lang="en-US" sz="2400" dirty="0">
-                <a:solidFill>
-                  <a:schemeClr val="tx1"/>
-                </a:solidFill>
-              </a:rPr>
-              <a:t>Compare </a:t>
-            </a:r>
-            <a:r>
-              <a:rPr lang="en-US" altLang="en-US" sz="2400" dirty="0">
-                <a:solidFill>
-                  <a:schemeClr val="tx1"/>
-                </a:solidFill>
-                <a:latin typeface="Courier New" pitchFamily="49" charset="0"/>
-                <a:cs typeface="Courier New" pitchFamily="49" charset="0"/>
-              </a:rPr>
-              <a:t>/verbose output</a:t>
-            </a:r>
-          </a:p>
-        </p:txBody>
-      </p:sp>
-    </p:spTree>
-    <p:extLst>
-      <p:ext uri="{BB962C8B-B14F-4D97-AF65-F5344CB8AC3E}">
-        <p14:creationId xmlns:p14="http://schemas.microsoft.com/office/powerpoint/2010/main" val="248715748"/>
-      </p:ext>
-    </p:extLst>
-  </p:cSld>
-  <p:clrMapOvr>
-    <a:masterClrMapping/>
-  </p:clrMapOvr>
-</p:sld>
-</file>
-
-<file path=ppt/slides/slide17.xml><?xml version="1.0" encoding="utf-8"?>
-<p:sld xmlns:a="http://schemas.openxmlformats.org/drawingml/2006/main" xmlns:r="http://schemas.openxmlformats.org/officeDocument/2006/relationships" xmlns:p="http://schemas.openxmlformats.org/presentationml/2006/main">
-  <p:cSld>
-    <p:spTree>
-      <p:nvGrpSpPr>
-        <p:cNvPr id="1" name=""/>
-        <p:cNvGrpSpPr/>
-        <p:nvPr/>
-      </p:nvGrpSpPr>
-      <p:grpSpPr>
-        <a:xfrm>
-          <a:off x="0" y="0"/>
-          <a:ext cx="0" cy="0"/>
-          <a:chOff x="0" y="0"/>
-          <a:chExt cx="0" cy="0"/>
-        </a:xfrm>
-      </p:grpSpPr>
-      <p:sp>
-        <p:nvSpPr>
           <p:cNvPr id="3" name="Title 2"/>
           <p:cNvSpPr>
             <a:spLocks noGrp="1"/>
@@ -15940,7 +15759,7 @@
 </p:sld>
 </file>
 
-<file path=ppt/slides/slide18.xml><?xml version="1.0" encoding="utf-8"?>
+<file path=ppt/slides/slide17.xml><?xml version="1.0" encoding="utf-8"?>
 <p:sld xmlns:a="http://schemas.openxmlformats.org/drawingml/2006/main" xmlns:r="http://schemas.openxmlformats.org/officeDocument/2006/relationships" xmlns:p="http://schemas.openxmlformats.org/presentationml/2006/main">
   <p:cSld>
     <p:spTree>
@@ -16087,7 +15906,7 @@
 </p:sld>
 </file>
 
-<file path=ppt/slides/slide19.xml><?xml version="1.0" encoding="utf-8"?>
+<file path=ppt/slides/slide18.xml><?xml version="1.0" encoding="utf-8"?>
 <p:sld xmlns:a="http://schemas.openxmlformats.org/drawingml/2006/main" xmlns:r="http://schemas.openxmlformats.org/officeDocument/2006/relationships" xmlns:p="http://schemas.openxmlformats.org/presentationml/2006/main">
   <p:cSld>
     <p:spTree>
@@ -16148,6 +15967,92 @@
       </p:transition>
     </mc:Fallback>
   </mc:AlternateContent>
+</p:sld>
+</file>
+
+<file path=ppt/slides/slide19.xml><?xml version="1.0" encoding="utf-8"?>
+<p:sld xmlns:a="http://schemas.openxmlformats.org/drawingml/2006/main" xmlns:r="http://schemas.openxmlformats.org/officeDocument/2006/relationships" xmlns:p="http://schemas.openxmlformats.org/presentationml/2006/main">
+  <p:cSld>
+    <p:spTree>
+      <p:nvGrpSpPr>
+        <p:cNvPr id="1" name=""/>
+        <p:cNvGrpSpPr/>
+        <p:nvPr/>
+      </p:nvGrpSpPr>
+      <p:grpSpPr>
+        <a:xfrm>
+          <a:off x="0" y="0"/>
+          <a:ext cx="0" cy="0"/>
+          <a:chOff x="0" y="0"/>
+          <a:chExt cx="0" cy="0"/>
+        </a:xfrm>
+      </p:grpSpPr>
+      <p:sp>
+        <p:nvSpPr>
+          <p:cNvPr id="2" name="Content Placeholder 1"/>
+          <p:cNvSpPr>
+            <a:spLocks noGrp="1"/>
+          </p:cNvSpPr>
+          <p:nvPr>
+            <p:ph idx="1"/>
+          </p:nvPr>
+        </p:nvSpPr>
+        <p:spPr/>
+        <p:txBody>
+          <a:bodyPr/>
+          <a:lstStyle/>
+          <a:p>
+            <a:r>
+              <a:rPr lang="en-US" dirty="0">
+                <a:hlinkClick r:id="rId2"/>
+              </a:rPr>
+              <a:t>github.com/gkalidas/Python/tree/master/</a:t>
+            </a:r>
+            <a:r>
+              <a:rPr lang="en-US" dirty="0" err="1">
+                <a:hlinkClick r:id="rId2"/>
+              </a:rPr>
+              <a:t>MCS_project_sem_III</a:t>
+            </a:r>
+            <a:endParaRPr lang="en-US" dirty="0"/>
+          </a:p>
+        </p:txBody>
+      </p:sp>
+      <p:sp>
+        <p:nvSpPr>
+          <p:cNvPr id="3" name="Title 2"/>
+          <p:cNvSpPr>
+            <a:spLocks noGrp="1"/>
+          </p:cNvSpPr>
+          <p:nvPr>
+            <p:ph type="title"/>
+          </p:nvPr>
+        </p:nvSpPr>
+        <p:spPr/>
+        <p:txBody>
+          <a:bodyPr/>
+          <a:lstStyle/>
+          <a:p>
+            <a:r>
+              <a:rPr lang="en-US" dirty="0"/>
+              <a:t>Where to get more info</a:t>
+            </a:r>
+          </a:p>
+        </p:txBody>
+      </p:sp>
+    </p:spTree>
+    <p:extLst>
+      <p:ext uri="{BB962C8B-B14F-4D97-AF65-F5344CB8AC3E}">
+        <p14:creationId xmlns:p14="http://schemas.microsoft.com/office/powerpoint/2010/main" val="1979456870"/>
+      </p:ext>
+    </p:extLst>
+  </p:cSld>
+  <p:clrMapOvr>
+    <a:masterClrMapping/>
+  </p:clrMapOvr>
+  <p:transition>
+    <p:wipe dir="r"/>
+  </p:transition>
 </p:sld>
 </file>
 
@@ -16253,92 +16158,6 @@
       </p:grpSpPr>
       <p:sp>
         <p:nvSpPr>
-          <p:cNvPr id="2" name="Content Placeholder 1"/>
-          <p:cNvSpPr>
-            <a:spLocks noGrp="1"/>
-          </p:cNvSpPr>
-          <p:nvPr>
-            <p:ph idx="1"/>
-          </p:nvPr>
-        </p:nvSpPr>
-        <p:spPr/>
-        <p:txBody>
-          <a:bodyPr/>
-          <a:lstStyle/>
-          <a:p>
-            <a:r>
-              <a:rPr lang="en-US" dirty="0">
-                <a:hlinkClick r:id="rId2"/>
-              </a:rPr>
-              <a:t>github.com/gkalidas/Python/tree/master/</a:t>
-            </a:r>
-            <a:r>
-              <a:rPr lang="en-US" dirty="0" err="1">
-                <a:hlinkClick r:id="rId2"/>
-              </a:rPr>
-              <a:t>MCS_project_sem_III</a:t>
-            </a:r>
-            <a:endParaRPr lang="en-US" dirty="0"/>
-          </a:p>
-        </p:txBody>
-      </p:sp>
-      <p:sp>
-        <p:nvSpPr>
-          <p:cNvPr id="3" name="Title 2"/>
-          <p:cNvSpPr>
-            <a:spLocks noGrp="1"/>
-          </p:cNvSpPr>
-          <p:nvPr>
-            <p:ph type="title"/>
-          </p:nvPr>
-        </p:nvSpPr>
-        <p:spPr/>
-        <p:txBody>
-          <a:bodyPr/>
-          <a:lstStyle/>
-          <a:p>
-            <a:r>
-              <a:rPr lang="en-US" dirty="0"/>
-              <a:t>Where to get more info</a:t>
-            </a:r>
-          </a:p>
-        </p:txBody>
-      </p:sp>
-    </p:spTree>
-    <p:extLst>
-      <p:ext uri="{BB962C8B-B14F-4D97-AF65-F5344CB8AC3E}">
-        <p14:creationId xmlns:p14="http://schemas.microsoft.com/office/powerpoint/2010/main" val="1979456870"/>
-      </p:ext>
-    </p:extLst>
-  </p:cSld>
-  <p:clrMapOvr>
-    <a:masterClrMapping/>
-  </p:clrMapOvr>
-  <p:transition>
-    <p:wipe dir="r"/>
-  </p:transition>
-</p:sld>
-</file>
-
-<file path=ppt/slides/slide21.xml><?xml version="1.0" encoding="utf-8"?>
-<p:sld xmlns:a="http://schemas.openxmlformats.org/drawingml/2006/main" xmlns:r="http://schemas.openxmlformats.org/officeDocument/2006/relationships" xmlns:p="http://schemas.openxmlformats.org/presentationml/2006/main">
-  <p:cSld>
-    <p:spTree>
-      <p:nvGrpSpPr>
-        <p:cNvPr id="1" name=""/>
-        <p:cNvGrpSpPr/>
-        <p:nvPr/>
-      </p:nvGrpSpPr>
-      <p:grpSpPr>
-        <a:xfrm>
-          <a:off x="0" y="0"/>
-          <a:ext cx="0" cy="0"/>
-          <a:chOff x="0" y="0"/>
-          <a:chExt cx="0" cy="0"/>
-        </a:xfrm>
-      </p:grpSpPr>
-      <p:sp>
-        <p:nvSpPr>
           <p:cNvPr id="2" name="Title 1"/>
           <p:cNvSpPr>
             <a:spLocks noGrp="1"/>
@@ -17607,7 +17426,7 @@
         </p:nvSpPr>
         <p:spPr>
           <a:xfrm>
-            <a:off x="6627812" y="3200400"/>
+            <a:off x="8548052" y="3200400"/>
             <a:ext cx="3048000" cy="1323439"/>
           </a:xfrm>
           <a:prstGeom prst="rect">
@@ -17718,7 +17537,7 @@
         </p:nvSpPr>
         <p:spPr>
           <a:xfrm>
-            <a:off x="2511820" y="3200400"/>
+            <a:off x="4951412" y="3254187"/>
             <a:ext cx="3048000" cy="1323439"/>
           </a:xfrm>
           <a:prstGeom prst="rect">
@@ -17828,6 +17647,90 @@
           <a:xfrm>
             <a:off x="8548052" y="1212301"/>
             <a:ext cx="3048000" cy="1323439"/>
+          </a:xfrm>
+          <a:prstGeom prst="rect">
+            <a:avLst/>
+          </a:prstGeom>
+        </p:spPr>
+        <p:style>
+          <a:lnRef idx="2">
+            <a:schemeClr val="accent3"/>
+          </a:lnRef>
+          <a:fillRef idx="1">
+            <a:schemeClr val="lt1"/>
+          </a:fillRef>
+          <a:effectRef idx="0">
+            <a:schemeClr val="accent3"/>
+          </a:effectRef>
+          <a:fontRef idx="minor">
+            <a:schemeClr val="dk1"/>
+          </a:fontRef>
+        </p:style>
+        <p:txBody>
+          <a:bodyPr wrap="square" lIns="91440" tIns="45720" rIns="91440" bIns="45720">
+            <a:spAutoFit/>
+          </a:bodyPr>
+          <a:lstStyle/>
+          <a:p>
+            <a:pPr algn="ctr"/>
+            <a:r>
+              <a:rPr lang="en-US" sz="4800" b="0" cap="none" spc="0" dirty="0">
+                <a:ln w="0"/>
+                <a:solidFill>
+                  <a:schemeClr val="accent1"/>
+                </a:solidFill>
+                <a:effectLst>
+                  <a:outerShdw blurRad="38100" dist="25400" dir="5400000" algn="ctr" rotWithShape="0">
+                    <a:srgbClr val="6E747A">
+                      <a:alpha val="43000"/>
+                    </a:srgbClr>
+                  </a:outerShdw>
+                </a:effectLst>
+                <a:latin typeface="Consolas" panose="020B0609020204030204" pitchFamily="49" charset="0"/>
+                <a:cs typeface="Consolas" panose="020B0609020204030204" pitchFamily="49" charset="0"/>
+              </a:rPr>
+              <a:t>6</a:t>
+            </a:r>
+          </a:p>
+          <a:p>
+            <a:pPr algn="ctr"/>
+            <a:r>
+              <a:rPr lang="en-US" sz="3200" b="0" cap="none" spc="0" dirty="0">
+                <a:ln w="0"/>
+                <a:solidFill>
+                  <a:schemeClr val="bg1">
+                    <a:lumMod val="50000"/>
+                  </a:schemeClr>
+                </a:solidFill>
+                <a:effectLst>
+                  <a:outerShdw blurRad="38100" dist="25400" dir="5400000" algn="ctr" rotWithShape="0">
+                    <a:srgbClr val="6E747A">
+                      <a:alpha val="43000"/>
+                    </a:srgbClr>
+                  </a:outerShdw>
+                </a:effectLst>
+              </a:rPr>
+              <a:t>Versions</a:t>
+            </a:r>
+          </a:p>
+        </p:txBody>
+      </p:sp>
+      <p:sp>
+        <p:nvSpPr>
+          <p:cNvPr id="8" name="Rectangle 7">
+            <a:extLst>
+              <a:ext uri="{FF2B5EF4-FFF2-40B4-BE49-F238E27FC236}">
+                <a16:creationId xmlns:a16="http://schemas.microsoft.com/office/drawing/2014/main" id="{40013FE4-B2BE-4885-9D5A-B790AFA62E11}"/>
+              </a:ext>
+            </a:extLst>
+          </p:cNvPr>
+          <p:cNvSpPr/>
+          <p:nvPr/>
+        </p:nvSpPr>
+        <p:spPr>
+          <a:xfrm>
+            <a:off x="184058" y="3254186"/>
+            <a:ext cx="4267200" cy="1323439"/>
           </a:xfrm>
           <a:prstGeom prst="rect">
             <a:avLst/>
@@ -18523,7 +18426,40 @@
       </p:grpSpPr>
       <p:sp>
         <p:nvSpPr>
-          <p:cNvPr id="2" name="Title 1"/>
+          <p:cNvPr id="2" name="Content Placeholder 1"/>
+          <p:cNvSpPr>
+            <a:spLocks noGrp="1"/>
+          </p:cNvSpPr>
+          <p:nvPr>
+            <p:ph idx="1"/>
+          </p:nvPr>
+        </p:nvSpPr>
+        <p:spPr/>
+        <p:txBody>
+          <a:bodyPr/>
+          <a:lstStyle/>
+          <a:p>
+            <a:r>
+              <a:rPr lang="en-US" dirty="0">
+                <a:solidFill>
+                  <a:schemeClr val="tx1"/>
+                </a:solidFill>
+              </a:rPr>
+              <a:t>Command line tools – you can invoke directly from the shell</a:t>
+            </a:r>
+          </a:p>
+          <a:p>
+            <a:endParaRPr lang="en-US" dirty="0">
+              <a:solidFill>
+                <a:schemeClr val="tx1"/>
+              </a:solidFill>
+            </a:endParaRPr>
+          </a:p>
+        </p:txBody>
+      </p:sp>
+      <p:sp>
+        <p:nvSpPr>
+          <p:cNvPr id="3" name="Title 2"/>
           <p:cNvSpPr>
             <a:spLocks noGrp="1"/>
           </p:cNvSpPr>
@@ -18538,14 +18474,14 @@
           <a:p>
             <a:r>
               <a:rPr lang="en-US" dirty="0"/>
-              <a:t>Why do build this way</a:t>
-            </a:r>
-          </a:p>
-        </p:txBody>
-      </p:sp>
-      <p:sp>
-        <p:nvSpPr>
-          <p:cNvPr id="3" name="Subtitle 2"/>
+              <a:t>How do we build</a:t>
+            </a:r>
+          </a:p>
+        </p:txBody>
+      </p:sp>
+      <p:sp>
+        <p:nvSpPr>
+          <p:cNvPr id="4" name="Subtitle 3"/>
           <p:cNvSpPr>
             <a:spLocks noGrp="1"/>
           </p:cNvSpPr>
@@ -18560,207 +18496,15 @@
           <a:p>
             <a:r>
               <a:rPr lang="en-US" dirty="0"/>
-              <a:t>Solution</a:t>
-            </a:r>
-          </a:p>
-        </p:txBody>
-      </p:sp>
-      <p:sp>
-        <p:nvSpPr>
-          <p:cNvPr id="4" name="Text Placeholder 3"/>
-          <p:cNvSpPr>
-            <a:spLocks noGrp="1"/>
-          </p:cNvSpPr>
-          <p:nvPr>
-            <p:ph type="body" sz="quarter" idx="16"/>
-          </p:nvPr>
-        </p:nvSpPr>
-        <p:spPr>
-          <a:xfrm>
-            <a:off x="288059" y="1380744"/>
-            <a:ext cx="11484864" cy="1895856"/>
-          </a:xfrm>
-        </p:spPr>
-        <p:txBody>
-          <a:bodyPr/>
-          <a:lstStyle/>
-          <a:p>
-            <a:r>
-              <a:rPr lang="en-US" dirty="0">
-                <a:sym typeface="Wingdings" panose="05000000000000000000" pitchFamily="2" charset="2"/>
-              </a:rPr>
-              <a:t>“Integration” pre-builds libraries and executables</a:t>
-            </a:r>
-          </a:p>
-          <a:p>
-            <a:r>
-              <a:rPr lang="en-US" dirty="0">
-                <a:sym typeface="Wingdings" panose="05000000000000000000" pitchFamily="2" charset="2"/>
-              </a:rPr>
-              <a:t>Developers relink the executable, using as many pre-built binaries as possible</a:t>
-            </a:r>
-          </a:p>
-          <a:p>
-            <a:r>
-              <a:rPr lang="en-US" dirty="0">
-                <a:sym typeface="Wingdings" panose="05000000000000000000" pitchFamily="2" charset="2"/>
-              </a:rPr>
-              <a:t>Usually, the resulting xtop.exe is 99.8% pre-built</a:t>
-            </a:r>
-            <a:endParaRPr lang="en-US" dirty="0"/>
-          </a:p>
-        </p:txBody>
-      </p:sp>
-      <p:graphicFrame>
-        <p:nvGraphicFramePr>
-          <p:cNvPr id="7" name="Table 6"/>
-          <p:cNvGraphicFramePr>
-            <a:graphicFrameLocks noGrp="1"/>
-          </p:cNvGraphicFramePr>
-          <p:nvPr>
-            <p:extLst>
-              <p:ext uri="{D42A27DB-BD31-4B8C-83A1-F6EECF244321}">
-                <p14:modId xmlns:p14="http://schemas.microsoft.com/office/powerpoint/2010/main" val="1181885007"/>
-              </p:ext>
-            </p:extLst>
-          </p:nvPr>
-        </p:nvGraphicFramePr>
-        <p:xfrm>
-          <a:off x="4799012" y="4550472"/>
-          <a:ext cx="4724400" cy="1188339"/>
-        </p:xfrm>
-        <a:graphic>
-          <a:graphicData uri="http://schemas.openxmlformats.org/drawingml/2006/table">
-            <a:tbl>
-              <a:tblPr firstRow="1" bandRow="1">
-                <a:tableStyleId>{5C22544A-7EE6-4342-B048-85BDC9FD1C3A}</a:tableStyleId>
-              </a:tblPr>
-              <a:tblGrid>
-                <a:gridCol w="2362200">
-                  <a:extLst>
-                    <a:ext uri="{9D8B030D-6E8A-4147-A177-3AD203B41FA5}">
-                      <a16:colId xmlns:a16="http://schemas.microsoft.com/office/drawing/2014/main" val="20000"/>
-                    </a:ext>
-                  </a:extLst>
-                </a:gridCol>
-                <a:gridCol w="2362200">
-                  <a:extLst>
-                    <a:ext uri="{9D8B030D-6E8A-4147-A177-3AD203B41FA5}">
-                      <a16:colId xmlns:a16="http://schemas.microsoft.com/office/drawing/2014/main" val="20001"/>
-                    </a:ext>
-                  </a:extLst>
-                </a:gridCol>
-              </a:tblGrid>
-              <a:tr h="370840">
-                <a:tc>
-                  <a:txBody>
-                    <a:bodyPr/>
-                    <a:lstStyle/>
-                    <a:p>
-                      <a:r>
-                        <a:rPr lang="en-US" dirty="0"/>
-                        <a:t>Objects built in project</a:t>
-                      </a:r>
-                    </a:p>
-                  </a:txBody>
-                  <a:tcPr/>
-                </a:tc>
-                <a:tc>
-                  <a:txBody>
-                    <a:bodyPr/>
-                    <a:lstStyle/>
-                    <a:p>
-                      <a:r>
-                        <a:rPr lang="en-US" dirty="0"/>
-                        <a:t>System Pre-built Objects</a:t>
-                      </a:r>
-                    </a:p>
-                  </a:txBody>
-                  <a:tcPr/>
-                </a:tc>
-                <a:extLst>
-                  <a:ext uri="{0D108BD9-81ED-4DB2-BD59-A6C34878D82A}">
-                    <a16:rowId xmlns:a16="http://schemas.microsoft.com/office/drawing/2014/main" val="10000"/>
-                  </a:ext>
-                </a:extLst>
-              </a:tr>
-              <a:tr h="370840">
-                <a:tc>
-                  <a:txBody>
-                    <a:bodyPr/>
-                    <a:lstStyle/>
-                    <a:p>
-                      <a:pPr algn="ctr"/>
-                      <a:r>
-                        <a:rPr lang="en-US" baseline="0" dirty="0"/>
-                        <a:t>4</a:t>
-                      </a:r>
-                      <a:endParaRPr lang="en-US" dirty="0"/>
-                    </a:p>
-                  </a:txBody>
-                  <a:tcPr/>
-                </a:tc>
-                <a:tc>
-                  <a:txBody>
-                    <a:bodyPr/>
-                    <a:lstStyle/>
-                    <a:p>
-                      <a:pPr algn="ctr"/>
-                      <a:r>
-                        <a:rPr lang="en-US" dirty="0">
-                          <a:hlinkClick r:id="rId2"/>
-                        </a:rPr>
-                        <a:t>2674</a:t>
-                      </a:r>
-                      <a:endParaRPr lang="en-US" dirty="0"/>
-                    </a:p>
-                  </a:txBody>
-                  <a:tcPr/>
-                </a:tc>
-                <a:extLst>
-                  <a:ext uri="{0D108BD9-81ED-4DB2-BD59-A6C34878D82A}">
-                    <a16:rowId xmlns:a16="http://schemas.microsoft.com/office/drawing/2014/main" val="10001"/>
-                  </a:ext>
-                </a:extLst>
-              </a:tr>
-            </a:tbl>
-          </a:graphicData>
-        </a:graphic>
-      </p:graphicFrame>
-      <p:pic>
-        <p:nvPicPr>
-          <p:cNvPr id="8" name="Picture 7"/>
-          <p:cNvPicPr>
-            <a:picLocks noChangeAspect="1"/>
-          </p:cNvPicPr>
-          <p:nvPr/>
-        </p:nvPicPr>
-        <p:blipFill>
-          <a:blip r:embed="rId3">
-            <a:extLst>
-              <a:ext uri="{28A0092B-C50C-407E-A947-70E740481C1C}">
-                <a14:useLocalDpi xmlns:a14="http://schemas.microsoft.com/office/drawing/2010/main" val="0"/>
-              </a:ext>
-            </a:extLst>
-          </a:blip>
-          <a:stretch>
-            <a:fillRect/>
-          </a:stretch>
-        </p:blipFill>
-        <p:spPr>
-          <a:xfrm>
-            <a:off x="303212" y="4495800"/>
-            <a:ext cx="3685715" cy="1266667"/>
-          </a:xfrm>
-          <a:prstGeom prst="rect">
-            <a:avLst/>
-          </a:prstGeom>
-        </p:spPr>
-      </p:pic>
+              <a:t>Platform used - Windows</a:t>
+            </a:r>
+          </a:p>
+        </p:txBody>
+      </p:sp>
     </p:spTree>
     <p:extLst>
       <p:ext uri="{BB962C8B-B14F-4D97-AF65-F5344CB8AC3E}">
-        <p14:creationId xmlns:p14="http://schemas.microsoft.com/office/powerpoint/2010/main" val="2403721825"/>
+        <p14:creationId xmlns:p14="http://schemas.microsoft.com/office/powerpoint/2010/main" val="3028628420"/>
       </p:ext>
     </p:extLst>
   </p:cSld>

--- a/MCS_project_sem_III/python_project.pptx
+++ b/MCS_project_sem_III/python_project.pptx
@@ -291,7 +291,7 @@
           <a:p>
             <a:fld id="{4D804108-0192-4A9F-9F26-4B789C2F2C79}" type="datetimeFigureOut">
               <a:rPr lang="en-US" smtClean="0"/>
-              <a:t>5/23/2019</a:t>
+              <a:t>5/24/2019</a:t>
             </a:fld>
             <a:endParaRPr lang="en-US"/>
           </a:p>
@@ -18006,24 +18006,24 @@
           <a:lstStyle/>
           <a:p>
             <a:r>
-              <a:rPr lang="en-US" dirty="0"/>
-              <a:t>Machine Learning</a:t>
-            </a:r>
-          </a:p>
-          <a:p>
-            <a:r>
-              <a:rPr lang="en-US" dirty="0"/>
-              <a:t>Automation</a:t>
-            </a:r>
-          </a:p>
-          <a:p>
-            <a:r>
               <a:rPr lang="en-US" dirty="0" err="1"/>
               <a:t>Regretion</a:t>
             </a:r>
             <a:r>
               <a:rPr lang="en-US" dirty="0"/>
               <a:t> tests</a:t>
+            </a:r>
+          </a:p>
+          <a:p>
+            <a:r>
+              <a:rPr lang="en-US" dirty="0"/>
+              <a:t>Automation</a:t>
+            </a:r>
+          </a:p>
+          <a:p>
+            <a:r>
+              <a:rPr lang="en-US" dirty="0"/>
+              <a:t>Machine Learning</a:t>
             </a:r>
           </a:p>
         </p:txBody>

--- a/MCS_project_sem_III/python_project.pptx
+++ b/MCS_project_sem_III/python_project.pptx
@@ -9,25 +9,25 @@
   </p:notesMasterIdLst>
   <p:sldIdLst>
     <p:sldId id="256" r:id="rId2"/>
-    <p:sldId id="257" r:id="rId3"/>
-    <p:sldId id="306" r:id="rId4"/>
-    <p:sldId id="259" r:id="rId5"/>
-    <p:sldId id="318" r:id="rId6"/>
-    <p:sldId id="268" r:id="rId7"/>
-    <p:sldId id="319" r:id="rId8"/>
-    <p:sldId id="320" r:id="rId9"/>
-    <p:sldId id="271" r:id="rId10"/>
-    <p:sldId id="311" r:id="rId11"/>
-    <p:sldId id="305" r:id="rId12"/>
-    <p:sldId id="286" r:id="rId13"/>
-    <p:sldId id="287" r:id="rId14"/>
-    <p:sldId id="293" r:id="rId15"/>
-    <p:sldId id="294" r:id="rId16"/>
-    <p:sldId id="300" r:id="rId17"/>
-    <p:sldId id="302" r:id="rId18"/>
-    <p:sldId id="299" r:id="rId19"/>
-    <p:sldId id="303" r:id="rId20"/>
-    <p:sldId id="262" r:id="rId21"/>
+    <p:sldId id="321" r:id="rId3"/>
+    <p:sldId id="257" r:id="rId4"/>
+    <p:sldId id="318" r:id="rId5"/>
+    <p:sldId id="306" r:id="rId6"/>
+    <p:sldId id="259" r:id="rId7"/>
+    <p:sldId id="324" r:id="rId8"/>
+    <p:sldId id="329" r:id="rId9"/>
+    <p:sldId id="319" r:id="rId10"/>
+    <p:sldId id="326" r:id="rId11"/>
+    <p:sldId id="327" r:id="rId12"/>
+    <p:sldId id="328" r:id="rId13"/>
+    <p:sldId id="325" r:id="rId14"/>
+    <p:sldId id="268" r:id="rId15"/>
+    <p:sldId id="320" r:id="rId16"/>
+    <p:sldId id="322" r:id="rId17"/>
+    <p:sldId id="323" r:id="rId18"/>
+    <p:sldId id="303" r:id="rId19"/>
+    <p:sldId id="311" r:id="rId20"/>
+    <p:sldId id="331" r:id="rId21"/>
   </p:sldIdLst>
   <p:sldSz cx="12188825" cy="6858000"/>
   <p:notesSz cx="7315200" cy="9601200"/>
@@ -291,7 +291,7 @@
           <a:p>
             <a:fld id="{4D804108-0192-4A9F-9F26-4B789C2F2C79}" type="datetimeFigureOut">
               <a:rPr lang="en-US" smtClean="0"/>
-              <a:t>5/24/2019</a:t>
+              <a:t>5/29/2019</a:t>
             </a:fld>
             <a:endParaRPr lang="en-US"/>
           </a:p>
@@ -558,358 +558,6 @@
 </p:notesMaster>
 </file>
 
-<file path=ppt/notesSlides/notesSlide1.xml><?xml version="1.0" encoding="utf-8"?>
-<p:notes xmlns:a="http://schemas.openxmlformats.org/drawingml/2006/main" xmlns:r="http://schemas.openxmlformats.org/officeDocument/2006/relationships" xmlns:p="http://schemas.openxmlformats.org/presentationml/2006/main">
-  <p:cSld>
-    <p:spTree>
-      <p:nvGrpSpPr>
-        <p:cNvPr id="1" name=""/>
-        <p:cNvGrpSpPr/>
-        <p:nvPr/>
-      </p:nvGrpSpPr>
-      <p:grpSpPr>
-        <a:xfrm>
-          <a:off x="0" y="0"/>
-          <a:ext cx="0" cy="0"/>
-          <a:chOff x="0" y="0"/>
-          <a:chExt cx="0" cy="0"/>
-        </a:xfrm>
-      </p:grpSpPr>
-      <p:sp>
-        <p:nvSpPr>
-          <p:cNvPr id="7" name="Rectangle 7"/>
-          <p:cNvSpPr>
-            <a:spLocks noGrp="1" noChangeArrowheads="1"/>
-          </p:cNvSpPr>
-          <p:nvPr>
-            <p:ph type="sldNum" sz="quarter" idx="5"/>
-          </p:nvPr>
-        </p:nvSpPr>
-        <p:spPr>
-          <a:ln/>
-        </p:spPr>
-        <p:txBody>
-          <a:bodyPr/>
-          <a:lstStyle/>
-          <a:p>
-            <a:fld id="{4AC60E50-3C27-4815-BEC2-F2EE66228B78}" type="slidenum">
-              <a:rPr lang="en-US" altLang="en-US"/>
-              <a:pPr/>
-              <a:t>12</a:t>
-            </a:fld>
-            <a:endParaRPr lang="en-US" altLang="en-US"/>
-          </a:p>
-        </p:txBody>
-      </p:sp>
-      <p:sp>
-        <p:nvSpPr>
-          <p:cNvPr id="31746" name="Rectangle 2"/>
-          <p:cNvSpPr>
-            <a:spLocks noGrp="1" noRot="1" noChangeAspect="1" noChangeArrowheads="1" noTextEdit="1"/>
-          </p:cNvSpPr>
-          <p:nvPr>
-            <p:ph type="sldImg"/>
-          </p:nvPr>
-        </p:nvSpPr>
-        <p:spPr>
-          <a:xfrm>
-            <a:off x="458788" y="720725"/>
-            <a:ext cx="6397625" cy="3600450"/>
-          </a:xfrm>
-          <a:ln/>
-        </p:spPr>
-      </p:sp>
-      <p:sp>
-        <p:nvSpPr>
-          <p:cNvPr id="31747" name="Rectangle 3"/>
-          <p:cNvSpPr>
-            <a:spLocks noGrp="1" noChangeArrowheads="1"/>
-          </p:cNvSpPr>
-          <p:nvPr>
-            <p:ph type="body" idx="1"/>
-          </p:nvPr>
-        </p:nvSpPr>
-        <p:spPr/>
-        <p:txBody>
-          <a:bodyPr/>
-          <a:lstStyle/>
-          <a:p>
-            <a:endParaRPr lang="en-US" altLang="en-US"/>
-          </a:p>
-        </p:txBody>
-      </p:sp>
-    </p:spTree>
-  </p:cSld>
-  <p:clrMapOvr>
-    <a:masterClrMapping/>
-  </p:clrMapOvr>
-</p:notes>
-</file>
-
-<file path=ppt/notesSlides/notesSlide2.xml><?xml version="1.0" encoding="utf-8"?>
-<p:notes xmlns:a="http://schemas.openxmlformats.org/drawingml/2006/main" xmlns:r="http://schemas.openxmlformats.org/officeDocument/2006/relationships" xmlns:p="http://schemas.openxmlformats.org/presentationml/2006/main">
-  <p:cSld>
-    <p:spTree>
-      <p:nvGrpSpPr>
-        <p:cNvPr id="1" name=""/>
-        <p:cNvGrpSpPr/>
-        <p:nvPr/>
-      </p:nvGrpSpPr>
-      <p:grpSpPr>
-        <a:xfrm>
-          <a:off x="0" y="0"/>
-          <a:ext cx="0" cy="0"/>
-          <a:chOff x="0" y="0"/>
-          <a:chExt cx="0" cy="0"/>
-        </a:xfrm>
-      </p:grpSpPr>
-      <p:sp>
-        <p:nvSpPr>
-          <p:cNvPr id="7" name="Rectangle 7"/>
-          <p:cNvSpPr>
-            <a:spLocks noGrp="1" noChangeArrowheads="1"/>
-          </p:cNvSpPr>
-          <p:nvPr>
-            <p:ph type="sldNum" sz="quarter" idx="5"/>
-          </p:nvPr>
-        </p:nvSpPr>
-        <p:spPr>
-          <a:ln/>
-        </p:spPr>
-        <p:txBody>
-          <a:bodyPr/>
-          <a:lstStyle/>
-          <a:p>
-            <a:fld id="{B89410A4-7C6D-4CC3-AF28-14B7F2E532BE}" type="slidenum">
-              <a:rPr lang="en-US" altLang="en-US"/>
-              <a:pPr/>
-              <a:t>13</a:t>
-            </a:fld>
-            <a:endParaRPr lang="en-US" altLang="en-US"/>
-          </a:p>
-        </p:txBody>
-      </p:sp>
-      <p:sp>
-        <p:nvSpPr>
-          <p:cNvPr id="33794" name="Rectangle 2"/>
-          <p:cNvSpPr>
-            <a:spLocks noGrp="1" noRot="1" noChangeAspect="1" noChangeArrowheads="1" noTextEdit="1"/>
-          </p:cNvSpPr>
-          <p:nvPr>
-            <p:ph type="sldImg"/>
-          </p:nvPr>
-        </p:nvSpPr>
-        <p:spPr>
-          <a:xfrm>
-            <a:off x="458788" y="720725"/>
-            <a:ext cx="6397625" cy="3600450"/>
-          </a:xfrm>
-          <a:ln/>
-        </p:spPr>
-      </p:sp>
-      <p:sp>
-        <p:nvSpPr>
-          <p:cNvPr id="33795" name="Rectangle 3"/>
-          <p:cNvSpPr>
-            <a:spLocks noGrp="1" noChangeArrowheads="1"/>
-          </p:cNvSpPr>
-          <p:nvPr>
-            <p:ph type="body" idx="1"/>
-          </p:nvPr>
-        </p:nvSpPr>
-        <p:spPr/>
-        <p:txBody>
-          <a:bodyPr/>
-          <a:lstStyle/>
-          <a:p>
-            <a:endParaRPr lang="en-US" altLang="en-US"/>
-          </a:p>
-        </p:txBody>
-      </p:sp>
-    </p:spTree>
-  </p:cSld>
-  <p:clrMapOvr>
-    <a:masterClrMapping/>
-  </p:clrMapOvr>
-</p:notes>
-</file>
-
-<file path=ppt/notesSlides/notesSlide3.xml><?xml version="1.0" encoding="utf-8"?>
-<p:notes xmlns:a="http://schemas.openxmlformats.org/drawingml/2006/main" xmlns:r="http://schemas.openxmlformats.org/officeDocument/2006/relationships" xmlns:p="http://schemas.openxmlformats.org/presentationml/2006/main">
-  <p:cSld>
-    <p:spTree>
-      <p:nvGrpSpPr>
-        <p:cNvPr id="1" name=""/>
-        <p:cNvGrpSpPr/>
-        <p:nvPr/>
-      </p:nvGrpSpPr>
-      <p:grpSpPr>
-        <a:xfrm>
-          <a:off x="0" y="0"/>
-          <a:ext cx="0" cy="0"/>
-          <a:chOff x="0" y="0"/>
-          <a:chExt cx="0" cy="0"/>
-        </a:xfrm>
-      </p:grpSpPr>
-      <p:sp>
-        <p:nvSpPr>
-          <p:cNvPr id="7" name="Rectangle 7"/>
-          <p:cNvSpPr>
-            <a:spLocks noGrp="1" noChangeArrowheads="1"/>
-          </p:cNvSpPr>
-          <p:nvPr>
-            <p:ph type="sldNum" sz="quarter" idx="5"/>
-          </p:nvPr>
-        </p:nvSpPr>
-        <p:spPr>
-          <a:ln/>
-        </p:spPr>
-        <p:txBody>
-          <a:bodyPr/>
-          <a:lstStyle/>
-          <a:p>
-            <a:fld id="{47D4BDEA-73D0-42B1-A4FA-036A0892992F}" type="slidenum">
-              <a:rPr lang="en-US" altLang="en-US"/>
-              <a:pPr/>
-              <a:t>14</a:t>
-            </a:fld>
-            <a:endParaRPr lang="en-US" altLang="en-US"/>
-          </a:p>
-        </p:txBody>
-      </p:sp>
-      <p:sp>
-        <p:nvSpPr>
-          <p:cNvPr id="46082" name="Rectangle 2"/>
-          <p:cNvSpPr>
-            <a:spLocks noGrp="1" noRot="1" noChangeAspect="1" noChangeArrowheads="1" noTextEdit="1"/>
-          </p:cNvSpPr>
-          <p:nvPr>
-            <p:ph type="sldImg"/>
-          </p:nvPr>
-        </p:nvSpPr>
-        <p:spPr>
-          <a:xfrm>
-            <a:off x="458788" y="720725"/>
-            <a:ext cx="6397625" cy="3600450"/>
-          </a:xfrm>
-          <a:ln/>
-        </p:spPr>
-      </p:sp>
-      <p:sp>
-        <p:nvSpPr>
-          <p:cNvPr id="46083" name="Rectangle 3"/>
-          <p:cNvSpPr>
-            <a:spLocks noGrp="1" noChangeArrowheads="1"/>
-          </p:cNvSpPr>
-          <p:nvPr>
-            <p:ph type="body" idx="1"/>
-          </p:nvPr>
-        </p:nvSpPr>
-        <p:spPr/>
-        <p:txBody>
-          <a:bodyPr/>
-          <a:lstStyle/>
-          <a:p>
-            <a:endParaRPr lang="en-US" altLang="en-US"/>
-          </a:p>
-        </p:txBody>
-      </p:sp>
-    </p:spTree>
-  </p:cSld>
-  <p:clrMapOvr>
-    <a:masterClrMapping/>
-  </p:clrMapOvr>
-</p:notes>
-</file>
-
-<file path=ppt/notesSlides/notesSlide4.xml><?xml version="1.0" encoding="utf-8"?>
-<p:notes xmlns:a="http://schemas.openxmlformats.org/drawingml/2006/main" xmlns:r="http://schemas.openxmlformats.org/officeDocument/2006/relationships" xmlns:p="http://schemas.openxmlformats.org/presentationml/2006/main">
-  <p:cSld>
-    <p:spTree>
-      <p:nvGrpSpPr>
-        <p:cNvPr id="1" name=""/>
-        <p:cNvGrpSpPr/>
-        <p:nvPr/>
-      </p:nvGrpSpPr>
-      <p:grpSpPr>
-        <a:xfrm>
-          <a:off x="0" y="0"/>
-          <a:ext cx="0" cy="0"/>
-          <a:chOff x="0" y="0"/>
-          <a:chExt cx="0" cy="0"/>
-        </a:xfrm>
-      </p:grpSpPr>
-      <p:sp>
-        <p:nvSpPr>
-          <p:cNvPr id="7" name="Rectangle 7"/>
-          <p:cNvSpPr>
-            <a:spLocks noGrp="1" noChangeArrowheads="1"/>
-          </p:cNvSpPr>
-          <p:nvPr>
-            <p:ph type="sldNum" sz="quarter" idx="5"/>
-          </p:nvPr>
-        </p:nvSpPr>
-        <p:spPr>
-          <a:ln/>
-        </p:spPr>
-        <p:txBody>
-          <a:bodyPr/>
-          <a:lstStyle/>
-          <a:p>
-            <a:fld id="{5C842580-AE5A-4693-B639-FD9ACECD0E66}" type="slidenum">
-              <a:rPr lang="en-US" altLang="en-US"/>
-              <a:pPr/>
-              <a:t>15</a:t>
-            </a:fld>
-            <a:endParaRPr lang="en-US" altLang="en-US"/>
-          </a:p>
-        </p:txBody>
-      </p:sp>
-      <p:sp>
-        <p:nvSpPr>
-          <p:cNvPr id="48130" name="Rectangle 2"/>
-          <p:cNvSpPr>
-            <a:spLocks noGrp="1" noRot="1" noChangeAspect="1" noChangeArrowheads="1" noTextEdit="1"/>
-          </p:cNvSpPr>
-          <p:nvPr>
-            <p:ph type="sldImg"/>
-          </p:nvPr>
-        </p:nvSpPr>
-        <p:spPr>
-          <a:xfrm>
-            <a:off x="458788" y="720725"/>
-            <a:ext cx="6397625" cy="3600450"/>
-          </a:xfrm>
-          <a:ln/>
-        </p:spPr>
-      </p:sp>
-      <p:sp>
-        <p:nvSpPr>
-          <p:cNvPr id="48131" name="Rectangle 3"/>
-          <p:cNvSpPr>
-            <a:spLocks noGrp="1" noChangeArrowheads="1"/>
-          </p:cNvSpPr>
-          <p:nvPr>
-            <p:ph type="body" idx="1"/>
-          </p:nvPr>
-        </p:nvSpPr>
-        <p:spPr/>
-        <p:txBody>
-          <a:bodyPr/>
-          <a:lstStyle/>
-          <a:p>
-            <a:endParaRPr lang="en-US" altLang="en-US"/>
-          </a:p>
-        </p:txBody>
-      </p:sp>
-    </p:spTree>
-  </p:cSld>
-  <p:clrMapOvr>
-    <a:masterClrMapping/>
-  </p:clrMapOvr>
-</p:notes>
-</file>
-
 <file path=ppt/slideLayouts/slideLayout1.xml><?xml version="1.0" encoding="utf-8"?>
 <p:sldLayout xmlns:a="http://schemas.openxmlformats.org/drawingml/2006/main" xmlns:r="http://schemas.openxmlformats.org/officeDocument/2006/relationships" xmlns:p="http://schemas.openxmlformats.org/presentationml/2006/main" showMasterSp="0" preserve="1">
   <p:cSld name="Title Slide">
@@ -11559,207 +11207,6 @@
 </file>
 
 <file path=ppt/slideLayouts/slideLayout41.xml><?xml version="1.0" encoding="utf-8"?>
-<p:sldLayout xmlns:a="http://schemas.openxmlformats.org/drawingml/2006/main" xmlns:r="http://schemas.openxmlformats.org/officeDocument/2006/relationships" xmlns:p="http://schemas.openxmlformats.org/presentationml/2006/main" type="obj">
-  <p:cSld name="5_Title and Content">
-    <p:spTree>
-      <p:nvGrpSpPr>
-        <p:cNvPr id="1" name=""/>
-        <p:cNvGrpSpPr/>
-        <p:nvPr/>
-      </p:nvGrpSpPr>
-      <p:grpSpPr>
-        <a:xfrm>
-          <a:off x="0" y="0"/>
-          <a:ext cx="0" cy="0"/>
-          <a:chOff x="0" y="0"/>
-          <a:chExt cx="0" cy="0"/>
-        </a:xfrm>
-      </p:grpSpPr>
-      <p:sp>
-        <p:nvSpPr>
-          <p:cNvPr id="2" name="Title 1"/>
-          <p:cNvSpPr>
-            <a:spLocks noGrp="1"/>
-          </p:cNvSpPr>
-          <p:nvPr>
-            <p:ph type="title"/>
-          </p:nvPr>
-        </p:nvSpPr>
-        <p:spPr/>
-        <p:txBody>
-          <a:bodyPr/>
-          <a:lstStyle/>
-          <a:p>
-            <a:r>
-              <a:rPr lang="en-US"/>
-              <a:t>Click to edit Master title style</a:t>
-            </a:r>
-          </a:p>
-        </p:txBody>
-      </p:sp>
-      <p:sp>
-        <p:nvSpPr>
-          <p:cNvPr id="3" name="Content Placeholder 2"/>
-          <p:cNvSpPr>
-            <a:spLocks noGrp="1"/>
-          </p:cNvSpPr>
-          <p:nvPr>
-            <p:ph idx="1"/>
-          </p:nvPr>
-        </p:nvSpPr>
-        <p:spPr/>
-        <p:txBody>
-          <a:bodyPr/>
-          <a:lstStyle/>
-          <a:p>
-            <a:pPr lvl="0"/>
-            <a:r>
-              <a:rPr lang="en-US"/>
-              <a:t>Click to edit Master text styles</a:t>
-            </a:r>
-          </a:p>
-          <a:p>
-            <a:pPr lvl="1"/>
-            <a:r>
-              <a:rPr lang="en-US"/>
-              <a:t>Second level</a:t>
-            </a:r>
-          </a:p>
-          <a:p>
-            <a:pPr lvl="2"/>
-            <a:r>
-              <a:rPr lang="en-US"/>
-              <a:t>Third level</a:t>
-            </a:r>
-          </a:p>
-          <a:p>
-            <a:pPr lvl="3"/>
-            <a:r>
-              <a:rPr lang="en-US"/>
-              <a:t>Fourth level</a:t>
-            </a:r>
-          </a:p>
-          <a:p>
-            <a:pPr lvl="4"/>
-            <a:r>
-              <a:rPr lang="en-US"/>
-              <a:t>Fifth level</a:t>
-            </a:r>
-          </a:p>
-        </p:txBody>
-      </p:sp>
-      <p:sp>
-        <p:nvSpPr>
-          <p:cNvPr id="4" name="Date Placeholder 3"/>
-          <p:cNvSpPr>
-            <a:spLocks noGrp="1"/>
-          </p:cNvSpPr>
-          <p:nvPr>
-            <p:ph type="dt" sz="half" idx="10"/>
-          </p:nvPr>
-        </p:nvSpPr>
-        <p:spPr>
-          <a:xfrm>
-            <a:off x="609441" y="6245225"/>
-            <a:ext cx="2844059" cy="476250"/>
-          </a:xfrm>
-          <a:prstGeom prst="rect">
-            <a:avLst/>
-          </a:prstGeom>
-        </p:spPr>
-        <p:txBody>
-          <a:bodyPr/>
-          <a:lstStyle>
-            <a:lvl1pPr>
-              <a:defRPr/>
-            </a:lvl1pPr>
-          </a:lstStyle>
-          <a:p>
-            <a:endParaRPr lang="en-US" altLang="en-US"/>
-          </a:p>
-        </p:txBody>
-      </p:sp>
-      <p:sp>
-        <p:nvSpPr>
-          <p:cNvPr id="5" name="Footer Placeholder 4"/>
-          <p:cNvSpPr>
-            <a:spLocks noGrp="1"/>
-          </p:cNvSpPr>
-          <p:nvPr>
-            <p:ph type="ftr" sz="quarter" idx="11"/>
-          </p:nvPr>
-        </p:nvSpPr>
-        <p:spPr>
-          <a:xfrm>
-            <a:off x="4164515" y="6245225"/>
-            <a:ext cx="3859795" cy="476250"/>
-          </a:xfrm>
-          <a:prstGeom prst="rect">
-            <a:avLst/>
-          </a:prstGeom>
-        </p:spPr>
-        <p:txBody>
-          <a:bodyPr/>
-          <a:lstStyle>
-            <a:lvl1pPr>
-              <a:defRPr/>
-            </a:lvl1pPr>
-          </a:lstStyle>
-          <a:p>
-            <a:endParaRPr lang="en-US" altLang="en-US"/>
-          </a:p>
-        </p:txBody>
-      </p:sp>
-      <p:sp>
-        <p:nvSpPr>
-          <p:cNvPr id="6" name="Slide Number Placeholder 5"/>
-          <p:cNvSpPr>
-            <a:spLocks noGrp="1"/>
-          </p:cNvSpPr>
-          <p:nvPr>
-            <p:ph type="sldNum" sz="quarter" idx="12"/>
-          </p:nvPr>
-        </p:nvSpPr>
-        <p:spPr>
-          <a:xfrm>
-            <a:off x="8735325" y="6245225"/>
-            <a:ext cx="2844059" cy="476250"/>
-          </a:xfrm>
-          <a:prstGeom prst="rect">
-            <a:avLst/>
-          </a:prstGeom>
-        </p:spPr>
-        <p:txBody>
-          <a:bodyPr/>
-          <a:lstStyle>
-            <a:lvl1pPr>
-              <a:defRPr/>
-            </a:lvl1pPr>
-          </a:lstStyle>
-          <a:p>
-            <a:fld id="{E4CD0228-0629-407F-9BA9-CC8B2DE968AC}" type="slidenum">
-              <a:rPr lang="en-US" altLang="en-US"/>
-              <a:pPr/>
-              <a:t>‹#›</a:t>
-            </a:fld>
-            <a:endParaRPr lang="en-US" altLang="en-US"/>
-          </a:p>
-        </p:txBody>
-      </p:sp>
-    </p:spTree>
-    <p:extLst>
-      <p:ext uri="{BB962C8B-B14F-4D97-AF65-F5344CB8AC3E}">
-        <p14:creationId xmlns:p14="http://schemas.microsoft.com/office/powerpoint/2010/main" val="3592093527"/>
-      </p:ext>
-    </p:extLst>
-  </p:cSld>
-  <p:clrMapOvr>
-    <a:masterClrMapping/>
-  </p:clrMapOvr>
-</p:sldLayout>
-</file>
-
-<file path=ppt/slideLayouts/slideLayout42.xml><?xml version="1.0" encoding="utf-8"?>
 <p:sldLayout xmlns:a="http://schemas.openxmlformats.org/drawingml/2006/main" xmlns:r="http://schemas.openxmlformats.org/officeDocument/2006/relationships" xmlns:p="http://schemas.openxmlformats.org/presentationml/2006/main" showMasterSp="0">
   <p:cSld name="Divider">
     <p:spTree>
@@ -11946,280 +11393,7 @@
 </p:sldLayout>
 </file>
 
-<file path=ppt/slideLayouts/slideLayout43.xml><?xml version="1.0" encoding="utf-8"?>
-<p:sldLayout xmlns:a="http://schemas.openxmlformats.org/drawingml/2006/main" xmlns:r="http://schemas.openxmlformats.org/officeDocument/2006/relationships" xmlns:p="http://schemas.openxmlformats.org/presentationml/2006/main">
-  <p:cSld name="14_Title and Content">
-    <p:spTree>
-      <p:nvGrpSpPr>
-        <p:cNvPr id="1" name=""/>
-        <p:cNvGrpSpPr/>
-        <p:nvPr/>
-      </p:nvGrpSpPr>
-      <p:grpSpPr>
-        <a:xfrm>
-          <a:off x="0" y="0"/>
-          <a:ext cx="0" cy="0"/>
-          <a:chOff x="0" y="0"/>
-          <a:chExt cx="0" cy="0"/>
-        </a:xfrm>
-      </p:grpSpPr>
-      <p:sp>
-        <p:nvSpPr>
-          <p:cNvPr id="3" name="Content Placeholder 2"/>
-          <p:cNvSpPr>
-            <a:spLocks noGrp="1"/>
-          </p:cNvSpPr>
-          <p:nvPr>
-            <p:ph idx="1"/>
-          </p:nvPr>
-        </p:nvSpPr>
-        <p:spPr>
-          <a:xfrm>
-            <a:off x="292542" y="1380744"/>
-            <a:ext cx="11596629" cy="5029200"/>
-          </a:xfrm>
-        </p:spPr>
-        <p:txBody>
-          <a:bodyPr>
-            <a:noAutofit/>
-          </a:bodyPr>
-          <a:lstStyle>
-            <a:lvl1pPr marL="230188" indent="-230188">
-              <a:spcBef>
-                <a:spcPts val="1800"/>
-              </a:spcBef>
-              <a:buClr>
-                <a:schemeClr val="bg2"/>
-              </a:buClr>
-              <a:defRPr sz="2200">
-                <a:solidFill>
-                  <a:schemeClr val="bg2"/>
-                </a:solidFill>
-              </a:defRPr>
-            </a:lvl1pPr>
-            <a:lvl2pPr marL="684213" indent="-228600">
-              <a:spcBef>
-                <a:spcPts val="0"/>
-              </a:spcBef>
-              <a:spcAft>
-                <a:spcPts val="200"/>
-              </a:spcAft>
-              <a:defRPr sz="2000">
-                <a:solidFill>
-                  <a:srgbClr val="4C4D4F"/>
-                </a:solidFill>
-                <a:latin typeface="Arial Narrow" pitchFamily="34" charset="0"/>
-              </a:defRPr>
-            </a:lvl2pPr>
-            <a:lvl3pPr marL="1143000" indent="-228600">
-              <a:spcBef>
-                <a:spcPts val="0"/>
-              </a:spcBef>
-              <a:spcAft>
-                <a:spcPts val="200"/>
-              </a:spcAft>
-              <a:defRPr sz="1800">
-                <a:solidFill>
-                  <a:srgbClr val="4C4D4F"/>
-                </a:solidFill>
-                <a:latin typeface="Arial Narrow" pitchFamily="34" charset="0"/>
-              </a:defRPr>
-            </a:lvl3pPr>
-            <a:lvl4pPr marL="1428750" indent="-228600">
-              <a:defRPr sz="1400">
-                <a:solidFill>
-                  <a:srgbClr val="4C4D4F"/>
-                </a:solidFill>
-              </a:defRPr>
-            </a:lvl4pPr>
-            <a:lvl5pPr marL="1827213" indent="-228600">
-              <a:defRPr sz="1400">
-                <a:solidFill>
-                  <a:srgbClr val="4C4D4F"/>
-                </a:solidFill>
-              </a:defRPr>
-            </a:lvl5pPr>
-          </a:lstStyle>
-          <a:p>
-            <a:pPr lvl="0"/>
-            <a:r>
-              <a:rPr lang="en-US"/>
-              <a:t>Click to edit Master text styles</a:t>
-            </a:r>
-          </a:p>
-          <a:p>
-            <a:pPr lvl="1"/>
-            <a:r>
-              <a:rPr lang="en-US"/>
-              <a:t>Second level</a:t>
-            </a:r>
-          </a:p>
-          <a:p>
-            <a:pPr lvl="2"/>
-            <a:r>
-              <a:rPr lang="en-US"/>
-              <a:t>Third level</a:t>
-            </a:r>
-          </a:p>
-        </p:txBody>
-      </p:sp>
-      <p:sp>
-        <p:nvSpPr>
-          <p:cNvPr id="8" name="Title 7"/>
-          <p:cNvSpPr>
-            <a:spLocks noGrp="1"/>
-          </p:cNvSpPr>
-          <p:nvPr>
-            <p:ph type="title"/>
-          </p:nvPr>
-        </p:nvSpPr>
-        <p:spPr/>
-        <p:txBody>
-          <a:bodyPr/>
-          <a:lstStyle/>
-          <a:p>
-            <a:r>
-              <a:rPr lang="en-US"/>
-              <a:t>Click to edit Master title style</a:t>
-            </a:r>
-            <a:endParaRPr lang="en-US" dirty="0"/>
-          </a:p>
-        </p:txBody>
-      </p:sp>
-      <p:sp>
-        <p:nvSpPr>
-          <p:cNvPr id="7" name="Subtitle 2"/>
-          <p:cNvSpPr>
-            <a:spLocks noGrp="1" noChangeAspect="1"/>
-          </p:cNvSpPr>
-          <p:nvPr>
-            <p:ph type="subTitle" idx="15"/>
-          </p:nvPr>
-        </p:nvSpPr>
-        <p:spPr>
-          <a:xfrm>
-            <a:off x="292608" y="932688"/>
-            <a:ext cx="11591573" cy="338328"/>
-          </a:xfrm>
-        </p:spPr>
-        <p:txBody>
-          <a:bodyPr/>
-          <a:lstStyle>
-            <a:lvl1pPr marL="0" indent="0" algn="l">
-              <a:buNone/>
-              <a:defRPr sz="2200">
-                <a:solidFill>
-                  <a:schemeClr val="tx1"/>
-                </a:solidFill>
-                <a:latin typeface="Arial Narrow" pitchFamily="34" charset="0"/>
-              </a:defRPr>
-            </a:lvl1pPr>
-            <a:lvl2pPr marL="457200" indent="0" algn="ctr">
-              <a:buNone/>
-              <a:defRPr>
-                <a:solidFill>
-                  <a:schemeClr val="tx1">
-                    <a:tint val="75000"/>
-                  </a:schemeClr>
-                </a:solidFill>
-              </a:defRPr>
-            </a:lvl2pPr>
-            <a:lvl3pPr marL="914400" indent="0" algn="ctr">
-              <a:buNone/>
-              <a:defRPr>
-                <a:solidFill>
-                  <a:schemeClr val="tx1">
-                    <a:tint val="75000"/>
-                  </a:schemeClr>
-                </a:solidFill>
-              </a:defRPr>
-            </a:lvl3pPr>
-            <a:lvl4pPr marL="1371600" indent="0" algn="ctr">
-              <a:buNone/>
-              <a:defRPr>
-                <a:solidFill>
-                  <a:schemeClr val="tx1">
-                    <a:tint val="75000"/>
-                  </a:schemeClr>
-                </a:solidFill>
-              </a:defRPr>
-            </a:lvl4pPr>
-            <a:lvl5pPr marL="1828800" indent="0" algn="ctr">
-              <a:buNone/>
-              <a:defRPr>
-                <a:solidFill>
-                  <a:schemeClr val="tx1">
-                    <a:tint val="75000"/>
-                  </a:schemeClr>
-                </a:solidFill>
-              </a:defRPr>
-            </a:lvl5pPr>
-            <a:lvl6pPr marL="2286000" indent="0" algn="ctr">
-              <a:buNone/>
-              <a:defRPr>
-                <a:solidFill>
-                  <a:schemeClr val="tx1">
-                    <a:tint val="75000"/>
-                  </a:schemeClr>
-                </a:solidFill>
-              </a:defRPr>
-            </a:lvl6pPr>
-            <a:lvl7pPr marL="2743200" indent="0" algn="ctr">
-              <a:buNone/>
-              <a:defRPr>
-                <a:solidFill>
-                  <a:schemeClr val="tx1">
-                    <a:tint val="75000"/>
-                  </a:schemeClr>
-                </a:solidFill>
-              </a:defRPr>
-            </a:lvl7pPr>
-            <a:lvl8pPr marL="3200400" indent="0" algn="ctr">
-              <a:buNone/>
-              <a:defRPr>
-                <a:solidFill>
-                  <a:schemeClr val="tx1">
-                    <a:tint val="75000"/>
-                  </a:schemeClr>
-                </a:solidFill>
-              </a:defRPr>
-            </a:lvl8pPr>
-            <a:lvl9pPr marL="3657600" indent="0" algn="ctr">
-              <a:buNone/>
-              <a:defRPr>
-                <a:solidFill>
-                  <a:schemeClr val="tx1">
-                    <a:tint val="75000"/>
-                  </a:schemeClr>
-                </a:solidFill>
-              </a:defRPr>
-            </a:lvl9pPr>
-          </a:lstStyle>
-          <a:p>
-            <a:r>
-              <a:rPr lang="en-US"/>
-              <a:t>Click to edit Master subtitle style</a:t>
-            </a:r>
-          </a:p>
-        </p:txBody>
-      </p:sp>
-    </p:spTree>
-    <p:extLst>
-      <p:ext uri="{BB962C8B-B14F-4D97-AF65-F5344CB8AC3E}">
-        <p14:creationId xmlns:p14="http://schemas.microsoft.com/office/powerpoint/2010/main" val="763224487"/>
-      </p:ext>
-    </p:extLst>
-  </p:cSld>
-  <p:clrMapOvr>
-    <a:masterClrMapping/>
-  </p:clrMapOvr>
-  <p:transition>
-    <p:wipe dir="r"/>
-  </p:transition>
-</p:sldLayout>
-</file>
-
-<file path=ppt/slideLayouts/slideLayout44.xml><?xml version="1.0" encoding="utf-8"?>
+<file path=ppt/slideLayouts/slideLayout42.xml><?xml version="1.0" encoding="utf-8"?>
 <p:sldLayout xmlns:a="http://schemas.openxmlformats.org/drawingml/2006/main" xmlns:r="http://schemas.openxmlformats.org/officeDocument/2006/relationships" xmlns:p="http://schemas.openxmlformats.org/presentationml/2006/main">
   <p:cSld name="15_Title and Content">
     <p:spTree>
@@ -13723,7 +12897,7 @@
           <p:nvPr/>
         </p:nvPicPr>
         <p:blipFill rotWithShape="1">
-          <a:blip r:embed="rId46" cstate="print">
+          <a:blip r:embed="rId44" cstate="print">
             <a:extLst>
               <a:ext uri="{28A0092B-C50C-407E-A947-70E740481C1C}">
                 <a14:useLocalDpi xmlns:a14="http://schemas.microsoft.com/office/drawing/2010/main" val="0"/>
@@ -13950,7 +13124,7 @@
           <p:nvPr/>
         </p:nvPicPr>
         <p:blipFill>
-          <a:blip r:embed="rId47" cstate="print">
+          <a:blip r:embed="rId45" cstate="print">
             <a:extLst>
               <a:ext uri="{28A0092B-C50C-407E-A947-70E740481C1C}">
                 <a14:useLocalDpi xmlns:a14="http://schemas.microsoft.com/office/drawing/2010/main" val="0"/>
@@ -14020,10 +13194,8 @@
     <p:sldLayoutId id="2147483709" r:id="rId38"/>
     <p:sldLayoutId id="2147483710" r:id="rId39"/>
     <p:sldLayoutId id="2147483712" r:id="rId40"/>
-    <p:sldLayoutId id="2147483716" r:id="rId41"/>
-    <p:sldLayoutId id="2147483723" r:id="rId42"/>
-    <p:sldLayoutId id="2147483727" r:id="rId43"/>
-    <p:sldLayoutId id="2147483728" r:id="rId44"/>
+    <p:sldLayoutId id="2147483723" r:id="rId41"/>
+    <p:sldLayoutId id="2147483728" r:id="rId42"/>
   </p:sldLayoutIdLst>
   <mc:AlternateContent xmlns:mc="http://schemas.openxmlformats.org/markup-compatibility/2006" xmlns:p14="http://schemas.microsoft.com/office/powerpoint/2010/main">
     <mc:Choice Requires="p14">
@@ -14353,6 +13525,14 @@
 <file path=ppt/slides/slide1.xml><?xml version="1.0" encoding="utf-8"?>
 <p:sld xmlns:a="http://schemas.openxmlformats.org/drawingml/2006/main" xmlns:r="http://schemas.openxmlformats.org/officeDocument/2006/relationships" xmlns:p="http://schemas.openxmlformats.org/presentationml/2006/main">
   <p:cSld>
+    <p:bg>
+      <p:bgPr>
+        <a:solidFill>
+          <a:schemeClr val="bg1"/>
+        </a:solidFill>
+        <a:effectLst/>
+      </p:bgPr>
+    </p:bg>
     <p:spTree>
       <p:nvGrpSpPr>
         <p:cNvPr id="1" name=""/>
@@ -14379,8 +13559,8 @@
         </p:nvSpPr>
         <p:spPr>
           <a:xfrm>
-            <a:off x="279734" y="494096"/>
-            <a:ext cx="5415809" cy="2553904"/>
+            <a:off x="279734" y="740253"/>
+            <a:ext cx="5415809" cy="2061590"/>
           </a:xfrm>
         </p:spPr>
         <p:txBody>
@@ -14390,7 +13570,15 @@
             <a:pPr algn="ctr"/>
             <a:r>
               <a:rPr lang="en-US" dirty="0"/>
-              <a:t>Efficient clustering algorithm to segregate tests on their execution behavior</a:t>
+              <a:t>Indira college of commerce and science, </a:t>
+            </a:r>
+            <a:r>
+              <a:rPr lang="en-US" dirty="0" err="1"/>
+              <a:t>Wakad</a:t>
+            </a:r>
+            <a:r>
+              <a:rPr lang="en-US" dirty="0"/>
+              <a:t>, Pune</a:t>
             </a:r>
           </a:p>
         </p:txBody>
@@ -14407,8 +13595,8 @@
         </p:nvSpPr>
         <p:spPr>
           <a:xfrm>
-            <a:off x="4265612" y="5211369"/>
-            <a:ext cx="1399621" cy="276999"/>
+            <a:off x="3656012" y="4934627"/>
+            <a:ext cx="2009221" cy="553741"/>
           </a:xfrm>
         </p:spPr>
         <p:txBody>
@@ -14417,7 +13605,7 @@
           <a:p>
             <a:r>
               <a:rPr lang="en-US" dirty="0"/>
-              <a:t>Ganesh K</a:t>
+              <a:t>Ganesh Londhe</a:t>
             </a:r>
           </a:p>
         </p:txBody>
@@ -14434,7 +13622,7 @@
         </p:nvSpPr>
         <p:spPr>
           <a:xfrm>
-            <a:off x="4265612" y="5525287"/>
+            <a:off x="3656012" y="5488368"/>
             <a:ext cx="1171021" cy="443198"/>
           </a:xfrm>
         </p:spPr>
@@ -14444,14 +13632,290 @@
           <a:p>
             <a:r>
               <a:rPr lang="en-IN" dirty="0"/>
-              <a:t>Intern R&amp;D</a:t>
+              <a:t>M.Sc.(CS) -II</a:t>
             </a:r>
             <a:br>
               <a:rPr lang="en-IN" dirty="0"/>
             </a:br>
             <a:r>
               <a:rPr lang="en-IN" dirty="0"/>
-              <a:t>GS &amp; Tools</a:t>
+              <a:t>11490</a:t>
+            </a:r>
+            <a:endParaRPr lang="en-US" dirty="0"/>
+          </a:p>
+        </p:txBody>
+      </p:sp>
+      <p:pic>
+        <p:nvPicPr>
+          <p:cNvPr id="8" name="Picture 7">
+            <a:extLst>
+              <a:ext uri="{FF2B5EF4-FFF2-40B4-BE49-F238E27FC236}">
+                <a16:creationId xmlns:a16="http://schemas.microsoft.com/office/drawing/2014/main" id="{5A819BA4-749F-4CD0-B47D-C07637D0EFB6}"/>
+              </a:ext>
+            </a:extLst>
+          </p:cNvPr>
+          <p:cNvPicPr>
+            <a:picLocks noChangeAspect="1"/>
+          </p:cNvPicPr>
+          <p:nvPr/>
+        </p:nvPicPr>
+        <p:blipFill>
+          <a:blip r:embed="rId2" cstate="print">
+            <a:extLst>
+              <a:ext uri="{28A0092B-C50C-407E-A947-70E740481C1C}">
+                <a14:useLocalDpi xmlns:a14="http://schemas.microsoft.com/office/drawing/2010/main" val="0"/>
+              </a:ext>
+            </a:extLst>
+          </a:blip>
+          <a:stretch>
+            <a:fillRect/>
+          </a:stretch>
+        </p:blipFill>
+        <p:spPr>
+          <a:xfrm>
+            <a:off x="6323012" y="2203032"/>
+            <a:ext cx="2533809" cy="2261426"/>
+          </a:xfrm>
+          <a:prstGeom prst="rect">
+            <a:avLst/>
+          </a:prstGeom>
+        </p:spPr>
+      </p:pic>
+      <p:pic>
+        <p:nvPicPr>
+          <p:cNvPr id="9" name="Picture 8">
+            <a:extLst>
+              <a:ext uri="{FF2B5EF4-FFF2-40B4-BE49-F238E27FC236}">
+                <a16:creationId xmlns:a16="http://schemas.microsoft.com/office/drawing/2014/main" id="{EB2F8DCD-AD7A-4FFA-A067-A290363946D8}"/>
+              </a:ext>
+            </a:extLst>
+          </p:cNvPr>
+          <p:cNvPicPr>
+            <a:picLocks noChangeAspect="1"/>
+          </p:cNvPicPr>
+          <p:nvPr/>
+        </p:nvPicPr>
+        <p:blipFill>
+          <a:blip r:embed="rId3">
+            <a:extLst>
+              <a:ext uri="{28A0092B-C50C-407E-A947-70E740481C1C}">
+                <a14:useLocalDpi xmlns:a14="http://schemas.microsoft.com/office/drawing/2010/main" val="0"/>
+              </a:ext>
+            </a:extLst>
+          </a:blip>
+          <a:stretch>
+            <a:fillRect/>
+          </a:stretch>
+        </p:blipFill>
+        <p:spPr>
+          <a:xfrm>
+            <a:off x="9066212" y="2249164"/>
+            <a:ext cx="2539683" cy="1955556"/>
+          </a:xfrm>
+          <a:prstGeom prst="rect">
+            <a:avLst/>
+          </a:prstGeom>
+        </p:spPr>
+      </p:pic>
+      <p:sp>
+        <p:nvSpPr>
+          <p:cNvPr id="10" name="Text Placeholder 2">
+            <a:extLst>
+              <a:ext uri="{FF2B5EF4-FFF2-40B4-BE49-F238E27FC236}">
+                <a16:creationId xmlns:a16="http://schemas.microsoft.com/office/drawing/2014/main" id="{660799C6-B9C7-4BAF-8E88-608B7E1D2D2F}"/>
+              </a:ext>
+            </a:extLst>
+          </p:cNvPr>
+          <p:cNvSpPr txBox="1">
+            <a:spLocks/>
+          </p:cNvSpPr>
+          <p:nvPr/>
+        </p:nvSpPr>
+        <p:spPr bwMode="gray">
+          <a:xfrm>
+            <a:off x="1646791" y="3207401"/>
+            <a:ext cx="2009221" cy="221599"/>
+          </a:xfrm>
+          <a:prstGeom prst="rect">
+            <a:avLst/>
+          </a:prstGeom>
+        </p:spPr>
+        <p:txBody>
+          <a:bodyPr vert="horz" wrap="square" lIns="0" tIns="0" rIns="0" bIns="0" rtlCol="0">
+            <a:spAutoFit/>
+          </a:bodyPr>
+          <a:lstStyle>
+            <a:lvl1pPr marL="0" indent="0" algn="l" defTabSz="1086449" rtl="0" eaLnBrk="1" latinLnBrk="0" hangingPunct="1">
+              <a:lnSpc>
+                <a:spcPct val="90000"/>
+              </a:lnSpc>
+              <a:spcBef>
+                <a:spcPts val="2138"/>
+              </a:spcBef>
+              <a:buClr>
+                <a:schemeClr val="tx1"/>
+              </a:buClr>
+              <a:buFont typeface="Arial" pitchFamily="34" charset="0"/>
+              <a:buNone/>
+              <a:defRPr sz="1600" kern="1200">
+                <a:solidFill>
+                  <a:schemeClr val="bg1"/>
+                </a:solidFill>
+                <a:effectLst/>
+                <a:latin typeface="+mn-lt"/>
+                <a:ea typeface="+mn-ea"/>
+                <a:cs typeface="+mn-cs"/>
+              </a:defRPr>
+            </a:lvl1pPr>
+            <a:lvl2pPr marL="455476" indent="0" algn="l" defTabSz="1086449" rtl="0" eaLnBrk="1" latinLnBrk="0" hangingPunct="1">
+              <a:lnSpc>
+                <a:spcPct val="90000"/>
+              </a:lnSpc>
+              <a:spcBef>
+                <a:spcPts val="0"/>
+              </a:spcBef>
+              <a:spcAft>
+                <a:spcPts val="238"/>
+              </a:spcAft>
+              <a:buFont typeface="Arial" pitchFamily="34" charset="0"/>
+              <a:buNone/>
+              <a:defRPr sz="1999" kern="1200">
+                <a:solidFill>
+                  <a:schemeClr val="bg1"/>
+                </a:solidFill>
+                <a:latin typeface="+mn-lt"/>
+                <a:ea typeface="+mn-ea"/>
+                <a:cs typeface="+mn-cs"/>
+              </a:defRPr>
+            </a:lvl2pPr>
+            <a:lvl3pPr marL="914126" indent="0" algn="l" defTabSz="1290159" rtl="0" eaLnBrk="1" latinLnBrk="0" hangingPunct="1">
+              <a:lnSpc>
+                <a:spcPct val="90000"/>
+              </a:lnSpc>
+              <a:spcBef>
+                <a:spcPts val="0"/>
+              </a:spcBef>
+              <a:spcAft>
+                <a:spcPts val="238"/>
+              </a:spcAft>
+              <a:buFont typeface="Arial" pitchFamily="34" charset="0"/>
+              <a:buNone/>
+              <a:defRPr sz="1799" kern="1200">
+                <a:solidFill>
+                  <a:schemeClr val="bg1"/>
+                </a:solidFill>
+                <a:latin typeface="+mn-lt"/>
+                <a:ea typeface="+mn-ea"/>
+                <a:cs typeface="+mn-cs"/>
+              </a:defRPr>
+            </a:lvl3pPr>
+            <a:lvl4pPr marL="1371189" indent="0" algn="l" defTabSz="1086449" rtl="0" eaLnBrk="1" latinLnBrk="0" hangingPunct="1">
+              <a:lnSpc>
+                <a:spcPct val="90000"/>
+              </a:lnSpc>
+              <a:spcBef>
+                <a:spcPts val="0"/>
+              </a:spcBef>
+              <a:spcAft>
+                <a:spcPts val="238"/>
+              </a:spcAft>
+              <a:buFont typeface="Arial" pitchFamily="34" charset="0"/>
+              <a:buNone/>
+              <a:defRPr sz="1600" kern="1200" baseline="0">
+                <a:solidFill>
+                  <a:schemeClr val="bg1"/>
+                </a:solidFill>
+                <a:latin typeface="+mn-lt"/>
+                <a:ea typeface="+mn-ea"/>
+                <a:cs typeface="+mn-cs"/>
+              </a:defRPr>
+            </a:lvl4pPr>
+            <a:lvl5pPr marL="1828251" indent="0" algn="l" defTabSz="1086449" rtl="0" eaLnBrk="1" latinLnBrk="0" hangingPunct="1">
+              <a:lnSpc>
+                <a:spcPct val="90000"/>
+              </a:lnSpc>
+              <a:spcBef>
+                <a:spcPts val="0"/>
+              </a:spcBef>
+              <a:spcAft>
+                <a:spcPts val="238"/>
+              </a:spcAft>
+              <a:buFont typeface="Arial" pitchFamily="34" charset="0"/>
+              <a:buNone/>
+              <a:defRPr sz="1400" kern="1200" baseline="0">
+                <a:solidFill>
+                  <a:schemeClr val="bg1"/>
+                </a:solidFill>
+                <a:latin typeface="+mn-lt"/>
+                <a:ea typeface="+mn-ea"/>
+                <a:cs typeface="+mn-cs"/>
+              </a:defRPr>
+            </a:lvl5pPr>
+            <a:lvl6pPr marL="2987735" indent="-271612" algn="l" defTabSz="1086449" rtl="0" eaLnBrk="1" latinLnBrk="0" hangingPunct="1">
+              <a:spcBef>
+                <a:spcPct val="20000"/>
+              </a:spcBef>
+              <a:buFont typeface="Arial" pitchFamily="34" charset="0"/>
+              <a:buChar char="•"/>
+              <a:defRPr sz="2399" kern="1200">
+                <a:solidFill>
+                  <a:schemeClr val="tx1"/>
+                </a:solidFill>
+                <a:latin typeface="+mn-lt"/>
+                <a:ea typeface="+mn-ea"/>
+                <a:cs typeface="+mn-cs"/>
+              </a:defRPr>
+            </a:lvl6pPr>
+            <a:lvl7pPr marL="3530960" indent="-271612" algn="l" defTabSz="1086449" rtl="0" eaLnBrk="1" latinLnBrk="0" hangingPunct="1">
+              <a:spcBef>
+                <a:spcPct val="20000"/>
+              </a:spcBef>
+              <a:buFont typeface="Arial" pitchFamily="34" charset="0"/>
+              <a:buChar char="•"/>
+              <a:defRPr sz="2399" kern="1200">
+                <a:solidFill>
+                  <a:schemeClr val="tx1"/>
+                </a:solidFill>
+                <a:latin typeface="+mn-lt"/>
+                <a:ea typeface="+mn-ea"/>
+                <a:cs typeface="+mn-cs"/>
+              </a:defRPr>
+            </a:lvl7pPr>
+            <a:lvl8pPr marL="4074185" indent="-271612" algn="l" defTabSz="1086449" rtl="0" eaLnBrk="1" latinLnBrk="0" hangingPunct="1">
+              <a:spcBef>
+                <a:spcPct val="20000"/>
+              </a:spcBef>
+              <a:buFont typeface="Arial" pitchFamily="34" charset="0"/>
+              <a:buChar char="•"/>
+              <a:defRPr sz="2399" kern="1200">
+                <a:solidFill>
+                  <a:schemeClr val="tx1"/>
+                </a:solidFill>
+                <a:latin typeface="+mn-lt"/>
+                <a:ea typeface="+mn-ea"/>
+                <a:cs typeface="+mn-cs"/>
+              </a:defRPr>
+            </a:lvl8pPr>
+            <a:lvl9pPr marL="4617410" indent="-271612" algn="l" defTabSz="1086449" rtl="0" eaLnBrk="1" latinLnBrk="0" hangingPunct="1">
+              <a:spcBef>
+                <a:spcPct val="20000"/>
+              </a:spcBef>
+              <a:buFont typeface="Arial" pitchFamily="34" charset="0"/>
+              <a:buChar char="•"/>
+              <a:defRPr sz="2399" kern="1200">
+                <a:solidFill>
+                  <a:schemeClr val="tx1"/>
+                </a:solidFill>
+                <a:latin typeface="+mn-lt"/>
+                <a:ea typeface="+mn-ea"/>
+                <a:cs typeface="+mn-cs"/>
+              </a:defRPr>
+            </a:lvl9pPr>
+          </a:lstStyle>
+          <a:p>
+            <a:r>
+              <a:rPr lang="en-IN" dirty="0"/>
+              <a:t>Project Presentation</a:t>
             </a:r>
             <a:endParaRPr lang="en-US" dirty="0"/>
           </a:p>
@@ -14495,28 +13959,101 @@
           <a:chExt cx="0" cy="0"/>
         </a:xfrm>
       </p:grpSpPr>
+      <p:sp>
+        <p:nvSpPr>
+          <p:cNvPr id="2" name="Title 1"/>
+          <p:cNvSpPr>
+            <a:spLocks noGrp="1"/>
+          </p:cNvSpPr>
+          <p:nvPr>
+            <p:ph type="title"/>
+          </p:nvPr>
+        </p:nvSpPr>
+        <p:spPr/>
+        <p:txBody>
+          <a:bodyPr/>
+          <a:lstStyle/>
+          <a:p>
+            <a:r>
+              <a:rPr lang="en-US" dirty="0"/>
+              <a:t>UML Diagrams - sequence</a:t>
+            </a:r>
+          </a:p>
+        </p:txBody>
+      </p:sp>
+      <p:pic>
+        <p:nvPicPr>
+          <p:cNvPr id="3" name="Picture 2">
+            <a:extLst>
+              <a:ext uri="{FF2B5EF4-FFF2-40B4-BE49-F238E27FC236}">
+                <a16:creationId xmlns:a16="http://schemas.microsoft.com/office/drawing/2014/main" id="{26BA216B-24E9-49CD-9D2B-7781C23CDD77}"/>
+              </a:ext>
+            </a:extLst>
+          </p:cNvPr>
+          <p:cNvPicPr>
+            <a:picLocks noChangeAspect="1"/>
+          </p:cNvPicPr>
+          <p:nvPr/>
+        </p:nvPicPr>
+        <p:blipFill>
+          <a:blip r:embed="rId2"/>
+          <a:stretch>
+            <a:fillRect/>
+          </a:stretch>
+        </p:blipFill>
+        <p:spPr>
+          <a:xfrm>
+            <a:off x="5332412" y="0"/>
+            <a:ext cx="5410292" cy="6477000"/>
+          </a:xfrm>
+          <a:prstGeom prst="rect">
+            <a:avLst/>
+          </a:prstGeom>
+        </p:spPr>
+      </p:pic>
+      <p:pic>
+        <p:nvPicPr>
+          <p:cNvPr id="4" name="Picture 3">
+            <a:extLst>
+              <a:ext uri="{FF2B5EF4-FFF2-40B4-BE49-F238E27FC236}">
+                <a16:creationId xmlns:a16="http://schemas.microsoft.com/office/drawing/2014/main" id="{CBBC62B0-C8B1-47D2-9375-50D43E0B4BDD}"/>
+              </a:ext>
+            </a:extLst>
+          </p:cNvPr>
+          <p:cNvPicPr>
+            <a:picLocks noChangeAspect="1"/>
+          </p:cNvPicPr>
+          <p:nvPr/>
+        </p:nvPicPr>
+        <p:blipFill>
+          <a:blip r:embed="rId3"/>
+          <a:stretch>
+            <a:fillRect/>
+          </a:stretch>
+        </p:blipFill>
+        <p:spPr>
+          <a:xfrm>
+            <a:off x="10664825" y="182880"/>
+            <a:ext cx="1524000" cy="685800"/>
+          </a:xfrm>
+          <a:prstGeom prst="rect">
+            <a:avLst/>
+          </a:prstGeom>
+        </p:spPr>
+      </p:pic>
     </p:spTree>
     <p:extLst>
       <p:ext uri="{BB962C8B-B14F-4D97-AF65-F5344CB8AC3E}">
-        <p14:creationId xmlns:p14="http://schemas.microsoft.com/office/powerpoint/2010/main" val="1460813515"/>
+        <p14:creationId xmlns:p14="http://schemas.microsoft.com/office/powerpoint/2010/main" val="3829430091"/>
       </p:ext>
     </p:extLst>
   </p:cSld>
   <p:clrMapOvr>
     <a:masterClrMapping/>
   </p:clrMapOvr>
-  <mc:AlternateContent xmlns:mc="http://schemas.openxmlformats.org/markup-compatibility/2006" xmlns:p14="http://schemas.microsoft.com/office/powerpoint/2010/main">
-    <mc:Choice Requires="p14">
-      <p:transition spd="med" p14:dur="700">
-        <p:fade/>
-      </p:transition>
-    </mc:Choice>
-    <mc:Fallback xmlns="">
-      <p:transition spd="med">
-        <p:fade/>
-      </p:transition>
-    </mc:Fallback>
-  </mc:AlternateContent>
+  <p:transition>
+    <p:wipe dir="r"/>
+  </p:transition>
 </p:sld>
 </file>
 
@@ -14554,33 +14091,84 @@
           <a:p>
             <a:r>
               <a:rPr lang="en-US" dirty="0"/>
-              <a:t>How it all works together</a:t>
-            </a:r>
-          </a:p>
-        </p:txBody>
-      </p:sp>
+              <a:t>UML Diagrams - class</a:t>
+            </a:r>
+          </a:p>
+        </p:txBody>
+      </p:sp>
+      <p:pic>
+        <p:nvPicPr>
+          <p:cNvPr id="3" name="Picture 2">
+            <a:extLst>
+              <a:ext uri="{FF2B5EF4-FFF2-40B4-BE49-F238E27FC236}">
+                <a16:creationId xmlns:a16="http://schemas.microsoft.com/office/drawing/2014/main" id="{E3F42CC7-E781-4911-91E1-F71BFF070E1F}"/>
+              </a:ext>
+            </a:extLst>
+          </p:cNvPr>
+          <p:cNvPicPr>
+            <a:picLocks noChangeAspect="1"/>
+          </p:cNvPicPr>
+          <p:nvPr/>
+        </p:nvPicPr>
+        <p:blipFill>
+          <a:blip r:embed="rId2"/>
+          <a:stretch>
+            <a:fillRect/>
+          </a:stretch>
+        </p:blipFill>
+        <p:spPr>
+          <a:xfrm>
+            <a:off x="5408612" y="0"/>
+            <a:ext cx="4262176" cy="6477000"/>
+          </a:xfrm>
+          <a:prstGeom prst="rect">
+            <a:avLst/>
+          </a:prstGeom>
+        </p:spPr>
+      </p:pic>
+      <p:pic>
+        <p:nvPicPr>
+          <p:cNvPr id="4" name="Picture 3">
+            <a:extLst>
+              <a:ext uri="{FF2B5EF4-FFF2-40B4-BE49-F238E27FC236}">
+                <a16:creationId xmlns:a16="http://schemas.microsoft.com/office/drawing/2014/main" id="{C084327F-40EE-4C55-8707-9AB2A666749A}"/>
+              </a:ext>
+            </a:extLst>
+          </p:cNvPr>
+          <p:cNvPicPr>
+            <a:picLocks noChangeAspect="1"/>
+          </p:cNvPicPr>
+          <p:nvPr/>
+        </p:nvPicPr>
+        <p:blipFill>
+          <a:blip r:embed="rId3"/>
+          <a:stretch>
+            <a:fillRect/>
+          </a:stretch>
+        </p:blipFill>
+        <p:spPr>
+          <a:xfrm>
+            <a:off x="10653712" y="182880"/>
+            <a:ext cx="1524000" cy="685800"/>
+          </a:xfrm>
+          <a:prstGeom prst="rect">
+            <a:avLst/>
+          </a:prstGeom>
+        </p:spPr>
+      </p:pic>
     </p:spTree>
     <p:extLst>
       <p:ext uri="{BB962C8B-B14F-4D97-AF65-F5344CB8AC3E}">
-        <p14:creationId xmlns:p14="http://schemas.microsoft.com/office/powerpoint/2010/main" val="4105241803"/>
+        <p14:creationId xmlns:p14="http://schemas.microsoft.com/office/powerpoint/2010/main" val="2440549569"/>
       </p:ext>
     </p:extLst>
   </p:cSld>
   <p:clrMapOvr>
     <a:masterClrMapping/>
   </p:clrMapOvr>
-  <mc:AlternateContent xmlns:mc="http://schemas.openxmlformats.org/markup-compatibility/2006" xmlns:p14="http://schemas.microsoft.com/office/powerpoint/2010/main">
-    <mc:Choice Requires="p14">
-      <p:transition spd="med" p14:dur="700">
-        <p:fade/>
-      </p:transition>
-    </mc:Choice>
-    <mc:Fallback xmlns="">
-      <p:transition spd="med">
-        <p:fade/>
-      </p:transition>
-    </mc:Fallback>
-  </mc:AlternateContent>
+  <p:transition>
+    <p:wipe dir="r"/>
+  </p:transition>
 </p:sld>
 </file>
 
@@ -14603,9 +14191,9 @@
       </p:grpSpPr>
       <p:sp>
         <p:nvSpPr>
-          <p:cNvPr id="30722" name="Rectangle 2"/>
+          <p:cNvPr id="2" name="Title 1"/>
           <p:cNvSpPr>
-            <a:spLocks noGrp="1" noChangeArrowheads="1"/>
+            <a:spLocks noGrp="1"/>
           </p:cNvSpPr>
           <p:nvPr>
             <p:ph type="title"/>
@@ -14617,106 +14205,85 @@
           <a:lstStyle/>
           <a:p>
             <a:r>
-              <a:rPr lang="en-US" altLang="en-US" dirty="0"/>
-              <a:t>Using your Header File</a:t>
-            </a:r>
-          </a:p>
-        </p:txBody>
-      </p:sp>
-      <p:sp>
-        <p:nvSpPr>
-          <p:cNvPr id="30723" name="Rectangle 3"/>
-          <p:cNvSpPr>
-            <a:spLocks noGrp="1" noChangeArrowheads="1"/>
-          </p:cNvSpPr>
-          <p:nvPr>
-            <p:ph idx="1"/>
-          </p:nvPr>
-        </p:nvSpPr>
-        <p:spPr/>
-        <p:txBody>
-          <a:bodyPr/>
-          <a:lstStyle/>
-          <a:p>
-            <a:r>
-              <a:rPr lang="en-US" altLang="en-US" dirty="0"/>
-              <a:t>Fetch a header file to your project</a:t>
-            </a:r>
-          </a:p>
-          <a:p>
-            <a:r>
-              <a:rPr lang="en-US" altLang="en-US" dirty="0"/>
-              <a:t>Update the makefile</a:t>
-            </a:r>
-          </a:p>
-          <a:p>
-            <a:pPr lvl="1"/>
-            <a:r>
-              <a:rPr lang="en-US" altLang="en-US" dirty="0"/>
-              <a:t>The include search path will be modified – to first look at your project files</a:t>
-            </a:r>
-          </a:p>
-          <a:p>
-            <a:r>
-              <a:rPr lang="en-US" altLang="en-US" dirty="0"/>
-              <a:t>Whenever you write an #include inside a header file, make sure you use &lt;&gt; (and not “” )</a:t>
-            </a:r>
-          </a:p>
-          <a:p>
-            <a:pPr marL="0" indent="0">
-              <a:buNone/>
-            </a:pPr>
-            <a:r>
-              <a:rPr lang="en-US" altLang="en-US" dirty="0"/>
-              <a:t>(Self learning) – why?</a:t>
-            </a:r>
-          </a:p>
-          <a:p>
-            <a:pPr marL="0" indent="0">
-              <a:buNone/>
-            </a:pPr>
-            <a:r>
-              <a:rPr lang="en-US" altLang="en-US" dirty="0"/>
-              <a:t>Use </a:t>
-            </a:r>
-            <a:r>
-              <a:rPr lang="en-US" altLang="en-US" dirty="0">
-                <a:latin typeface="Consolas" panose="020B0609020204030204" pitchFamily="49" charset="0"/>
-                <a:cs typeface="Consolas" panose="020B0609020204030204" pitchFamily="49" charset="0"/>
-              </a:rPr>
-              <a:t>/</a:t>
-            </a:r>
-            <a:r>
-              <a:rPr lang="en-US" altLang="en-US" dirty="0" err="1">
-                <a:latin typeface="Consolas" panose="020B0609020204030204" pitchFamily="49" charset="0"/>
-                <a:cs typeface="Consolas" panose="020B0609020204030204" pitchFamily="49" charset="0"/>
-              </a:rPr>
-              <a:t>showIncludes</a:t>
-            </a:r>
-            <a:r>
-              <a:rPr lang="en-US" altLang="en-US" dirty="0">
-                <a:latin typeface="Consolas" panose="020B0609020204030204" pitchFamily="49" charset="0"/>
-                <a:cs typeface="Consolas" panose="020B0609020204030204" pitchFamily="49" charset="0"/>
-              </a:rPr>
-              <a:t> </a:t>
-            </a:r>
-            <a:r>
-              <a:rPr lang="en-US" altLang="en-US" dirty="0"/>
-              <a:t>compiler flag to research this</a:t>
-            </a:r>
-          </a:p>
-        </p:txBody>
-      </p:sp>
+              <a:rPr lang="en-US" dirty="0"/>
+              <a:t>UML Diagrams - component</a:t>
+            </a:r>
+          </a:p>
+        </p:txBody>
+      </p:sp>
+      <p:pic>
+        <p:nvPicPr>
+          <p:cNvPr id="4" name="Picture 3">
+            <a:extLst>
+              <a:ext uri="{FF2B5EF4-FFF2-40B4-BE49-F238E27FC236}">
+                <a16:creationId xmlns:a16="http://schemas.microsoft.com/office/drawing/2014/main" id="{55E652B7-BA7D-475C-8C38-F29E4D511FCF}"/>
+              </a:ext>
+            </a:extLst>
+          </p:cNvPr>
+          <p:cNvPicPr>
+            <a:picLocks noChangeAspect="1"/>
+          </p:cNvPicPr>
+          <p:nvPr/>
+        </p:nvPicPr>
+        <p:blipFill>
+          <a:blip r:embed="rId2"/>
+          <a:stretch>
+            <a:fillRect/>
+          </a:stretch>
+        </p:blipFill>
+        <p:spPr>
+          <a:xfrm>
+            <a:off x="1981870" y="533400"/>
+            <a:ext cx="8904083" cy="5943600"/>
+          </a:xfrm>
+          <a:prstGeom prst="rect">
+            <a:avLst/>
+          </a:prstGeom>
+        </p:spPr>
+      </p:pic>
+      <p:pic>
+        <p:nvPicPr>
+          <p:cNvPr id="3" name="Picture 2">
+            <a:extLst>
+              <a:ext uri="{FF2B5EF4-FFF2-40B4-BE49-F238E27FC236}">
+                <a16:creationId xmlns:a16="http://schemas.microsoft.com/office/drawing/2014/main" id="{C7AD3A60-D1D5-4D89-A3F2-0F97637D278F}"/>
+              </a:ext>
+            </a:extLst>
+          </p:cNvPr>
+          <p:cNvPicPr>
+            <a:picLocks noChangeAspect="1"/>
+          </p:cNvPicPr>
+          <p:nvPr/>
+        </p:nvPicPr>
+        <p:blipFill>
+          <a:blip r:embed="rId3"/>
+          <a:stretch>
+            <a:fillRect/>
+          </a:stretch>
+        </p:blipFill>
+        <p:spPr>
+          <a:xfrm>
+            <a:off x="10514012" y="190500"/>
+            <a:ext cx="1524000" cy="685800"/>
+          </a:xfrm>
+          <a:prstGeom prst="rect">
+            <a:avLst/>
+          </a:prstGeom>
+        </p:spPr>
+      </p:pic>
     </p:spTree>
     <p:extLst>
       <p:ext uri="{BB962C8B-B14F-4D97-AF65-F5344CB8AC3E}">
-        <p14:creationId xmlns:p14="http://schemas.microsoft.com/office/powerpoint/2010/main" val="462016195"/>
+        <p14:creationId xmlns:p14="http://schemas.microsoft.com/office/powerpoint/2010/main" val="709422901"/>
       </p:ext>
     </p:extLst>
   </p:cSld>
   <p:clrMapOvr>
     <a:masterClrMapping/>
   </p:clrMapOvr>
+  <p:transition>
+    <p:wipe dir="r"/>
+  </p:transition>
 </p:sld>
 </file>
 
@@ -14739,9 +14306,9 @@
       </p:grpSpPr>
       <p:sp>
         <p:nvSpPr>
-          <p:cNvPr id="32770" name="Rectangle 2"/>
+          <p:cNvPr id="2" name="Title 1"/>
           <p:cNvSpPr>
-            <a:spLocks noGrp="1" noChangeArrowheads="1"/>
+            <a:spLocks noGrp="1"/>
           </p:cNvSpPr>
           <p:nvPr>
             <p:ph type="title"/>
@@ -14753,70 +14320,121 @@
           <a:lstStyle/>
           <a:p>
             <a:r>
-              <a:rPr lang="en-US" altLang="en-US" dirty="0"/>
-              <a:t>Summary- compilation</a:t>
-            </a:r>
-          </a:p>
-        </p:txBody>
-      </p:sp>
-      <p:sp>
-        <p:nvSpPr>
-          <p:cNvPr id="32771" name="Rectangle 3"/>
+              <a:rPr lang="en-US" dirty="0"/>
+              <a:t>Output – (124,382)</a:t>
+            </a:r>
+          </a:p>
+        </p:txBody>
+      </p:sp>
+      <p:sp>
+        <p:nvSpPr>
+          <p:cNvPr id="6" name="Text Placeholder 5">
+            <a:extLst>
+              <a:ext uri="{FF2B5EF4-FFF2-40B4-BE49-F238E27FC236}">
+                <a16:creationId xmlns:a16="http://schemas.microsoft.com/office/drawing/2014/main" id="{027FCAC2-4F05-456D-83B7-3539B2FE258F}"/>
+              </a:ext>
+            </a:extLst>
+          </p:cNvPr>
           <p:cNvSpPr>
-            <a:spLocks noGrp="1" noChangeArrowheads="1"/>
+            <a:spLocks noGrp="1"/>
           </p:cNvSpPr>
           <p:nvPr>
-            <p:ph idx="1"/>
+            <p:ph type="body" sz="quarter" idx="16"/>
           </p:nvPr>
         </p:nvSpPr>
-        <p:spPr/>
+        <p:spPr>
+          <a:xfrm>
+            <a:off x="288059" y="762000"/>
+            <a:ext cx="11484864" cy="5647944"/>
+          </a:xfrm>
+        </p:spPr>
         <p:txBody>
           <a:bodyPr/>
           <a:lstStyle/>
           <a:p>
-            <a:r>
-              <a:rPr lang="en-US" altLang="en-US" dirty="0"/>
-              <a:t>We compile all the source file in one directory at once</a:t>
-            </a:r>
-          </a:p>
-          <a:p>
-            <a:endParaRPr lang="en-US" altLang="en-US" dirty="0"/>
-          </a:p>
-          <a:p>
-            <a:r>
-              <a:rPr lang="en-US" altLang="en-US" dirty="0"/>
-              <a:t>‘gmk’ tweaks the include search path so the project files override the system files</a:t>
-            </a:r>
-          </a:p>
-          <a:p>
-            <a:endParaRPr lang="en-US" altLang="en-US" dirty="0"/>
-          </a:p>
-          <a:p>
-            <a:r>
-              <a:rPr lang="en-US" altLang="en-US" dirty="0"/>
-              <a:t>Always do “</a:t>
-            </a:r>
-            <a:r>
-              <a:rPr lang="en-US" altLang="en-US" dirty="0" err="1"/>
-              <a:t>Update&amp;Make</a:t>
-            </a:r>
-            <a:r>
-              <a:rPr lang="en-US" altLang="en-US" dirty="0"/>
-              <a:t>” after fetching a file (either .c or .h)</a:t>
-            </a:r>
-          </a:p>
-        </p:txBody>
-      </p:sp>
+            <a:endParaRPr lang="en-US" dirty="0"/>
+          </a:p>
+        </p:txBody>
+      </p:sp>
+      <p:pic>
+        <p:nvPicPr>
+          <p:cNvPr id="11" name="Picture 10">
+            <a:extLst>
+              <a:ext uri="{FF2B5EF4-FFF2-40B4-BE49-F238E27FC236}">
+                <a16:creationId xmlns:a16="http://schemas.microsoft.com/office/drawing/2014/main" id="{47D66CE0-A90C-472A-B511-EE13C56DE6DC}"/>
+              </a:ext>
+            </a:extLst>
+          </p:cNvPr>
+          <p:cNvPicPr>
+            <a:picLocks noChangeAspect="1"/>
+          </p:cNvPicPr>
+          <p:nvPr/>
+        </p:nvPicPr>
+        <p:blipFill>
+          <a:blip r:embed="rId2">
+            <a:extLst>
+              <a:ext uri="{28A0092B-C50C-407E-A947-70E740481C1C}">
+                <a14:useLocalDpi xmlns:a14="http://schemas.microsoft.com/office/drawing/2010/main" val="0"/>
+              </a:ext>
+            </a:extLst>
+          </a:blip>
+          <a:stretch>
+            <a:fillRect/>
+          </a:stretch>
+        </p:blipFill>
+        <p:spPr>
+          <a:xfrm>
+            <a:off x="415902" y="762000"/>
+            <a:ext cx="11357018" cy="5647944"/>
+          </a:xfrm>
+          <a:prstGeom prst="rect">
+            <a:avLst/>
+          </a:prstGeom>
+        </p:spPr>
+      </p:pic>
+      <p:pic>
+        <p:nvPicPr>
+          <p:cNvPr id="3" name="Picture 2">
+            <a:extLst>
+              <a:ext uri="{FF2B5EF4-FFF2-40B4-BE49-F238E27FC236}">
+                <a16:creationId xmlns:a16="http://schemas.microsoft.com/office/drawing/2014/main" id="{148DA8A3-2028-4DA4-9177-21C6EE6FF03C}"/>
+              </a:ext>
+            </a:extLst>
+          </p:cNvPr>
+          <p:cNvPicPr>
+            <a:picLocks noChangeAspect="1"/>
+          </p:cNvPicPr>
+          <p:nvPr/>
+        </p:nvPicPr>
+        <p:blipFill>
+          <a:blip r:embed="rId3"/>
+          <a:stretch>
+            <a:fillRect/>
+          </a:stretch>
+        </p:blipFill>
+        <p:spPr>
+          <a:xfrm>
+            <a:off x="10514012" y="66675"/>
+            <a:ext cx="1524000" cy="685800"/>
+          </a:xfrm>
+          <a:prstGeom prst="rect">
+            <a:avLst/>
+          </a:prstGeom>
+        </p:spPr>
+      </p:pic>
     </p:spTree>
     <p:extLst>
       <p:ext uri="{BB962C8B-B14F-4D97-AF65-F5344CB8AC3E}">
-        <p14:creationId xmlns:p14="http://schemas.microsoft.com/office/powerpoint/2010/main" val="999957548"/>
+        <p14:creationId xmlns:p14="http://schemas.microsoft.com/office/powerpoint/2010/main" val="4041287933"/>
       </p:ext>
     </p:extLst>
   </p:cSld>
   <p:clrMapOvr>
     <a:masterClrMapping/>
   </p:clrMapOvr>
+  <p:transition>
+    <p:wipe dir="r"/>
+  </p:transition>
 </p:sld>
 </file>
 
@@ -14839,9 +14457,9 @@
       </p:grpSpPr>
       <p:sp>
         <p:nvSpPr>
-          <p:cNvPr id="45058" name="Rectangle 2"/>
+          <p:cNvPr id="2" name="Title 1"/>
           <p:cNvSpPr>
-            <a:spLocks noGrp="1" noChangeArrowheads="1"/>
+            <a:spLocks noGrp="1"/>
           </p:cNvSpPr>
           <p:nvPr>
             <p:ph type="title"/>
@@ -14849,273 +14467,125 @@
         </p:nvSpPr>
         <p:spPr/>
         <p:txBody>
-          <a:bodyPr>
-            <a:normAutofit/>
-          </a:bodyPr>
+          <a:bodyPr/>
           <a:lstStyle/>
           <a:p>
             <a:r>
-              <a:rPr lang="en-US" altLang="en-US" sz="2800" dirty="0"/>
-              <a:t>The linker treats .OBJ and .LIB </a:t>
-            </a:r>
-            <a:r>
-              <a:rPr lang="en-US" altLang="en-US" sz="2800" dirty="0" err="1"/>
-              <a:t>differentlY</a:t>
-            </a:r>
-            <a:r>
-              <a:rPr lang="en-US" altLang="en-US" dirty="0" err="1">
-                <a:solidFill>
-                  <a:srgbClr val="FFFFFF"/>
-                </a:solidFill>
-              </a:rPr>
-              <a:t>of</a:t>
-            </a:r>
-            <a:r>
-              <a:rPr lang="en-US" altLang="en-US" dirty="0">
-                <a:solidFill>
-                  <a:srgbClr val="FFFFFF"/>
-                </a:solidFill>
-              </a:rPr>
-              <a:t> libraries</a:t>
-            </a:r>
-            <a:endParaRPr lang="en-US" altLang="en-US" sz="4000" dirty="0"/>
-          </a:p>
-        </p:txBody>
-      </p:sp>
-      <p:sp>
-        <p:nvSpPr>
-          <p:cNvPr id="45059" name="Rectangle 3"/>
+              <a:rPr lang="en-US" dirty="0"/>
+              <a:t>Output – (48,295)</a:t>
+            </a:r>
+          </a:p>
+        </p:txBody>
+      </p:sp>
+      <p:sp>
+        <p:nvSpPr>
+          <p:cNvPr id="6" name="Text Placeholder 5">
+            <a:extLst>
+              <a:ext uri="{FF2B5EF4-FFF2-40B4-BE49-F238E27FC236}">
+                <a16:creationId xmlns:a16="http://schemas.microsoft.com/office/drawing/2014/main" id="{027FCAC2-4F05-456D-83B7-3539B2FE258F}"/>
+              </a:ext>
+            </a:extLst>
+          </p:cNvPr>
           <p:cNvSpPr>
-            <a:spLocks noGrp="1" noChangeArrowheads="1"/>
+            <a:spLocks noGrp="1"/>
           </p:cNvSpPr>
           <p:nvPr>
-            <p:ph idx="1"/>
+            <p:ph type="body" sz="quarter" idx="16"/>
           </p:nvPr>
         </p:nvSpPr>
         <p:spPr>
           <a:xfrm>
-            <a:off x="406834" y="914400"/>
-            <a:ext cx="11516880" cy="990600"/>
-          </a:xfrm>
-        </p:spPr>
-        <p:txBody>
-          <a:bodyPr>
-            <a:normAutofit fontScale="92500" lnSpcReduction="10000"/>
-          </a:bodyPr>
+            <a:off x="255252" y="762000"/>
+            <a:ext cx="11685223" cy="5715000"/>
+          </a:xfrm>
+        </p:spPr>
+        <p:txBody>
+          <a:bodyPr/>
           <a:lstStyle/>
           <a:p>
-            <a:pPr marL="0" lvl="0" indent="0">
-              <a:buClr>
-                <a:srgbClr val="236192"/>
-              </a:buClr>
-              <a:buNone/>
-            </a:pPr>
-            <a:r>
-              <a:rPr lang="en-US" sz="1600" dirty="0">
-                <a:solidFill>
-                  <a:srgbClr val="236192"/>
-                </a:solidFill>
-                <a:latin typeface="Courier New" panose="02070309020205020404" pitchFamily="49" charset="0"/>
-                <a:cs typeface="Courier New" panose="02070309020205020404" pitchFamily="49" charset="0"/>
-              </a:rPr>
-              <a:t>f:\tmp\LL\shipsrcp20\spg\system_1\x86e_win64\libs\lightning\uitk_integ\obj\uitk_integ.lib f:\tmp\LL\shipsrcp20\spg\system_1\x86e_win64\proe\solvertools\objmd\solvertools_md.lib </a:t>
-            </a:r>
-            <a:r>
-              <a:rPr lang="en-US" sz="1600" b="1" dirty="0">
-                <a:solidFill>
-                  <a:srgbClr val="236192"/>
-                </a:solidFill>
-                <a:latin typeface="Courier New" panose="02070309020205020404" pitchFamily="49" charset="0"/>
-                <a:cs typeface="Courier New" panose="02070309020205020404" pitchFamily="49" charset="0"/>
-              </a:rPr>
-              <a:t>d:\home\aamit\proj\hrztestp20\x86e_win64\proe\geomtools\objmd\g_uv2dcntr_mt.obj </a:t>
-            </a:r>
-            <a:r>
-              <a:rPr lang="en-US" sz="1600" dirty="0">
-                <a:solidFill>
-                  <a:srgbClr val="236192"/>
-                </a:solidFill>
-                <a:latin typeface="Courier New" panose="02070309020205020404" pitchFamily="49" charset="0"/>
-                <a:cs typeface="Courier New" panose="02070309020205020404" pitchFamily="49" charset="0"/>
-              </a:rPr>
-              <a:t>f:\tmp\LL\shipsrcp20\spg\system_1\x86e_win64\proe\geomtools\objmd\geomtools_md.lib f:\tmp\LL\shipsrcp20\spg\system_1\x86e_win64\proe\unitmgr\objmd\unitmgr_md.lib</a:t>
-            </a:r>
-            <a:endParaRPr lang="en-US" altLang="en-US" sz="1600" dirty="0">
-              <a:solidFill>
-                <a:srgbClr val="236192"/>
-              </a:solidFill>
-              <a:latin typeface="Courier New" pitchFamily="49" charset="0"/>
-              <a:cs typeface="Courier New" pitchFamily="49" charset="0"/>
-            </a:endParaRPr>
-          </a:p>
-          <a:p>
-            <a:endParaRPr lang="en-US" altLang="en-US" sz="2800" dirty="0"/>
-          </a:p>
-          <a:p>
-            <a:pPr>
-              <a:buFontTx/>
-              <a:buNone/>
-            </a:pPr>
-            <a:endParaRPr lang="en-US" altLang="en-US" sz="2000" dirty="0"/>
-          </a:p>
-          <a:p>
-            <a:pPr>
-              <a:buFontTx/>
-              <a:buNone/>
-            </a:pPr>
-            <a:endParaRPr lang="en-US" altLang="en-US" sz="2000" dirty="0"/>
-          </a:p>
-        </p:txBody>
-      </p:sp>
-      <p:sp>
-        <p:nvSpPr>
-          <p:cNvPr id="2" name="TextBox 1"/>
-          <p:cNvSpPr txBox="1"/>
+            <a:endParaRPr lang="en-US" dirty="0"/>
+          </a:p>
+        </p:txBody>
+      </p:sp>
+      <p:pic>
+        <p:nvPicPr>
+          <p:cNvPr id="8" name="Picture 7">
+            <a:extLst>
+              <a:ext uri="{FF2B5EF4-FFF2-40B4-BE49-F238E27FC236}">
+                <a16:creationId xmlns:a16="http://schemas.microsoft.com/office/drawing/2014/main" id="{3D842649-9C18-4BB6-B6D4-A4B23BE0A7EB}"/>
+              </a:ext>
+            </a:extLst>
+          </p:cNvPr>
+          <p:cNvPicPr>
+            <a:picLocks noChangeAspect="1"/>
+          </p:cNvPicPr>
           <p:nvPr/>
-        </p:nvSpPr>
+        </p:nvPicPr>
+        <p:blipFill>
+          <a:blip r:embed="rId2">
+            <a:extLst>
+              <a:ext uri="{28A0092B-C50C-407E-A947-70E740481C1C}">
+                <a14:useLocalDpi xmlns:a14="http://schemas.microsoft.com/office/drawing/2010/main" val="0"/>
+              </a:ext>
+            </a:extLst>
+          </a:blip>
+          <a:stretch>
+            <a:fillRect/>
+          </a:stretch>
+        </p:blipFill>
         <p:spPr>
           <a:xfrm>
-            <a:off x="411776" y="2209800"/>
-            <a:ext cx="10635635" cy="4062651"/>
+            <a:off x="288057" y="762000"/>
+            <a:ext cx="11645515" cy="5715000"/>
           </a:xfrm>
           <a:prstGeom prst="rect">
             <a:avLst/>
           </a:prstGeom>
-          <a:noFill/>
-        </p:spPr>
-        <p:txBody>
-          <a:bodyPr wrap="square" lIns="0" tIns="0" rIns="0" bIns="0" rtlCol="0">
-            <a:spAutoFit/>
-          </a:bodyPr>
-          <a:lstStyle/>
-          <a:p>
-            <a:r>
-              <a:rPr lang="en-US" dirty="0">
-                <a:latin typeface="Tahoma" panose="020B0604030504040204" pitchFamily="34" charset="0"/>
-                <a:ea typeface="Tahoma" panose="020B0604030504040204" pitchFamily="34" charset="0"/>
-                <a:cs typeface="Tahoma" panose="020B0604030504040204" pitchFamily="34" charset="0"/>
-              </a:rPr>
-              <a:t>The linker won't include any stuff from an OBJ inside a library unless there's a reference to at least one symbol from that OBJ. </a:t>
-            </a:r>
-          </a:p>
-          <a:p>
-            <a:endParaRPr lang="en-US" dirty="0">
-              <a:latin typeface="Tahoma" panose="020B0604030504040204" pitchFamily="34" charset="0"/>
-              <a:ea typeface="Tahoma" panose="020B0604030504040204" pitchFamily="34" charset="0"/>
-              <a:cs typeface="Tahoma" panose="020B0604030504040204" pitchFamily="34" charset="0"/>
-            </a:endParaRPr>
-          </a:p>
-          <a:p>
-            <a:r>
-              <a:rPr lang="en-US" dirty="0">
-                <a:latin typeface="Tahoma" panose="020B0604030504040204" pitchFamily="34" charset="0"/>
-                <a:ea typeface="Tahoma" panose="020B0604030504040204" pitchFamily="34" charset="0"/>
-                <a:cs typeface="Tahoma" panose="020B0604030504040204" pitchFamily="34" charset="0"/>
-              </a:rPr>
-              <a:t>In other words,</a:t>
-            </a:r>
-          </a:p>
-          <a:p>
-            <a:r>
-              <a:rPr lang="en-US" dirty="0">
-                <a:latin typeface="Tahoma" panose="020B0604030504040204" pitchFamily="34" charset="0"/>
-                <a:ea typeface="Tahoma" panose="020B0604030504040204" pitchFamily="34" charset="0"/>
-                <a:cs typeface="Tahoma" panose="020B0604030504040204" pitchFamily="34" charset="0"/>
-              </a:rPr>
-              <a:t>Explicitly named OBJs on the linker command line fly </a:t>
-            </a:r>
-            <a:r>
-              <a:rPr lang="en-US" b="1" dirty="0">
-                <a:latin typeface="Tahoma" panose="020B0604030504040204" pitchFamily="34" charset="0"/>
-                <a:ea typeface="Tahoma" panose="020B0604030504040204" pitchFamily="34" charset="0"/>
-                <a:cs typeface="Tahoma" panose="020B0604030504040204" pitchFamily="34" charset="0"/>
-              </a:rPr>
-              <a:t>first class</a:t>
-            </a:r>
-            <a:r>
-              <a:rPr lang="en-US" dirty="0">
-                <a:latin typeface="Tahoma" panose="020B0604030504040204" pitchFamily="34" charset="0"/>
-                <a:ea typeface="Tahoma" panose="020B0604030504040204" pitchFamily="34" charset="0"/>
-                <a:cs typeface="Tahoma" panose="020B0604030504040204" pitchFamily="34" charset="0"/>
-              </a:rPr>
-              <a:t>, and are always included in the executable. </a:t>
-            </a:r>
-          </a:p>
-          <a:p>
-            <a:r>
-              <a:rPr lang="en-US" dirty="0">
-                <a:latin typeface="Tahoma" panose="020B0604030504040204" pitchFamily="34" charset="0"/>
-                <a:ea typeface="Tahoma" panose="020B0604030504040204" pitchFamily="34" charset="0"/>
-                <a:cs typeface="Tahoma" panose="020B0604030504040204" pitchFamily="34" charset="0"/>
-              </a:rPr>
-              <a:t>OBJs from LIB files </a:t>
-            </a:r>
-            <a:r>
-              <a:rPr lang="en-US" b="1" dirty="0">
-                <a:latin typeface="Tahoma" panose="020B0604030504040204" pitchFamily="34" charset="0"/>
-                <a:ea typeface="Tahoma" panose="020B0604030504040204" pitchFamily="34" charset="0"/>
-                <a:cs typeface="Tahoma" panose="020B0604030504040204" pitchFamily="34" charset="0"/>
-              </a:rPr>
-              <a:t>fly standby</a:t>
-            </a:r>
-            <a:r>
-              <a:rPr lang="en-US" dirty="0">
-                <a:latin typeface="Tahoma" panose="020B0604030504040204" pitchFamily="34" charset="0"/>
-                <a:ea typeface="Tahoma" panose="020B0604030504040204" pitchFamily="34" charset="0"/>
-                <a:cs typeface="Tahoma" panose="020B0604030504040204" pitchFamily="34" charset="0"/>
-              </a:rPr>
-              <a:t>, and are only included in the executable if referenced. </a:t>
-            </a:r>
-          </a:p>
-          <a:p>
-            <a:endParaRPr lang="en-US" dirty="0">
-              <a:latin typeface="Tahoma" panose="020B0604030504040204" pitchFamily="34" charset="0"/>
-              <a:ea typeface="Tahoma" panose="020B0604030504040204" pitchFamily="34" charset="0"/>
-              <a:cs typeface="Tahoma" panose="020B0604030504040204" pitchFamily="34" charset="0"/>
-            </a:endParaRPr>
-          </a:p>
-          <a:p>
-            <a:r>
-              <a:rPr lang="en-US" dirty="0">
-                <a:latin typeface="Tahoma" panose="020B0604030504040204" pitchFamily="34" charset="0"/>
-                <a:ea typeface="Tahoma" panose="020B0604030504040204" pitchFamily="34" charset="0"/>
-                <a:cs typeface="Tahoma" panose="020B0604030504040204" pitchFamily="34" charset="0"/>
-                <a:hlinkClick r:id="rId3"/>
-              </a:rPr>
-              <a:t>http://www.microsoft.com/msj/0797/hood0797.aspx</a:t>
-            </a:r>
-            <a:endParaRPr lang="en-US" dirty="0">
-              <a:latin typeface="Tahoma" panose="020B0604030504040204" pitchFamily="34" charset="0"/>
-              <a:ea typeface="Tahoma" panose="020B0604030504040204" pitchFamily="34" charset="0"/>
-              <a:cs typeface="Tahoma" panose="020B0604030504040204" pitchFamily="34" charset="0"/>
-            </a:endParaRPr>
-          </a:p>
-          <a:p>
-            <a:endParaRPr lang="en-US" dirty="0">
-              <a:latin typeface="Tahoma" panose="020B0604030504040204" pitchFamily="34" charset="0"/>
-              <a:ea typeface="Tahoma" panose="020B0604030504040204" pitchFamily="34" charset="0"/>
-              <a:cs typeface="Tahoma" panose="020B0604030504040204" pitchFamily="34" charset="0"/>
-            </a:endParaRPr>
-          </a:p>
-          <a:p>
-            <a:endParaRPr lang="en-US" dirty="0">
-              <a:latin typeface="Tahoma" panose="020B0604030504040204" pitchFamily="34" charset="0"/>
-              <a:ea typeface="Tahoma" panose="020B0604030504040204" pitchFamily="34" charset="0"/>
-              <a:cs typeface="Tahoma" panose="020B0604030504040204" pitchFamily="34" charset="0"/>
-            </a:endParaRPr>
-          </a:p>
-        </p:txBody>
-      </p:sp>
+        </p:spPr>
+      </p:pic>
+      <p:pic>
+        <p:nvPicPr>
+          <p:cNvPr id="9" name="Picture 8">
+            <a:extLst>
+              <a:ext uri="{FF2B5EF4-FFF2-40B4-BE49-F238E27FC236}">
+                <a16:creationId xmlns:a16="http://schemas.microsoft.com/office/drawing/2014/main" id="{C33CE992-BB88-4D8A-93E9-D70C0CF0EBCD}"/>
+              </a:ext>
+            </a:extLst>
+          </p:cNvPr>
+          <p:cNvPicPr>
+            <a:picLocks noChangeAspect="1"/>
+          </p:cNvPicPr>
+          <p:nvPr/>
+        </p:nvPicPr>
+        <p:blipFill>
+          <a:blip r:embed="rId3"/>
+          <a:stretch>
+            <a:fillRect/>
+          </a:stretch>
+        </p:blipFill>
+        <p:spPr>
+          <a:xfrm>
+            <a:off x="10514012" y="66675"/>
+            <a:ext cx="1524000" cy="685800"/>
+          </a:xfrm>
+          <a:prstGeom prst="rect">
+            <a:avLst/>
+          </a:prstGeom>
+        </p:spPr>
+      </p:pic>
     </p:spTree>
     <p:extLst>
       <p:ext uri="{BB962C8B-B14F-4D97-AF65-F5344CB8AC3E}">
-        <p14:creationId xmlns:p14="http://schemas.microsoft.com/office/powerpoint/2010/main" val="2284729990"/>
+        <p14:creationId xmlns:p14="http://schemas.microsoft.com/office/powerpoint/2010/main" val="2058478838"/>
       </p:ext>
     </p:extLst>
   </p:cSld>
   <p:clrMapOvr>
     <a:masterClrMapping/>
   </p:clrMapOvr>
+  <p:transition>
+    <p:wipe dir="r"/>
+  </p:transition>
 </p:sld>
 </file>
 
@@ -15138,9 +14608,9 @@
       </p:grpSpPr>
       <p:sp>
         <p:nvSpPr>
-          <p:cNvPr id="47106" name="Rectangle 2"/>
+          <p:cNvPr id="2" name="Title 1"/>
           <p:cNvSpPr>
-            <a:spLocks noGrp="1" noChangeArrowheads="1"/>
+            <a:spLocks noGrp="1"/>
           </p:cNvSpPr>
           <p:nvPr>
             <p:ph type="title"/>
@@ -15152,546 +14622,121 @@
           <a:lstStyle/>
           <a:p>
             <a:r>
-              <a:rPr lang="en-US" altLang="en-US"/>
-              <a:t>Example</a:t>
-            </a:r>
-          </a:p>
-        </p:txBody>
-      </p:sp>
-      <p:sp>
-        <p:nvSpPr>
-          <p:cNvPr id="47107" name="Rectangle 3"/>
+              <a:rPr lang="en-US" dirty="0"/>
+              <a:t>Output</a:t>
+            </a:r>
+          </a:p>
+        </p:txBody>
+      </p:sp>
+      <p:sp>
+        <p:nvSpPr>
+          <p:cNvPr id="6" name="Text Placeholder 5">
+            <a:extLst>
+              <a:ext uri="{FF2B5EF4-FFF2-40B4-BE49-F238E27FC236}">
+                <a16:creationId xmlns:a16="http://schemas.microsoft.com/office/drawing/2014/main" id="{027FCAC2-4F05-456D-83B7-3539B2FE258F}"/>
+              </a:ext>
+            </a:extLst>
+          </p:cNvPr>
           <p:cNvSpPr>
-            <a:spLocks noGrp="1" noChangeArrowheads="1"/>
+            <a:spLocks noGrp="1"/>
           </p:cNvSpPr>
           <p:nvPr>
-            <p:ph idx="1"/>
+            <p:ph type="body" sz="quarter" idx="16"/>
           </p:nvPr>
         </p:nvSpPr>
         <p:spPr>
           <a:xfrm>
-            <a:off x="292532" y="1380744"/>
-            <a:ext cx="11481873" cy="4258056"/>
+            <a:off x="288058" y="762000"/>
+            <a:ext cx="11612709" cy="5647944"/>
           </a:xfrm>
         </p:spPr>
         <p:txBody>
           <a:bodyPr/>
           <a:lstStyle/>
           <a:p>
-            <a:pPr>
-              <a:lnSpc>
-                <a:spcPct val="90000"/>
-              </a:lnSpc>
-            </a:pPr>
-            <a:r>
-              <a:rPr lang="en-US" altLang="en-US" sz="2000" dirty="0" err="1">
-                <a:solidFill>
-                  <a:schemeClr val="tx1">
-                    <a:lumMod val="75000"/>
-                  </a:schemeClr>
-                </a:solidFill>
-                <a:latin typeface="Courier New" pitchFamily="49" charset="0"/>
-                <a:cs typeface="Courier New" pitchFamily="49" charset="0"/>
-              </a:rPr>
-              <a:t>main.c</a:t>
-            </a:r>
-            <a:r>
-              <a:rPr lang="en-US" altLang="en-US" sz="2000" dirty="0">
-                <a:solidFill>
-                  <a:schemeClr val="tx1">
-                    <a:lumMod val="75000"/>
-                  </a:schemeClr>
-                </a:solidFill>
-                <a:latin typeface="Courier New" pitchFamily="49" charset="0"/>
-                <a:cs typeface="Courier New" pitchFamily="49" charset="0"/>
-              </a:rPr>
-              <a:t> : </a:t>
-            </a:r>
-            <a:r>
-              <a:rPr lang="en-US" altLang="en-US" sz="2000" dirty="0" err="1">
-                <a:solidFill>
-                  <a:schemeClr val="tx1">
-                    <a:lumMod val="75000"/>
-                  </a:schemeClr>
-                </a:solidFill>
-                <a:latin typeface="Courier New" pitchFamily="49" charset="0"/>
-                <a:cs typeface="Courier New" pitchFamily="49" charset="0"/>
-              </a:rPr>
-              <a:t>int</a:t>
-            </a:r>
-            <a:r>
-              <a:rPr lang="en-US" altLang="en-US" sz="2000" dirty="0">
-                <a:solidFill>
-                  <a:schemeClr val="tx1">
-                    <a:lumMod val="75000"/>
-                  </a:schemeClr>
-                </a:solidFill>
-                <a:latin typeface="Courier New" pitchFamily="49" charset="0"/>
-                <a:cs typeface="Courier New" pitchFamily="49" charset="0"/>
-              </a:rPr>
-              <a:t> main() { display(); }</a:t>
-            </a:r>
-          </a:p>
-          <a:p>
-            <a:pPr>
-              <a:lnSpc>
-                <a:spcPct val="90000"/>
-              </a:lnSpc>
-            </a:pPr>
-            <a:r>
-              <a:rPr lang="en-US" altLang="en-US" sz="2000" dirty="0">
-                <a:solidFill>
-                  <a:schemeClr val="tx1">
-                    <a:lumMod val="75000"/>
-                  </a:schemeClr>
-                </a:solidFill>
-                <a:latin typeface="Courier New" pitchFamily="49" charset="0"/>
-                <a:cs typeface="Courier New" pitchFamily="49" charset="0"/>
-              </a:rPr>
-              <a:t>f1.c   : void display() {printf(“from f1\n”);}</a:t>
-            </a:r>
-          </a:p>
-          <a:p>
-            <a:pPr>
-              <a:lnSpc>
-                <a:spcPct val="90000"/>
-              </a:lnSpc>
-            </a:pPr>
-            <a:r>
-              <a:rPr lang="en-US" altLang="en-US" sz="2000" dirty="0">
-                <a:solidFill>
-                  <a:schemeClr val="tx1">
-                    <a:lumMod val="75000"/>
-                  </a:schemeClr>
-                </a:solidFill>
-                <a:latin typeface="Courier New" pitchFamily="49" charset="0"/>
-                <a:cs typeface="Courier New" pitchFamily="49" charset="0"/>
-              </a:rPr>
-              <a:t>f2.c   : void display() {printf(“from f2\n”);}</a:t>
-            </a:r>
-          </a:p>
-          <a:p>
-            <a:pPr>
-              <a:lnSpc>
-                <a:spcPct val="90000"/>
-              </a:lnSpc>
-              <a:buFontTx/>
-              <a:buNone/>
-            </a:pPr>
-            <a:r>
-              <a:rPr lang="en-US" altLang="en-US" sz="2400" dirty="0">
-                <a:solidFill>
-                  <a:schemeClr val="tx1">
-                    <a:lumMod val="75000"/>
-                  </a:schemeClr>
-                </a:solidFill>
-                <a:latin typeface="Courier New" pitchFamily="49" charset="0"/>
-                <a:cs typeface="Courier New" pitchFamily="49" charset="0"/>
-              </a:rPr>
-              <a:t>% lib /</a:t>
-            </a:r>
-            <a:r>
-              <a:rPr lang="en-US" altLang="en-US" sz="2400" dirty="0" err="1">
-                <a:solidFill>
-                  <a:schemeClr val="tx1">
-                    <a:lumMod val="75000"/>
-                  </a:schemeClr>
-                </a:solidFill>
-                <a:latin typeface="Courier New" pitchFamily="49" charset="0"/>
-                <a:cs typeface="Courier New" pitchFamily="49" charset="0"/>
-              </a:rPr>
-              <a:t>out:mylib.lib</a:t>
-            </a:r>
-            <a:r>
-              <a:rPr lang="en-US" altLang="en-US" sz="2400" dirty="0">
-                <a:solidFill>
-                  <a:schemeClr val="tx1">
-                    <a:lumMod val="75000"/>
-                  </a:schemeClr>
-                </a:solidFill>
-                <a:latin typeface="Courier New" pitchFamily="49" charset="0"/>
-                <a:cs typeface="Courier New" pitchFamily="49" charset="0"/>
-              </a:rPr>
-              <a:t> f1.obj</a:t>
-            </a:r>
-          </a:p>
-          <a:p>
-            <a:pPr>
-              <a:lnSpc>
-                <a:spcPct val="90000"/>
-              </a:lnSpc>
-              <a:buFontTx/>
-              <a:buNone/>
-            </a:pPr>
-            <a:r>
-              <a:rPr lang="en-US" altLang="en-US" sz="2400" dirty="0">
-                <a:latin typeface="Courier New" pitchFamily="49" charset="0"/>
-                <a:cs typeface="Courier New" pitchFamily="49" charset="0"/>
-              </a:rPr>
-              <a:t>% </a:t>
-            </a:r>
-            <a:r>
-              <a:rPr lang="en-US" altLang="en-US" sz="2400" dirty="0">
-                <a:solidFill>
-                  <a:schemeClr val="accent2"/>
-                </a:solidFill>
-                <a:latin typeface="Courier New" pitchFamily="49" charset="0"/>
-                <a:cs typeface="Courier New" pitchFamily="49" charset="0"/>
-              </a:rPr>
-              <a:t>link /out:f1.exe main.obj mylib.lib  </a:t>
-            </a:r>
-          </a:p>
-          <a:p>
-            <a:pPr>
-              <a:lnSpc>
-                <a:spcPct val="90000"/>
-              </a:lnSpc>
-              <a:buFontTx/>
-              <a:buNone/>
-            </a:pPr>
-            <a:r>
-              <a:rPr lang="en-US" altLang="en-US" sz="2400" dirty="0">
-                <a:latin typeface="Courier New" pitchFamily="49" charset="0"/>
-                <a:cs typeface="Courier New" pitchFamily="49" charset="0"/>
-              </a:rPr>
-              <a:t>% link /out:f2.exe main.obj f2.obj mylib.lib</a:t>
-            </a:r>
-          </a:p>
-          <a:p>
-            <a:pPr>
-              <a:lnSpc>
-                <a:spcPct val="90000"/>
-              </a:lnSpc>
-              <a:buFontTx/>
-              <a:buNone/>
-            </a:pPr>
-            <a:endParaRPr lang="en-US" altLang="en-US" sz="2400" dirty="0">
-              <a:latin typeface="Courier New" pitchFamily="49" charset="0"/>
-              <a:cs typeface="Courier New" pitchFamily="49" charset="0"/>
-            </a:endParaRPr>
-          </a:p>
-        </p:txBody>
-      </p:sp>
-      <p:sp>
-        <p:nvSpPr>
-          <p:cNvPr id="4" name="Line Callout 1 3"/>
-          <p:cNvSpPr/>
+            <a:endParaRPr lang="en-US" dirty="0"/>
+          </a:p>
+        </p:txBody>
+      </p:sp>
+      <p:pic>
+        <p:nvPicPr>
+          <p:cNvPr id="4" name="Picture 3">
+            <a:extLst>
+              <a:ext uri="{FF2B5EF4-FFF2-40B4-BE49-F238E27FC236}">
+                <a16:creationId xmlns:a16="http://schemas.microsoft.com/office/drawing/2014/main" id="{27417446-1B2F-4690-8C07-C17792F73CB1}"/>
+              </a:ext>
+            </a:extLst>
+          </p:cNvPr>
+          <p:cNvPicPr>
+            <a:picLocks noChangeAspect="1"/>
+          </p:cNvPicPr>
           <p:nvPr/>
-        </p:nvSpPr>
+        </p:nvPicPr>
+        <p:blipFill>
+          <a:blip r:embed="rId2">
+            <a:extLst>
+              <a:ext uri="{28A0092B-C50C-407E-A947-70E740481C1C}">
+                <a14:useLocalDpi xmlns:a14="http://schemas.microsoft.com/office/drawing/2010/main" val="0"/>
+              </a:ext>
+            </a:extLst>
+          </a:blip>
+          <a:stretch>
+            <a:fillRect/>
+          </a:stretch>
+        </p:blipFill>
         <p:spPr>
           <a:xfrm>
-            <a:off x="2665412" y="4876800"/>
-            <a:ext cx="2057400" cy="533400"/>
-          </a:xfrm>
-          <a:prstGeom prst="borderCallout1">
-            <a:avLst>
-              <a:gd name="adj1" fmla="val -95850"/>
-              <a:gd name="adj2" fmla="val 145770"/>
-              <a:gd name="adj3" fmla="val 8362"/>
-              <a:gd name="adj4" fmla="val 96791"/>
-            </a:avLst>
-          </a:prstGeom>
-          <a:ln>
-            <a:solidFill>
-              <a:schemeClr val="accent1"/>
-            </a:solidFill>
-          </a:ln>
-        </p:spPr>
-        <p:style>
-          <a:lnRef idx="2">
-            <a:schemeClr val="accent1">
-              <a:shade val="50000"/>
-            </a:schemeClr>
-          </a:lnRef>
-          <a:fillRef idx="1">
-            <a:schemeClr val="accent1"/>
-          </a:fillRef>
-          <a:effectRef idx="0">
-            <a:schemeClr val="accent1"/>
-          </a:effectRef>
-          <a:fontRef idx="minor">
-            <a:schemeClr val="lt1"/>
-          </a:fontRef>
-        </p:style>
-        <p:txBody>
-          <a:bodyPr rtlCol="0" anchor="ctr"/>
-          <a:lstStyle/>
-          <a:p>
-            <a:pPr algn="ctr"/>
-            <a:r>
-              <a:rPr lang="en-US" dirty="0">
-                <a:solidFill>
-                  <a:schemeClr val="bg1"/>
-                </a:solidFill>
-              </a:rPr>
-              <a:t>First Class</a:t>
-            </a:r>
-          </a:p>
-        </p:txBody>
-      </p:sp>
-      <p:sp>
-        <p:nvSpPr>
-          <p:cNvPr id="7" name="Line Callout 1 6"/>
-          <p:cNvSpPr/>
-          <p:nvPr/>
-        </p:nvSpPr>
-        <p:spPr>
-          <a:xfrm>
-            <a:off x="7305451" y="4876800"/>
-            <a:ext cx="2057400" cy="533400"/>
-          </a:xfrm>
-          <a:prstGeom prst="borderCallout1">
-            <a:avLst>
-              <a:gd name="adj1" fmla="val -94248"/>
-              <a:gd name="adj2" fmla="val 11606"/>
-              <a:gd name="adj3" fmla="val -1251"/>
-              <a:gd name="adj4" fmla="val 49853"/>
-            </a:avLst>
-          </a:prstGeom>
-          <a:ln>
-            <a:solidFill>
-              <a:schemeClr val="accent1"/>
-            </a:solidFill>
-          </a:ln>
-        </p:spPr>
-        <p:style>
-          <a:lnRef idx="2">
-            <a:schemeClr val="accent1">
-              <a:shade val="50000"/>
-            </a:schemeClr>
-          </a:lnRef>
-          <a:fillRef idx="1">
-            <a:schemeClr val="accent1"/>
-          </a:fillRef>
-          <a:effectRef idx="0">
-            <a:schemeClr val="accent1"/>
-          </a:effectRef>
-          <a:fontRef idx="minor">
-            <a:schemeClr val="lt1"/>
-          </a:fontRef>
-        </p:style>
-        <p:txBody>
-          <a:bodyPr rtlCol="0" anchor="ctr"/>
-          <a:lstStyle/>
-          <a:p>
-            <a:pPr algn="ctr"/>
-            <a:r>
-              <a:rPr lang="en-US" dirty="0">
-                <a:solidFill>
-                  <a:schemeClr val="bg1"/>
-                </a:solidFill>
-              </a:rPr>
-              <a:t>Standby</a:t>
-            </a:r>
-          </a:p>
-        </p:txBody>
-      </p:sp>
-      <p:sp>
-        <p:nvSpPr>
-          <p:cNvPr id="8" name="Rectangle 3"/>
-          <p:cNvSpPr txBox="1">
-            <a:spLocks noChangeArrowheads="1"/>
-          </p:cNvSpPr>
-          <p:nvPr/>
-        </p:nvSpPr>
-        <p:spPr>
-          <a:xfrm>
-            <a:off x="297872" y="5715000"/>
-            <a:ext cx="8849880" cy="528828"/>
+            <a:off x="288057" y="761999"/>
+            <a:ext cx="11612709" cy="5647945"/>
           </a:xfrm>
           <a:prstGeom prst="rect">
             <a:avLst/>
           </a:prstGeom>
         </p:spPr>
-        <p:txBody>
-          <a:bodyPr vert="horz" lIns="0" tIns="0" rIns="0" bIns="0" rtlCol="0">
-            <a:noAutofit/>
-          </a:bodyPr>
-          <a:lstStyle>
-            <a:lvl1pPr marL="230188" indent="-230188" algn="l" defTabSz="914400" rtl="0" eaLnBrk="1" latinLnBrk="0" hangingPunct="1">
-              <a:spcBef>
-                <a:spcPts val="1800"/>
-              </a:spcBef>
-              <a:buClr>
-                <a:schemeClr val="bg2"/>
-              </a:buClr>
-              <a:buFont typeface="Arial" pitchFamily="34" charset="0"/>
-              <a:buChar char="•"/>
-              <a:defRPr sz="2200" kern="1200">
-                <a:solidFill>
-                  <a:schemeClr val="bg2"/>
-                </a:solidFill>
-                <a:latin typeface="+mn-lt"/>
-                <a:ea typeface="+mn-ea"/>
-                <a:cs typeface="+mn-cs"/>
-              </a:defRPr>
-            </a:lvl1pPr>
-            <a:lvl2pPr marL="684213" indent="-228600" algn="l" defTabSz="914400" rtl="0" eaLnBrk="1" latinLnBrk="0" hangingPunct="1">
-              <a:spcBef>
-                <a:spcPts val="0"/>
-              </a:spcBef>
-              <a:spcAft>
-                <a:spcPts val="200"/>
-              </a:spcAft>
-              <a:buFont typeface="Arial" pitchFamily="34" charset="0"/>
-              <a:buChar char="–"/>
-              <a:defRPr sz="2000" kern="1200">
-                <a:solidFill>
-                  <a:srgbClr val="4C4D4F"/>
-                </a:solidFill>
-                <a:latin typeface="Arial Narrow" pitchFamily="34" charset="0"/>
-                <a:ea typeface="+mn-ea"/>
-                <a:cs typeface="+mn-cs"/>
-              </a:defRPr>
-            </a:lvl2pPr>
-            <a:lvl3pPr marL="1143000" indent="-228600" algn="l" defTabSz="1085850" rtl="0" eaLnBrk="1" latinLnBrk="0" hangingPunct="1">
-              <a:spcBef>
-                <a:spcPts val="0"/>
-              </a:spcBef>
-              <a:spcAft>
-                <a:spcPts val="200"/>
-              </a:spcAft>
-              <a:buFont typeface="Arial" pitchFamily="34" charset="0"/>
-              <a:buChar char="•"/>
-              <a:defRPr sz="1800" kern="1200">
-                <a:solidFill>
-                  <a:srgbClr val="4C4D4F"/>
-                </a:solidFill>
-                <a:latin typeface="Arial Narrow" pitchFamily="34" charset="0"/>
-                <a:ea typeface="+mn-ea"/>
-                <a:cs typeface="+mn-cs"/>
-              </a:defRPr>
-            </a:lvl3pPr>
-            <a:lvl4pPr marL="1600200" indent="-228600" algn="l" defTabSz="914400" rtl="0" eaLnBrk="1" latinLnBrk="0" hangingPunct="1">
-              <a:spcBef>
-                <a:spcPct val="20000"/>
-              </a:spcBef>
-              <a:buFont typeface="Arial" pitchFamily="34" charset="0"/>
-              <a:buChar char="–"/>
-              <a:defRPr sz="1400" kern="1200">
-                <a:solidFill>
-                  <a:srgbClr val="4C4D4F"/>
-                </a:solidFill>
-                <a:latin typeface="+mn-lt"/>
-                <a:ea typeface="+mn-ea"/>
-                <a:cs typeface="+mn-cs"/>
-              </a:defRPr>
-            </a:lvl4pPr>
-            <a:lvl5pPr marL="2057400" indent="-228600" algn="l" defTabSz="914400" rtl="0" eaLnBrk="1" latinLnBrk="0" hangingPunct="1">
-              <a:spcBef>
-                <a:spcPct val="20000"/>
-              </a:spcBef>
-              <a:buFont typeface="Arial" pitchFamily="34" charset="0"/>
-              <a:buChar char="»"/>
-              <a:defRPr sz="1400" kern="1200">
-                <a:solidFill>
-                  <a:srgbClr val="4C4D4F"/>
-                </a:solidFill>
-                <a:latin typeface="+mn-lt"/>
-                <a:ea typeface="+mn-ea"/>
-                <a:cs typeface="+mn-cs"/>
-              </a:defRPr>
-            </a:lvl5pPr>
-            <a:lvl6pPr marL="2514600" indent="-228600" algn="l" defTabSz="914400" rtl="0" eaLnBrk="1" latinLnBrk="0" hangingPunct="1">
-              <a:spcBef>
-                <a:spcPct val="20000"/>
-              </a:spcBef>
-              <a:buFont typeface="Arial" pitchFamily="34" charset="0"/>
-              <a:buChar char="•"/>
-              <a:defRPr sz="2000" kern="1200">
-                <a:solidFill>
-                  <a:schemeClr val="tx1"/>
-                </a:solidFill>
-                <a:latin typeface="+mn-lt"/>
-                <a:ea typeface="+mn-ea"/>
-                <a:cs typeface="+mn-cs"/>
-              </a:defRPr>
-            </a:lvl6pPr>
-            <a:lvl7pPr marL="2971800" indent="-228600" algn="l" defTabSz="914400" rtl="0" eaLnBrk="1" latinLnBrk="0" hangingPunct="1">
-              <a:spcBef>
-                <a:spcPct val="20000"/>
-              </a:spcBef>
-              <a:buFont typeface="Arial" pitchFamily="34" charset="0"/>
-              <a:buChar char="•"/>
-              <a:defRPr sz="2000" kern="1200">
-                <a:solidFill>
-                  <a:schemeClr val="tx1"/>
-                </a:solidFill>
-                <a:latin typeface="+mn-lt"/>
-                <a:ea typeface="+mn-ea"/>
-                <a:cs typeface="+mn-cs"/>
-              </a:defRPr>
-            </a:lvl7pPr>
-            <a:lvl8pPr marL="3429000" indent="-228600" algn="l" defTabSz="914400" rtl="0" eaLnBrk="1" latinLnBrk="0" hangingPunct="1">
-              <a:spcBef>
-                <a:spcPct val="20000"/>
-              </a:spcBef>
-              <a:buFont typeface="Arial" pitchFamily="34" charset="0"/>
-              <a:buChar char="•"/>
-              <a:defRPr sz="2000" kern="1200">
-                <a:solidFill>
-                  <a:schemeClr val="tx1"/>
-                </a:solidFill>
-                <a:latin typeface="+mn-lt"/>
-                <a:ea typeface="+mn-ea"/>
-                <a:cs typeface="+mn-cs"/>
-              </a:defRPr>
-            </a:lvl8pPr>
-            <a:lvl9pPr marL="3886200" indent="-228600" algn="l" defTabSz="914400" rtl="0" eaLnBrk="1" latinLnBrk="0" hangingPunct="1">
-              <a:spcBef>
-                <a:spcPct val="20000"/>
-              </a:spcBef>
-              <a:buFont typeface="Arial" pitchFamily="34" charset="0"/>
-              <a:buChar char="•"/>
-              <a:defRPr sz="2000" kern="1200">
-                <a:solidFill>
-                  <a:schemeClr val="tx1"/>
-                </a:solidFill>
-                <a:latin typeface="+mn-lt"/>
-                <a:ea typeface="+mn-ea"/>
-                <a:cs typeface="+mn-cs"/>
-              </a:defRPr>
-            </a:lvl9pPr>
-          </a:lstStyle>
-          <a:p>
-            <a:pPr>
-              <a:lnSpc>
-                <a:spcPct val="90000"/>
-              </a:lnSpc>
-              <a:buFontTx/>
-              <a:buNone/>
-            </a:pPr>
-            <a:r>
-              <a:rPr lang="en-US" sz="2400" dirty="0">
-                <a:solidFill>
-                  <a:schemeClr val="tx1"/>
-                </a:solidFill>
-              </a:rPr>
-              <a:t>Compare </a:t>
-            </a:r>
-            <a:r>
-              <a:rPr lang="en-US" altLang="en-US" sz="2400" dirty="0">
-                <a:solidFill>
-                  <a:schemeClr val="tx1"/>
-                </a:solidFill>
-                <a:latin typeface="Courier New" pitchFamily="49" charset="0"/>
-                <a:cs typeface="Courier New" pitchFamily="49" charset="0"/>
-              </a:rPr>
-              <a:t>/verbose output</a:t>
-            </a:r>
-          </a:p>
-        </p:txBody>
-      </p:sp>
+      </p:pic>
+      <p:pic>
+        <p:nvPicPr>
+          <p:cNvPr id="5" name="Picture 4">
+            <a:extLst>
+              <a:ext uri="{FF2B5EF4-FFF2-40B4-BE49-F238E27FC236}">
+                <a16:creationId xmlns:a16="http://schemas.microsoft.com/office/drawing/2014/main" id="{DE24A81D-E275-4AB0-AD4F-EC217A5EEA45}"/>
+              </a:ext>
+            </a:extLst>
+          </p:cNvPr>
+          <p:cNvPicPr>
+            <a:picLocks noChangeAspect="1"/>
+          </p:cNvPicPr>
+          <p:nvPr/>
+        </p:nvPicPr>
+        <p:blipFill>
+          <a:blip r:embed="rId3"/>
+          <a:stretch>
+            <a:fillRect/>
+          </a:stretch>
+        </p:blipFill>
+        <p:spPr>
+          <a:xfrm>
+            <a:off x="10514012" y="66675"/>
+            <a:ext cx="1524000" cy="685800"/>
+          </a:xfrm>
+          <a:prstGeom prst="rect">
+            <a:avLst/>
+          </a:prstGeom>
+        </p:spPr>
+      </p:pic>
     </p:spTree>
     <p:extLst>
       <p:ext uri="{BB962C8B-B14F-4D97-AF65-F5344CB8AC3E}">
-        <p14:creationId xmlns:p14="http://schemas.microsoft.com/office/powerpoint/2010/main" val="248715748"/>
+        <p14:creationId xmlns:p14="http://schemas.microsoft.com/office/powerpoint/2010/main" val="4255969925"/>
       </p:ext>
     </p:extLst>
   </p:cSld>
   <p:clrMapOvr>
     <a:masterClrMapping/>
   </p:clrMapOvr>
+  <p:transition>
+    <p:wipe dir="r"/>
+  </p:transition>
 </p:sld>
 </file>
 
@@ -15714,7 +14759,7 @@
       </p:grpSpPr>
       <p:sp>
         <p:nvSpPr>
-          <p:cNvPr id="3" name="Title 2"/>
+          <p:cNvPr id="2" name="Title 1"/>
           <p:cNvSpPr>
             <a:spLocks noGrp="1"/>
           </p:cNvSpPr>
@@ -15729,33 +14774,120 @@
           <a:p>
             <a:r>
               <a:rPr lang="en-US" dirty="0"/>
-              <a:t>Gotchas</a:t>
-            </a:r>
-          </a:p>
-        </p:txBody>
-      </p:sp>
+              <a:t>Output – (48,295)</a:t>
+            </a:r>
+          </a:p>
+        </p:txBody>
+      </p:sp>
+      <p:sp>
+        <p:nvSpPr>
+          <p:cNvPr id="6" name="Text Placeholder 5">
+            <a:extLst>
+              <a:ext uri="{FF2B5EF4-FFF2-40B4-BE49-F238E27FC236}">
+                <a16:creationId xmlns:a16="http://schemas.microsoft.com/office/drawing/2014/main" id="{027FCAC2-4F05-456D-83B7-3539B2FE258F}"/>
+              </a:ext>
+            </a:extLst>
+          </p:cNvPr>
+          <p:cNvSpPr>
+            <a:spLocks noGrp="1"/>
+          </p:cNvSpPr>
+          <p:nvPr>
+            <p:ph type="body" sz="quarter" idx="16"/>
+          </p:nvPr>
+        </p:nvSpPr>
+        <p:spPr>
+          <a:xfrm>
+            <a:off x="288059" y="762000"/>
+            <a:ext cx="11484864" cy="5647944"/>
+          </a:xfrm>
+        </p:spPr>
+        <p:txBody>
+          <a:bodyPr/>
+          <a:lstStyle/>
+          <a:p>
+            <a:endParaRPr lang="en-US" dirty="0"/>
+          </a:p>
+        </p:txBody>
+      </p:sp>
+      <p:pic>
+        <p:nvPicPr>
+          <p:cNvPr id="4" name="Picture 3">
+            <a:extLst>
+              <a:ext uri="{FF2B5EF4-FFF2-40B4-BE49-F238E27FC236}">
+                <a16:creationId xmlns:a16="http://schemas.microsoft.com/office/drawing/2014/main" id="{5AA6F91A-B617-48FF-8230-7D8DF4EC8752}"/>
+              </a:ext>
+            </a:extLst>
+          </p:cNvPr>
+          <p:cNvPicPr>
+            <a:picLocks noChangeAspect="1"/>
+          </p:cNvPicPr>
+          <p:nvPr/>
+        </p:nvPicPr>
+        <p:blipFill>
+          <a:blip r:embed="rId2">
+            <a:extLst>
+              <a:ext uri="{28A0092B-C50C-407E-A947-70E740481C1C}">
+                <a14:useLocalDpi xmlns:a14="http://schemas.microsoft.com/office/drawing/2010/main" val="0"/>
+              </a:ext>
+            </a:extLst>
+          </a:blip>
+          <a:stretch>
+            <a:fillRect/>
+          </a:stretch>
+        </p:blipFill>
+        <p:spPr>
+          <a:xfrm>
+            <a:off x="313231" y="762000"/>
+            <a:ext cx="11484864" cy="5647944"/>
+          </a:xfrm>
+          <a:prstGeom prst="rect">
+            <a:avLst/>
+          </a:prstGeom>
+        </p:spPr>
+      </p:pic>
+      <p:pic>
+        <p:nvPicPr>
+          <p:cNvPr id="5" name="Picture 4">
+            <a:extLst>
+              <a:ext uri="{FF2B5EF4-FFF2-40B4-BE49-F238E27FC236}">
+                <a16:creationId xmlns:a16="http://schemas.microsoft.com/office/drawing/2014/main" id="{C3BFAD1A-CA7F-4769-9F4A-16DC014F6637}"/>
+              </a:ext>
+            </a:extLst>
+          </p:cNvPr>
+          <p:cNvPicPr>
+            <a:picLocks noChangeAspect="1"/>
+          </p:cNvPicPr>
+          <p:nvPr/>
+        </p:nvPicPr>
+        <p:blipFill>
+          <a:blip r:embed="rId3"/>
+          <a:stretch>
+            <a:fillRect/>
+          </a:stretch>
+        </p:blipFill>
+        <p:spPr>
+          <a:xfrm>
+            <a:off x="10514012" y="66675"/>
+            <a:ext cx="1524000" cy="685800"/>
+          </a:xfrm>
+          <a:prstGeom prst="rect">
+            <a:avLst/>
+          </a:prstGeom>
+        </p:spPr>
+      </p:pic>
     </p:spTree>
     <p:extLst>
       <p:ext uri="{BB962C8B-B14F-4D97-AF65-F5344CB8AC3E}">
-        <p14:creationId xmlns:p14="http://schemas.microsoft.com/office/powerpoint/2010/main" val="522028144"/>
+        <p14:creationId xmlns:p14="http://schemas.microsoft.com/office/powerpoint/2010/main" val="3211490665"/>
       </p:ext>
     </p:extLst>
   </p:cSld>
   <p:clrMapOvr>
     <a:masterClrMapping/>
   </p:clrMapOvr>
-  <mc:AlternateContent xmlns:mc="http://schemas.openxmlformats.org/markup-compatibility/2006" xmlns:p14="http://schemas.microsoft.com/office/powerpoint/2010/main">
-    <mc:Choice Requires="p14">
-      <p:transition spd="med" p14:dur="700">
-        <p:fade/>
-      </p:transition>
-    </mc:Choice>
-    <mc:Fallback xmlns="">
-      <p:transition spd="med">
-        <p:fade/>
-      </p:transition>
-    </mc:Fallback>
-  </mc:AlternateContent>
+  <p:transition>
+    <p:wipe dir="r"/>
+  </p:transition>
 </p:sld>
 </file>
 
@@ -15792,57 +14924,100 @@
           <a:lstStyle/>
           <a:p>
             <a:r>
-              <a:rPr lang="en-US" altLang="en-US" dirty="0">
+              <a:rPr lang="en-US" dirty="0">
                 <a:solidFill>
                   <a:schemeClr val="tx1"/>
                 </a:solidFill>
               </a:rPr>
-              <a:t>The “Build Archives” option, tells gmk to generate a makefile that re-packages all the libraries</a:t>
-            </a:r>
-          </a:p>
-          <a:p>
-            <a:r>
-              <a:rPr lang="en-US" altLang="en-US" dirty="0">
+              <a:t>Prediction of the test</a:t>
+            </a:r>
+          </a:p>
+          <a:p>
+            <a:r>
+              <a:rPr lang="en-US" dirty="0">
                 <a:solidFill>
                   <a:schemeClr val="tx1"/>
                 </a:solidFill>
               </a:rPr>
-              <a:t>The makefile generated by ‘gmk’, calls ‘lib’ to generate library</a:t>
-            </a:r>
-          </a:p>
-          <a:p>
-            <a:pPr lvl="1"/>
-            <a:r>
-              <a:rPr lang="en-US" altLang="en-US" dirty="0">
+              <a:t>Daily, weekly, monthly and yearly report can be generated</a:t>
+            </a:r>
+          </a:p>
+          <a:p>
+            <a:endParaRPr lang="en-US" dirty="0">
+              <a:solidFill>
+                <a:schemeClr val="tx1"/>
+              </a:solidFill>
+            </a:endParaRPr>
+          </a:p>
+          <a:p>
+            <a:r>
+              <a:rPr lang="en-US" dirty="0">
                 <a:solidFill>
                   <a:schemeClr val="tx1"/>
                 </a:solidFill>
               </a:rPr>
-              <a:t>combining your objects and the system’s objects</a:t>
-            </a:r>
-          </a:p>
-          <a:p>
-            <a:r>
-              <a:rPr lang="en-US" altLang="en-US" dirty="0">
+              <a:t>Python.com</a:t>
+            </a:r>
+          </a:p>
+          <a:p>
+            <a:r>
+              <a:rPr lang="en-US" dirty="0">
                 <a:solidFill>
                   <a:schemeClr val="tx1"/>
                 </a:solidFill>
               </a:rPr>
-              <a:t>It could be used all the time. It is presumed to slow the build a bit</a:t>
-            </a:r>
-          </a:p>
-          <a:p>
-            <a:r>
-              <a:rPr lang="en-US" altLang="en-US" dirty="0">
+              <a:t>youtube.com/</a:t>
+            </a:r>
+            <a:r>
+              <a:rPr lang="en-US" dirty="0" err="1">
                 <a:solidFill>
                   <a:schemeClr val="tx1"/>
                 </a:solidFill>
               </a:rPr>
-              <a:t>Always do ‘Build Archives’ at least once for your project before submission</a:t>
-            </a:r>
-          </a:p>
-          <a:p>
-            <a:endParaRPr lang="en-US" dirty="0"/>
+              <a:t>sentdex</a:t>
+            </a:r>
+            <a:endParaRPr lang="en-US" dirty="0">
+              <a:solidFill>
+                <a:schemeClr val="tx1"/>
+              </a:solidFill>
+            </a:endParaRPr>
+          </a:p>
+          <a:p>
+            <a:r>
+              <a:rPr lang="en-US" dirty="0">
+                <a:solidFill>
+                  <a:schemeClr val="tx1"/>
+                </a:solidFill>
+              </a:rPr>
+              <a:t>Lynda.com</a:t>
+            </a:r>
+          </a:p>
+          <a:p>
+            <a:r>
+              <a:rPr lang="en-US" dirty="0">
+                <a:solidFill>
+                  <a:schemeClr val="tx1"/>
+                </a:solidFill>
+              </a:rPr>
+              <a:t>Wikipedia.com</a:t>
+            </a:r>
+          </a:p>
+          <a:p>
+            <a:r>
+              <a:rPr lang="en-US" dirty="0">
+                <a:solidFill>
+                  <a:schemeClr val="tx1"/>
+                </a:solidFill>
+              </a:rPr>
+              <a:t>Scikit-learn.com</a:t>
+            </a:r>
+          </a:p>
+          <a:p>
+            <a:endParaRPr lang="en-US" dirty="0">
+              <a:solidFill>
+                <a:schemeClr val="tx1"/>
+              </a:solidFill>
+            </a:endParaRPr>
           </a:p>
         </p:txBody>
       </p:sp>
@@ -15863,37 +15038,45 @@
           <a:p>
             <a:r>
               <a:rPr lang="en-US" dirty="0"/>
-              <a:t>Solution</a:t>
-            </a:r>
-          </a:p>
-        </p:txBody>
-      </p:sp>
-      <p:sp>
-        <p:nvSpPr>
-          <p:cNvPr id="4" name="Subtitle 3"/>
-          <p:cNvSpPr>
-            <a:spLocks noGrp="1"/>
-          </p:cNvSpPr>
-          <p:nvPr>
-            <p:ph type="subTitle" idx="15"/>
-          </p:nvPr>
-        </p:nvSpPr>
-        <p:spPr/>
-        <p:txBody>
-          <a:bodyPr/>
-          <a:lstStyle/>
-          <a:p>
-            <a:r>
-              <a:rPr lang="en-US" dirty="0"/>
-              <a:t>Use Build Archives</a:t>
-            </a:r>
-          </a:p>
-        </p:txBody>
-      </p:sp>
+              <a:t>Future Enhancements &amp; references</a:t>
+            </a:r>
+          </a:p>
+        </p:txBody>
+      </p:sp>
+      <p:pic>
+        <p:nvPicPr>
+          <p:cNvPr id="4" name="Picture 3">
+            <a:extLst>
+              <a:ext uri="{FF2B5EF4-FFF2-40B4-BE49-F238E27FC236}">
+                <a16:creationId xmlns:a16="http://schemas.microsoft.com/office/drawing/2014/main" id="{32E57946-C05C-4861-BD89-2F3FC218CFA0}"/>
+              </a:ext>
+            </a:extLst>
+          </p:cNvPr>
+          <p:cNvPicPr>
+            <a:picLocks noChangeAspect="1"/>
+          </p:cNvPicPr>
+          <p:nvPr/>
+        </p:nvPicPr>
+        <p:blipFill>
+          <a:blip r:embed="rId2"/>
+          <a:stretch>
+            <a:fillRect/>
+          </a:stretch>
+        </p:blipFill>
+        <p:spPr>
+          <a:xfrm>
+            <a:off x="10514012" y="66675"/>
+            <a:ext cx="1524000" cy="685800"/>
+          </a:xfrm>
+          <a:prstGeom prst="rect">
+            <a:avLst/>
+          </a:prstGeom>
+        </p:spPr>
+      </p:pic>
     </p:spTree>
     <p:extLst>
       <p:ext uri="{BB962C8B-B14F-4D97-AF65-F5344CB8AC3E}">
-        <p14:creationId xmlns:p14="http://schemas.microsoft.com/office/powerpoint/2010/main" val="3631740182"/>
+        <p14:creationId xmlns:p14="http://schemas.microsoft.com/office/powerpoint/2010/main" val="186074883"/>
       </p:ext>
     </p:extLst>
   </p:cSld>
@@ -15925,6 +15108,37 @@
       </p:grpSpPr>
       <p:sp>
         <p:nvSpPr>
+          <p:cNvPr id="2" name="Content Placeholder 1"/>
+          <p:cNvSpPr>
+            <a:spLocks noGrp="1"/>
+          </p:cNvSpPr>
+          <p:nvPr>
+            <p:ph idx="1"/>
+          </p:nvPr>
+        </p:nvSpPr>
+        <p:spPr/>
+        <p:txBody>
+          <a:bodyPr/>
+          <a:lstStyle/>
+          <a:p>
+            <a:r>
+              <a:rPr lang="en-US" dirty="0">
+                <a:hlinkClick r:id="rId2"/>
+              </a:rPr>
+              <a:t>github.com/gkalidas/Python/tree/master/</a:t>
+            </a:r>
+            <a:r>
+              <a:rPr lang="en-US" dirty="0" err="1">
+                <a:hlinkClick r:id="rId2"/>
+              </a:rPr>
+              <a:t>MCS_project_sem_III</a:t>
+            </a:r>
+            <a:endParaRPr lang="en-US" dirty="0"/>
+          </a:p>
+        </p:txBody>
+      </p:sp>
+      <p:sp>
+        <p:nvSpPr>
           <p:cNvPr id="3" name="Title 2"/>
           <p:cNvSpPr>
             <a:spLocks noGrp="1"/>
@@ -15940,15 +15154,143 @@
           <a:p>
             <a:r>
               <a:rPr lang="en-US" dirty="0"/>
-              <a:t>Supporting Slides</a:t>
-            </a:r>
-          </a:p>
-        </p:txBody>
-      </p:sp>
+              <a:t>Where to get more info</a:t>
+            </a:r>
+          </a:p>
+        </p:txBody>
+      </p:sp>
+      <p:pic>
+        <p:nvPicPr>
+          <p:cNvPr id="4" name="Picture 3">
+            <a:extLst>
+              <a:ext uri="{FF2B5EF4-FFF2-40B4-BE49-F238E27FC236}">
+                <a16:creationId xmlns:a16="http://schemas.microsoft.com/office/drawing/2014/main" id="{A336C232-F856-4BFC-B2A6-911636121B6B}"/>
+              </a:ext>
+            </a:extLst>
+          </p:cNvPr>
+          <p:cNvPicPr>
+            <a:picLocks noChangeAspect="1"/>
+          </p:cNvPicPr>
+          <p:nvPr/>
+        </p:nvPicPr>
+        <p:blipFill>
+          <a:blip r:embed="rId3"/>
+          <a:stretch>
+            <a:fillRect/>
+          </a:stretch>
+        </p:blipFill>
+        <p:spPr>
+          <a:xfrm>
+            <a:off x="10514012" y="66675"/>
+            <a:ext cx="1524000" cy="685800"/>
+          </a:xfrm>
+          <a:prstGeom prst="rect">
+            <a:avLst/>
+          </a:prstGeom>
+        </p:spPr>
+      </p:pic>
     </p:spTree>
     <p:extLst>
       <p:ext uri="{BB962C8B-B14F-4D97-AF65-F5344CB8AC3E}">
-        <p14:creationId xmlns:p14="http://schemas.microsoft.com/office/powerpoint/2010/main" val="2778423715"/>
+        <p14:creationId xmlns:p14="http://schemas.microsoft.com/office/powerpoint/2010/main" val="1979456870"/>
+      </p:ext>
+    </p:extLst>
+  </p:cSld>
+  <p:clrMapOvr>
+    <a:masterClrMapping/>
+  </p:clrMapOvr>
+  <p:transition>
+    <p:wipe dir="r"/>
+  </p:transition>
+</p:sld>
+</file>
+
+<file path=ppt/slides/slide19.xml><?xml version="1.0" encoding="utf-8"?>
+<p:sld xmlns:a="http://schemas.openxmlformats.org/drawingml/2006/main" xmlns:r="http://schemas.openxmlformats.org/officeDocument/2006/relationships" xmlns:p="http://schemas.openxmlformats.org/presentationml/2006/main">
+  <p:cSld>
+    <p:spTree>
+      <p:nvGrpSpPr>
+        <p:cNvPr id="1" name=""/>
+        <p:cNvGrpSpPr/>
+        <p:nvPr/>
+      </p:nvGrpSpPr>
+      <p:grpSpPr>
+        <a:xfrm>
+          <a:off x="0" y="0"/>
+          <a:ext cx="0" cy="0"/>
+          <a:chOff x="0" y="0"/>
+          <a:chExt cx="0" cy="0"/>
+        </a:xfrm>
+      </p:grpSpPr>
+      <p:sp>
+        <p:nvSpPr>
+          <p:cNvPr id="2" name="TextBox 1">
+            <a:extLst>
+              <a:ext uri="{FF2B5EF4-FFF2-40B4-BE49-F238E27FC236}">
+                <a16:creationId xmlns:a16="http://schemas.microsoft.com/office/drawing/2014/main" id="{6597048C-BED7-4289-A53B-75E70691BDEF}"/>
+              </a:ext>
+            </a:extLst>
+          </p:cNvPr>
+          <p:cNvSpPr txBox="1"/>
+          <p:nvPr/>
+        </p:nvSpPr>
+        <p:spPr>
+          <a:xfrm>
+            <a:off x="5027612" y="838200"/>
+            <a:ext cx="5029200" cy="5293757"/>
+          </a:xfrm>
+          <a:prstGeom prst="rect">
+            <a:avLst/>
+          </a:prstGeom>
+          <a:noFill/>
+        </p:spPr>
+        <p:txBody>
+          <a:bodyPr wrap="square" lIns="0" tIns="0" rIns="0" bIns="0" rtlCol="0">
+            <a:spAutoFit/>
+          </a:bodyPr>
+          <a:lstStyle/>
+          <a:p>
+            <a:r>
+              <a:rPr lang="en-US" sz="34400" dirty="0"/>
+              <a:t>?</a:t>
+            </a:r>
+          </a:p>
+        </p:txBody>
+      </p:sp>
+      <p:pic>
+        <p:nvPicPr>
+          <p:cNvPr id="3" name="Picture 2">
+            <a:extLst>
+              <a:ext uri="{FF2B5EF4-FFF2-40B4-BE49-F238E27FC236}">
+                <a16:creationId xmlns:a16="http://schemas.microsoft.com/office/drawing/2014/main" id="{88406E4F-3F25-4A23-9336-6CD7588AD8EB}"/>
+              </a:ext>
+            </a:extLst>
+          </p:cNvPr>
+          <p:cNvPicPr>
+            <a:picLocks noChangeAspect="1"/>
+          </p:cNvPicPr>
+          <p:nvPr/>
+        </p:nvPicPr>
+        <p:blipFill>
+          <a:blip r:embed="rId2"/>
+          <a:stretch>
+            <a:fillRect/>
+          </a:stretch>
+        </p:blipFill>
+        <p:spPr>
+          <a:xfrm>
+            <a:off x="10514012" y="66675"/>
+            <a:ext cx="1524000" cy="685800"/>
+          </a:xfrm>
+          <a:prstGeom prst="rect">
+            <a:avLst/>
+          </a:prstGeom>
+        </p:spPr>
+      </p:pic>
+    </p:spTree>
+    <p:extLst>
+      <p:ext uri="{BB962C8B-B14F-4D97-AF65-F5344CB8AC3E}">
+        <p14:creationId xmlns:p14="http://schemas.microsoft.com/office/powerpoint/2010/main" val="1460813515"/>
       </p:ext>
     </p:extLst>
   </p:cSld>
@@ -15970,92 +15312,6 @@
 </p:sld>
 </file>
 
-<file path=ppt/slides/slide19.xml><?xml version="1.0" encoding="utf-8"?>
-<p:sld xmlns:a="http://schemas.openxmlformats.org/drawingml/2006/main" xmlns:r="http://schemas.openxmlformats.org/officeDocument/2006/relationships" xmlns:p="http://schemas.openxmlformats.org/presentationml/2006/main">
-  <p:cSld>
-    <p:spTree>
-      <p:nvGrpSpPr>
-        <p:cNvPr id="1" name=""/>
-        <p:cNvGrpSpPr/>
-        <p:nvPr/>
-      </p:nvGrpSpPr>
-      <p:grpSpPr>
-        <a:xfrm>
-          <a:off x="0" y="0"/>
-          <a:ext cx="0" cy="0"/>
-          <a:chOff x="0" y="0"/>
-          <a:chExt cx="0" cy="0"/>
-        </a:xfrm>
-      </p:grpSpPr>
-      <p:sp>
-        <p:nvSpPr>
-          <p:cNvPr id="2" name="Content Placeholder 1"/>
-          <p:cNvSpPr>
-            <a:spLocks noGrp="1"/>
-          </p:cNvSpPr>
-          <p:nvPr>
-            <p:ph idx="1"/>
-          </p:nvPr>
-        </p:nvSpPr>
-        <p:spPr/>
-        <p:txBody>
-          <a:bodyPr/>
-          <a:lstStyle/>
-          <a:p>
-            <a:r>
-              <a:rPr lang="en-US" dirty="0">
-                <a:hlinkClick r:id="rId2"/>
-              </a:rPr>
-              <a:t>github.com/gkalidas/Python/tree/master/</a:t>
-            </a:r>
-            <a:r>
-              <a:rPr lang="en-US" dirty="0" err="1">
-                <a:hlinkClick r:id="rId2"/>
-              </a:rPr>
-              <a:t>MCS_project_sem_III</a:t>
-            </a:r>
-            <a:endParaRPr lang="en-US" dirty="0"/>
-          </a:p>
-        </p:txBody>
-      </p:sp>
-      <p:sp>
-        <p:nvSpPr>
-          <p:cNvPr id="3" name="Title 2"/>
-          <p:cNvSpPr>
-            <a:spLocks noGrp="1"/>
-          </p:cNvSpPr>
-          <p:nvPr>
-            <p:ph type="title"/>
-          </p:nvPr>
-        </p:nvSpPr>
-        <p:spPr/>
-        <p:txBody>
-          <a:bodyPr/>
-          <a:lstStyle/>
-          <a:p>
-            <a:r>
-              <a:rPr lang="en-US" dirty="0"/>
-              <a:t>Where to get more info</a:t>
-            </a:r>
-          </a:p>
-        </p:txBody>
-      </p:sp>
-    </p:spTree>
-    <p:extLst>
-      <p:ext uri="{BB962C8B-B14F-4D97-AF65-F5344CB8AC3E}">
-        <p14:creationId xmlns:p14="http://schemas.microsoft.com/office/powerpoint/2010/main" val="1979456870"/>
-      </p:ext>
-    </p:extLst>
-  </p:cSld>
-  <p:clrMapOvr>
-    <a:masterClrMapping/>
-  </p:clrMapOvr>
-  <p:transition>
-    <p:wipe dir="r"/>
-  </p:transition>
-</p:sld>
-</file>
-
 <file path=ppt/slides/slide2.xml><?xml version="1.0" encoding="utf-8"?>
 <p:sld xmlns:a="http://schemas.openxmlformats.org/drawingml/2006/main" xmlns:r="http://schemas.openxmlformats.org/officeDocument/2006/relationships" xmlns:p="http://schemas.openxmlformats.org/presentationml/2006/main">
   <p:cSld>
@@ -16080,62 +15336,107 @@
             <a:spLocks noGrp="1"/>
           </p:cNvSpPr>
           <p:nvPr>
-            <p:ph type="title"/>
+            <p:ph type="ctrTitle"/>
           </p:nvPr>
         </p:nvSpPr>
-        <p:spPr/>
+        <p:spPr>
+          <a:xfrm>
+            <a:off x="279734" y="494096"/>
+            <a:ext cx="5415809" cy="2553904"/>
+          </a:xfrm>
+        </p:spPr>
         <p:txBody>
           <a:bodyPr/>
           <a:lstStyle/>
           <a:p>
-            <a:r>
-              <a:rPr lang="en-US" dirty="0"/>
-              <a:t>Agenda</a:t>
-            </a:r>
-          </a:p>
-        </p:txBody>
-      </p:sp>
-      <p:sp>
-        <p:nvSpPr>
-          <p:cNvPr id="4" name="Text Placeholder 3"/>
+            <a:pPr algn="ctr"/>
+            <a:r>
+              <a:rPr lang="en-US" dirty="0"/>
+              <a:t>Efficient clustering algorithm to segregate tests on their execution behavior</a:t>
+            </a:r>
+          </a:p>
+        </p:txBody>
+      </p:sp>
+      <p:sp>
+        <p:nvSpPr>
+          <p:cNvPr id="5" name="Text Placeholder 4"/>
           <p:cNvSpPr>
             <a:spLocks noGrp="1"/>
           </p:cNvSpPr>
           <p:nvPr>
-            <p:ph type="body" sz="quarter" idx="16"/>
+            <p:ph type="subTitle" idx="1"/>
           </p:nvPr>
         </p:nvSpPr>
-        <p:spPr/>
+        <p:spPr>
+          <a:xfrm>
+            <a:off x="3656012" y="4934627"/>
+            <a:ext cx="2009221" cy="553741"/>
+          </a:xfrm>
+        </p:spPr>
         <p:txBody>
           <a:bodyPr/>
           <a:lstStyle/>
           <a:p>
             <a:r>
               <a:rPr lang="en-US" dirty="0"/>
-              <a:t>Why this project?</a:t>
-            </a:r>
-          </a:p>
-          <a:p>
-            <a:r>
-              <a:rPr lang="en-US" dirty="0"/>
-              <a:t>What is this project about?</a:t>
-            </a:r>
+              <a:t>Ganesh Londhe</a:t>
+            </a:r>
+          </a:p>
+        </p:txBody>
+      </p:sp>
+      <p:sp>
+        <p:nvSpPr>
+          <p:cNvPr id="3" name="Text Placeholder 2"/>
+          <p:cNvSpPr>
+            <a:spLocks noGrp="1"/>
+          </p:cNvSpPr>
+          <p:nvPr>
+            <p:ph type="body" sz="quarter" idx="10"/>
+          </p:nvPr>
+        </p:nvSpPr>
+        <p:spPr>
+          <a:xfrm>
+            <a:off x="3656012" y="5488368"/>
+            <a:ext cx="1171021" cy="443198"/>
+          </a:xfrm>
+        </p:spPr>
+        <p:txBody>
+          <a:bodyPr/>
+          <a:lstStyle/>
+          <a:p>
+            <a:r>
+              <a:rPr lang="en-IN" dirty="0"/>
+              <a:t>Intern R&amp;D</a:t>
+            </a:r>
+            <a:br>
+              <a:rPr lang="en-IN" dirty="0"/>
+            </a:br>
+            <a:r>
+              <a:rPr lang="en-IN" dirty="0"/>
+              <a:t>GS &amp; Tools</a:t>
+            </a:r>
+            <a:endParaRPr lang="en-US" dirty="0"/>
           </a:p>
         </p:txBody>
       </p:sp>
     </p:spTree>
     <p:extLst>
       <p:ext uri="{BB962C8B-B14F-4D97-AF65-F5344CB8AC3E}">
-        <p14:creationId xmlns:p14="http://schemas.microsoft.com/office/powerpoint/2010/main" val="4125862979"/>
+        <p14:creationId xmlns:p14="http://schemas.microsoft.com/office/powerpoint/2010/main" val="1102581679"/>
       </p:ext>
     </p:extLst>
   </p:cSld>
   <p:clrMapOvr>
     <a:masterClrMapping/>
   </p:clrMapOvr>
-  <p:transition>
-    <p:wipe dir="r"/>
-  </p:transition>
+  <mc:AlternateContent xmlns:mc="http://schemas.openxmlformats.org/markup-compatibility/2006" xmlns:p14="http://schemas.microsoft.com/office/powerpoint/2010/main">
+    <mc:Choice Requires="p14">
+      <p:transition p14:dur="0"/>
+    </mc:Choice>
+    <mc:Fallback xmlns="">
+      <p:transition/>
+    </mc:Fallback>
+  </mc:AlternateContent>
 </p:sld>
 </file>
 
@@ -16158,996 +15459,73 @@
       </p:grpSpPr>
       <p:sp>
         <p:nvSpPr>
-          <p:cNvPr id="2" name="Title 1"/>
-          <p:cNvSpPr>
-            <a:spLocks noGrp="1"/>
-          </p:cNvSpPr>
-          <p:nvPr>
-            <p:ph type="title"/>
-          </p:nvPr>
-        </p:nvSpPr>
-        <p:spPr/>
-        <p:txBody>
-          <a:bodyPr/>
+          <p:cNvPr id="6" name="TextBox 5">
+            <a:extLst>
+              <a:ext uri="{FF2B5EF4-FFF2-40B4-BE49-F238E27FC236}">
+                <a16:creationId xmlns:a16="http://schemas.microsoft.com/office/drawing/2014/main" id="{C3C7AE06-0A61-471F-9E8E-DE04A2E3E712}"/>
+              </a:ext>
+            </a:extLst>
+          </p:cNvPr>
+          <p:cNvSpPr txBox="1"/>
+          <p:nvPr/>
+        </p:nvSpPr>
+        <p:spPr>
+          <a:xfrm>
+            <a:off x="1065212" y="1905000"/>
+            <a:ext cx="9677400" cy="2215991"/>
+          </a:xfrm>
+          <a:prstGeom prst="rect">
+            <a:avLst/>
+          </a:prstGeom>
+          <a:noFill/>
+        </p:spPr>
+        <p:txBody>
+          <a:bodyPr wrap="square" lIns="0" tIns="0" rIns="0" bIns="0" rtlCol="0">
+            <a:spAutoFit/>
+          </a:bodyPr>
           <a:lstStyle/>
           <a:p>
             <a:r>
-              <a:rPr lang="en-US" dirty="0"/>
-              <a:t>Submission</a:t>
-            </a:r>
-          </a:p>
-        </p:txBody>
-      </p:sp>
-      <p:sp>
-        <p:nvSpPr>
-          <p:cNvPr id="4" name="Text Placeholder 3"/>
-          <p:cNvSpPr>
-            <a:spLocks noGrp="1"/>
-          </p:cNvSpPr>
-          <p:nvPr>
-            <p:ph type="body" sz="quarter" idx="16"/>
-          </p:nvPr>
-        </p:nvSpPr>
-        <p:spPr>
-          <a:xfrm>
-            <a:off x="288059" y="914400"/>
-            <a:ext cx="11484864" cy="1210056"/>
-          </a:xfrm>
-        </p:spPr>
-        <p:txBody>
-          <a:bodyPr/>
-          <a:lstStyle/>
-          <a:p>
-            <a:r>
-              <a:rPr lang="en-US" dirty="0"/>
-              <a:t>A developer can make changes and run his project and see the result</a:t>
+              <a:rPr lang="en-US" sz="14400" dirty="0"/>
+              <a:t>Thank You!</a:t>
             </a:r>
           </a:p>
         </p:txBody>
       </p:sp>
       <p:pic>
         <p:nvPicPr>
-          <p:cNvPr id="2053" name="Picture 5" descr="C:\Program Files (x86)\Microsoft Office\MEDIA\CAGCAT10\j0292020.wmf"/>
+          <p:cNvPr id="3" name="Picture 2">
+            <a:extLst>
+              <a:ext uri="{FF2B5EF4-FFF2-40B4-BE49-F238E27FC236}">
+                <a16:creationId xmlns:a16="http://schemas.microsoft.com/office/drawing/2014/main" id="{45F3A918-0D1C-4BC9-BA30-7A7B84611D2B}"/>
+              </a:ext>
+            </a:extLst>
+          </p:cNvPr>
           <p:cNvPicPr>
-            <a:picLocks noChangeAspect="1" noChangeArrowheads="1"/>
+            <a:picLocks noChangeAspect="1"/>
           </p:cNvPicPr>
           <p:nvPr/>
         </p:nvPicPr>
         <p:blipFill>
-          <a:blip r:embed="rId2" cstate="print">
-            <a:extLst>
-              <a:ext uri="{28A0092B-C50C-407E-A947-70E740481C1C}">
-                <a14:useLocalDpi xmlns:a14="http://schemas.microsoft.com/office/drawing/2010/main" val="0"/>
-              </a:ext>
-            </a:extLst>
-          </a:blip>
-          <a:srcRect/>
+          <a:blip r:embed="rId2"/>
           <a:stretch>
             <a:fillRect/>
           </a:stretch>
         </p:blipFill>
-        <p:spPr bwMode="auto">
-          <a:xfrm>
-            <a:off x="608012" y="2517787"/>
-            <a:ext cx="934517" cy="886968"/>
+        <p:spPr>
+          <a:xfrm>
+            <a:off x="10514012" y="66675"/>
+            <a:ext cx="1524000" cy="685800"/>
           </a:xfrm>
           <a:prstGeom prst="rect">
             <a:avLst/>
           </a:prstGeom>
-          <a:noFill/>
-          <a:extLst>
-            <a:ext uri="{909E8E84-426E-40DD-AFC4-6F175D3DCCD1}">
-              <a14:hiddenFill xmlns:a14="http://schemas.microsoft.com/office/drawing/2010/main">
-                <a:solidFill>
-                  <a:srgbClr val="FFFFFF"/>
-                </a:solidFill>
-              </a14:hiddenFill>
-            </a:ext>
-          </a:extLst>
         </p:spPr>
       </p:pic>
-      <p:pic>
-        <p:nvPicPr>
-          <p:cNvPr id="2054" name="Picture 6" descr="C:\Program Files (x86)\Microsoft Office\MEDIA\CAGCAT10\j0195384.wmf"/>
-          <p:cNvPicPr>
-            <a:picLocks noChangeAspect="1" noChangeArrowheads="1"/>
-          </p:cNvPicPr>
-          <p:nvPr/>
-        </p:nvPicPr>
-        <p:blipFill>
-          <a:blip r:embed="rId3" cstate="print">
-            <a:extLst>
-              <a:ext uri="{28A0092B-C50C-407E-A947-70E740481C1C}">
-                <a14:useLocalDpi xmlns:a14="http://schemas.microsoft.com/office/drawing/2010/main" val="0"/>
-              </a:ext>
-            </a:extLst>
-          </a:blip>
-          <a:srcRect/>
-          <a:stretch>
-            <a:fillRect/>
-          </a:stretch>
-        </p:blipFill>
-        <p:spPr bwMode="auto">
-          <a:xfrm flipH="1">
-            <a:off x="602960" y="3731514"/>
-            <a:ext cx="897941" cy="916686"/>
-          </a:xfrm>
-          <a:prstGeom prst="rect">
-            <a:avLst/>
-          </a:prstGeom>
-          <a:noFill/>
-          <a:extLst>
-            <a:ext uri="{909E8E84-426E-40DD-AFC4-6F175D3DCCD1}">
-              <a14:hiddenFill xmlns:a14="http://schemas.microsoft.com/office/drawing/2010/main">
-                <a:solidFill>
-                  <a:srgbClr val="FFFFFF"/>
-                </a:solidFill>
-              </a14:hiddenFill>
-            </a:ext>
-          </a:extLst>
-        </p:spPr>
-      </p:pic>
-      <p:pic>
-        <p:nvPicPr>
-          <p:cNvPr id="10" name="Picture 5" descr="C:\Program Files (x86)\Microsoft Office\MEDIA\CAGCAT10\j0292020.wmf"/>
-          <p:cNvPicPr>
-            <a:picLocks noChangeAspect="1" noChangeArrowheads="1"/>
-          </p:cNvPicPr>
-          <p:nvPr/>
-        </p:nvPicPr>
-        <p:blipFill>
-          <a:blip r:embed="rId2" cstate="print">
-            <a:duotone>
-              <a:prstClr val="black"/>
-              <a:schemeClr val="accent2">
-                <a:tint val="45000"/>
-                <a:satMod val="400000"/>
-              </a:schemeClr>
-            </a:duotone>
-            <a:extLst>
-              <a:ext uri="{28A0092B-C50C-407E-A947-70E740481C1C}">
-                <a14:useLocalDpi xmlns:a14="http://schemas.microsoft.com/office/drawing/2010/main" val="0"/>
-              </a:ext>
-            </a:extLst>
-          </a:blip>
-          <a:srcRect/>
-          <a:stretch>
-            <a:fillRect/>
-          </a:stretch>
-        </p:blipFill>
-        <p:spPr bwMode="auto">
-          <a:xfrm>
-            <a:off x="566384" y="4953000"/>
-            <a:ext cx="934517" cy="886968"/>
-          </a:xfrm>
-          <a:prstGeom prst="rect">
-            <a:avLst/>
-          </a:prstGeom>
-          <a:noFill/>
-          <a:extLst>
-            <a:ext uri="{909E8E84-426E-40DD-AFC4-6F175D3DCCD1}">
-              <a14:hiddenFill xmlns:a14="http://schemas.microsoft.com/office/drawing/2010/main">
-                <a:solidFill>
-                  <a:srgbClr val="FFFFFF"/>
-                </a:solidFill>
-              </a14:hiddenFill>
-            </a:ext>
-          </a:extLst>
-        </p:spPr>
-      </p:pic>
-      <p:pic>
-        <p:nvPicPr>
-          <p:cNvPr id="2056" name="Picture 8" descr="D:\Users\aamit\AppData\Local\Microsoft\Windows\Temporary Internet Files\Content.IE5\3PLKO3Z1\MC900438067[1].png"/>
-          <p:cNvPicPr>
-            <a:picLocks noChangeAspect="1" noChangeArrowheads="1"/>
-          </p:cNvPicPr>
-          <p:nvPr/>
-        </p:nvPicPr>
-        <p:blipFill>
-          <a:blip r:embed="rId4">
-            <a:extLst>
-              <a:ext uri="{28A0092B-C50C-407E-A947-70E740481C1C}">
-                <a14:useLocalDpi xmlns:a14="http://schemas.microsoft.com/office/drawing/2010/main" val="0"/>
-              </a:ext>
-            </a:extLst>
-          </a:blip>
-          <a:srcRect/>
-          <a:stretch>
-            <a:fillRect/>
-          </a:stretch>
-        </p:blipFill>
-        <p:spPr bwMode="auto">
-          <a:xfrm>
-            <a:off x="3351212" y="3267501"/>
-            <a:ext cx="1828571" cy="1828571"/>
-          </a:xfrm>
-          <a:prstGeom prst="rect">
-            <a:avLst/>
-          </a:prstGeom>
-          <a:noFill/>
-          <a:extLst>
-            <a:ext uri="{909E8E84-426E-40DD-AFC4-6F175D3DCCD1}">
-              <a14:hiddenFill xmlns:a14="http://schemas.microsoft.com/office/drawing/2010/main">
-                <a:solidFill>
-                  <a:srgbClr val="FFFFFF"/>
-                </a:solidFill>
-              </a14:hiddenFill>
-            </a:ext>
-          </a:extLst>
-        </p:spPr>
-      </p:pic>
-      <p:pic>
-        <p:nvPicPr>
-          <p:cNvPr id="13" name="Picture 8" descr="D:\Users\aamit\AppData\Local\Microsoft\Windows\Temporary Internet Files\Content.IE5\3PLKO3Z1\MC900438067[1].png"/>
-          <p:cNvPicPr>
-            <a:picLocks noChangeAspect="1" noChangeArrowheads="1"/>
-          </p:cNvPicPr>
-          <p:nvPr/>
-        </p:nvPicPr>
-        <p:blipFill>
-          <a:blip r:embed="rId4" cstate="print">
-            <a:extLst>
-              <a:ext uri="{28A0092B-C50C-407E-A947-70E740481C1C}">
-                <a14:useLocalDpi xmlns:a14="http://schemas.microsoft.com/office/drawing/2010/main" val="0"/>
-              </a:ext>
-            </a:extLst>
-          </a:blip>
-          <a:srcRect/>
-          <a:stretch>
-            <a:fillRect/>
-          </a:stretch>
-        </p:blipFill>
-        <p:spPr bwMode="auto">
-          <a:xfrm>
-            <a:off x="6246813" y="2361287"/>
-            <a:ext cx="1143000" cy="1143000"/>
-          </a:xfrm>
-          <a:prstGeom prst="rect">
-            <a:avLst/>
-          </a:prstGeom>
-          <a:noFill/>
-          <a:extLst>
-            <a:ext uri="{909E8E84-426E-40DD-AFC4-6F175D3DCCD1}">
-              <a14:hiddenFill xmlns:a14="http://schemas.microsoft.com/office/drawing/2010/main">
-                <a:solidFill>
-                  <a:srgbClr val="FFFFFF"/>
-                </a:solidFill>
-              </a14:hiddenFill>
-            </a:ext>
-          </a:extLst>
-        </p:spPr>
-      </p:pic>
-      <p:pic>
-        <p:nvPicPr>
-          <p:cNvPr id="2058" name="Picture 10" descr="D:\Users\aamit\AppData\Local\Microsoft\Windows\Temporary Internet Files\Content.IE5\JKAC700K\MC900438066[1].png"/>
-          <p:cNvPicPr>
-            <a:picLocks noChangeAspect="1" noChangeArrowheads="1"/>
-          </p:cNvPicPr>
-          <p:nvPr/>
-        </p:nvPicPr>
-        <p:blipFill>
-          <a:blip r:embed="rId5">
-            <a:extLst>
-              <a:ext uri="{28A0092B-C50C-407E-A947-70E740481C1C}">
-                <a14:useLocalDpi xmlns:a14="http://schemas.microsoft.com/office/drawing/2010/main" val="0"/>
-              </a:ext>
-            </a:extLst>
-          </a:blip>
-          <a:srcRect/>
-          <a:stretch>
-            <a:fillRect/>
-          </a:stretch>
-        </p:blipFill>
-        <p:spPr bwMode="auto">
-          <a:xfrm>
-            <a:off x="6183459" y="3555003"/>
-            <a:ext cx="1269707" cy="1269707"/>
-          </a:xfrm>
-          <a:prstGeom prst="rect">
-            <a:avLst/>
-          </a:prstGeom>
-          <a:noFill/>
-          <a:extLst>
-            <a:ext uri="{909E8E84-426E-40DD-AFC4-6F175D3DCCD1}">
-              <a14:hiddenFill xmlns:a14="http://schemas.microsoft.com/office/drawing/2010/main">
-                <a:solidFill>
-                  <a:srgbClr val="FFFFFF"/>
-                </a:solidFill>
-              </a14:hiddenFill>
-            </a:ext>
-          </a:extLst>
-        </p:spPr>
-      </p:pic>
-      <p:pic>
-        <p:nvPicPr>
-          <p:cNvPr id="18" name="Picture 10" descr="D:\Users\aamit\AppData\Local\Microsoft\Windows\Temporary Internet Files\Content.IE5\JKAC700K\MC900438066[1].png"/>
-          <p:cNvPicPr>
-            <a:picLocks noChangeAspect="1" noChangeArrowheads="1"/>
-          </p:cNvPicPr>
-          <p:nvPr/>
-        </p:nvPicPr>
-        <p:blipFill>
-          <a:blip r:embed="rId5">
-            <a:extLst>
-              <a:ext uri="{28A0092B-C50C-407E-A947-70E740481C1C}">
-                <a14:useLocalDpi xmlns:a14="http://schemas.microsoft.com/office/drawing/2010/main" val="0"/>
-              </a:ext>
-            </a:extLst>
-          </a:blip>
-          <a:srcRect/>
-          <a:stretch>
-            <a:fillRect/>
-          </a:stretch>
-        </p:blipFill>
-        <p:spPr bwMode="auto">
-          <a:xfrm>
-            <a:off x="6246813" y="4939145"/>
-            <a:ext cx="1269707" cy="1269707"/>
-          </a:xfrm>
-          <a:prstGeom prst="rect">
-            <a:avLst/>
-          </a:prstGeom>
-          <a:noFill/>
-          <a:extLst>
-            <a:ext uri="{909E8E84-426E-40DD-AFC4-6F175D3DCCD1}">
-              <a14:hiddenFill xmlns:a14="http://schemas.microsoft.com/office/drawing/2010/main">
-                <a:solidFill>
-                  <a:srgbClr val="FFFFFF"/>
-                </a:solidFill>
-              </a14:hiddenFill>
-            </a:ext>
-          </a:extLst>
-        </p:spPr>
-      </p:pic>
-      <p:pic>
-        <p:nvPicPr>
-          <p:cNvPr id="2059" name="Picture 11" descr="D:\Users\aamit\AppData\Local\Microsoft\Windows\Temporary Internet Files\Content.IE5\KDRAJIFZ\MC900434741[1].png"/>
-          <p:cNvPicPr>
-            <a:picLocks noChangeAspect="1" noChangeArrowheads="1"/>
-          </p:cNvPicPr>
-          <p:nvPr/>
-        </p:nvPicPr>
-        <p:blipFill>
-          <a:blip r:embed="rId6" cstate="print">
-            <a:extLst>
-              <a:ext uri="{28A0092B-C50C-407E-A947-70E740481C1C}">
-                <a14:useLocalDpi xmlns:a14="http://schemas.microsoft.com/office/drawing/2010/main" val="0"/>
-              </a:ext>
-            </a:extLst>
-          </a:blip>
-          <a:srcRect/>
-          <a:stretch>
-            <a:fillRect/>
-          </a:stretch>
-        </p:blipFill>
-        <p:spPr bwMode="auto">
-          <a:xfrm>
-            <a:off x="4670015" y="3450117"/>
-            <a:ext cx="281397" cy="281397"/>
-          </a:xfrm>
-          <a:prstGeom prst="rect">
-            <a:avLst/>
-          </a:prstGeom>
-          <a:noFill/>
-          <a:extLst>
-            <a:ext uri="{909E8E84-426E-40DD-AFC4-6F175D3DCCD1}">
-              <a14:hiddenFill xmlns:a14="http://schemas.microsoft.com/office/drawing/2010/main">
-                <a:solidFill>
-                  <a:srgbClr val="FFFFFF"/>
-                </a:solidFill>
-              </a14:hiddenFill>
-            </a:ext>
-          </a:extLst>
-        </p:spPr>
-      </p:pic>
-      <p:pic>
-        <p:nvPicPr>
-          <p:cNvPr id="20" name="Picture 11" descr="D:\Users\aamit\AppData\Local\Microsoft\Windows\Temporary Internet Files\Content.IE5\KDRAJIFZ\MC900434741[1].png"/>
-          <p:cNvPicPr>
-            <a:picLocks noChangeAspect="1" noChangeArrowheads="1"/>
-          </p:cNvPicPr>
-          <p:nvPr/>
-        </p:nvPicPr>
-        <p:blipFill>
-          <a:blip r:embed="rId6" cstate="print">
-            <a:extLst>
-              <a:ext uri="{28A0092B-C50C-407E-A947-70E740481C1C}">
-                <a14:useLocalDpi xmlns:a14="http://schemas.microsoft.com/office/drawing/2010/main" val="0"/>
-              </a:ext>
-            </a:extLst>
-          </a:blip>
-          <a:srcRect/>
-          <a:stretch>
-            <a:fillRect/>
-          </a:stretch>
-        </p:blipFill>
-        <p:spPr bwMode="auto">
-          <a:xfrm>
-            <a:off x="7008812" y="2377088"/>
-            <a:ext cx="281397" cy="281397"/>
-          </a:xfrm>
-          <a:prstGeom prst="rect">
-            <a:avLst/>
-          </a:prstGeom>
-          <a:noFill/>
-          <a:extLst>
-            <a:ext uri="{909E8E84-426E-40DD-AFC4-6F175D3DCCD1}">
-              <a14:hiddenFill xmlns:a14="http://schemas.microsoft.com/office/drawing/2010/main">
-                <a:solidFill>
-                  <a:srgbClr val="FFFFFF"/>
-                </a:solidFill>
-              </a14:hiddenFill>
-            </a:ext>
-          </a:extLst>
-        </p:spPr>
-      </p:pic>
-      <p:pic>
-        <p:nvPicPr>
-          <p:cNvPr id="21" name="Picture 11" descr="D:\Users\aamit\AppData\Local\Microsoft\Windows\Temporary Internet Files\Content.IE5\KDRAJIFZ\MC900434741[1].png"/>
-          <p:cNvPicPr>
-            <a:picLocks noChangeAspect="1" noChangeArrowheads="1"/>
-          </p:cNvPicPr>
-          <p:nvPr/>
-        </p:nvPicPr>
-        <p:blipFill>
-          <a:blip r:embed="rId6" cstate="print">
-            <a:extLst>
-              <a:ext uri="{28A0092B-C50C-407E-A947-70E740481C1C}">
-                <a14:useLocalDpi xmlns:a14="http://schemas.microsoft.com/office/drawing/2010/main" val="0"/>
-              </a:ext>
-            </a:extLst>
-          </a:blip>
-          <a:srcRect/>
-          <a:stretch>
-            <a:fillRect/>
-          </a:stretch>
-        </p:blipFill>
-        <p:spPr bwMode="auto">
-          <a:xfrm>
-            <a:off x="6437311" y="3944239"/>
-            <a:ext cx="281397" cy="281397"/>
-          </a:xfrm>
-          <a:prstGeom prst="rect">
-            <a:avLst/>
-          </a:prstGeom>
-          <a:noFill/>
-          <a:extLst>
-            <a:ext uri="{909E8E84-426E-40DD-AFC4-6F175D3DCCD1}">
-              <a14:hiddenFill xmlns:a14="http://schemas.microsoft.com/office/drawing/2010/main">
-                <a:solidFill>
-                  <a:srgbClr val="FFFFFF"/>
-                </a:solidFill>
-              </a14:hiddenFill>
-            </a:ext>
-          </a:extLst>
-        </p:spPr>
-      </p:pic>
-      <p:pic>
-        <p:nvPicPr>
-          <p:cNvPr id="22" name="Picture 11" descr="D:\Users\aamit\AppData\Local\Microsoft\Windows\Temporary Internet Files\Content.IE5\KDRAJIFZ\MC900434741[1].png"/>
-          <p:cNvPicPr>
-            <a:picLocks noChangeAspect="1" noChangeArrowheads="1"/>
-          </p:cNvPicPr>
-          <p:nvPr/>
-        </p:nvPicPr>
-        <p:blipFill>
-          <a:blip r:embed="rId6" cstate="print">
-            <a:extLst>
-              <a:ext uri="{28A0092B-C50C-407E-A947-70E740481C1C}">
-                <a14:useLocalDpi xmlns:a14="http://schemas.microsoft.com/office/drawing/2010/main" val="0"/>
-              </a:ext>
-            </a:extLst>
-          </a:blip>
-          <a:srcRect/>
-          <a:stretch>
-            <a:fillRect/>
-          </a:stretch>
-        </p:blipFill>
-        <p:spPr bwMode="auto">
-          <a:xfrm>
-            <a:off x="6833199" y="5573998"/>
-            <a:ext cx="281397" cy="281397"/>
-          </a:xfrm>
-          <a:prstGeom prst="rect">
-            <a:avLst/>
-          </a:prstGeom>
-          <a:noFill/>
-          <a:extLst>
-            <a:ext uri="{909E8E84-426E-40DD-AFC4-6F175D3DCCD1}">
-              <a14:hiddenFill xmlns:a14="http://schemas.microsoft.com/office/drawing/2010/main">
-                <a:solidFill>
-                  <a:srgbClr val="FFFFFF"/>
-                </a:solidFill>
-              </a14:hiddenFill>
-            </a:ext>
-          </a:extLst>
-        </p:spPr>
-      </p:pic>
-      <p:cxnSp>
-        <p:nvCxnSpPr>
-          <p:cNvPr id="6" name="Straight Arrow Connector 5"/>
-          <p:cNvCxnSpPr>
-            <a:stCxn id="2053" idx="3"/>
-            <a:endCxn id="2059" idx="1"/>
-          </p:cNvCxnSpPr>
-          <p:nvPr/>
-        </p:nvCxnSpPr>
-        <p:spPr>
-          <a:xfrm>
-            <a:off x="1542529" y="2961271"/>
-            <a:ext cx="3127486" cy="629545"/>
-          </a:xfrm>
-          <a:prstGeom prst="straightConnector1">
-            <a:avLst/>
-          </a:prstGeom>
-          <a:ln w="22225">
-            <a:solidFill>
-              <a:schemeClr val="tx2">
-                <a:lumMod val="60000"/>
-                <a:lumOff val="40000"/>
-              </a:schemeClr>
-            </a:solidFill>
-            <a:tailEnd type="arrow"/>
-          </a:ln>
-        </p:spPr>
-        <p:style>
-          <a:lnRef idx="1">
-            <a:schemeClr val="accent1"/>
-          </a:lnRef>
-          <a:fillRef idx="0">
-            <a:schemeClr val="accent1"/>
-          </a:fillRef>
-          <a:effectRef idx="0">
-            <a:schemeClr val="accent1"/>
-          </a:effectRef>
-          <a:fontRef idx="minor">
-            <a:schemeClr val="tx1"/>
-          </a:fontRef>
-        </p:style>
-      </p:cxnSp>
-      <p:cxnSp>
-        <p:nvCxnSpPr>
-          <p:cNvPr id="25" name="Straight Arrow Connector 24"/>
-          <p:cNvCxnSpPr/>
-          <p:nvPr/>
-        </p:nvCxnSpPr>
-        <p:spPr>
-          <a:xfrm flipV="1">
-            <a:off x="1598612" y="3638297"/>
-            <a:ext cx="3071403" cy="446640"/>
-          </a:xfrm>
-          <a:prstGeom prst="straightConnector1">
-            <a:avLst/>
-          </a:prstGeom>
-          <a:ln w="22225">
-            <a:solidFill>
-              <a:schemeClr val="tx2">
-                <a:lumMod val="60000"/>
-                <a:lumOff val="40000"/>
-              </a:schemeClr>
-            </a:solidFill>
-            <a:tailEnd type="arrow"/>
-          </a:ln>
-        </p:spPr>
-        <p:style>
-          <a:lnRef idx="1">
-            <a:schemeClr val="accent1"/>
-          </a:lnRef>
-          <a:fillRef idx="0">
-            <a:schemeClr val="accent1"/>
-          </a:fillRef>
-          <a:effectRef idx="0">
-            <a:schemeClr val="accent1"/>
-          </a:effectRef>
-          <a:fontRef idx="minor">
-            <a:schemeClr val="tx1"/>
-          </a:fontRef>
-        </p:style>
-      </p:cxnSp>
-      <p:cxnSp>
-        <p:nvCxnSpPr>
-          <p:cNvPr id="27" name="Straight Arrow Connector 26"/>
-          <p:cNvCxnSpPr/>
-          <p:nvPr/>
-        </p:nvCxnSpPr>
-        <p:spPr>
-          <a:xfrm flipV="1">
-            <a:off x="1598612" y="3638296"/>
-            <a:ext cx="3071403" cy="1758188"/>
-          </a:xfrm>
-          <a:prstGeom prst="straightConnector1">
-            <a:avLst/>
-          </a:prstGeom>
-          <a:ln w="22225">
-            <a:solidFill>
-              <a:schemeClr val="tx2">
-                <a:lumMod val="60000"/>
-                <a:lumOff val="40000"/>
-              </a:schemeClr>
-            </a:solidFill>
-            <a:tailEnd type="arrow"/>
-          </a:ln>
-        </p:spPr>
-        <p:style>
-          <a:lnRef idx="1">
-            <a:schemeClr val="accent1"/>
-          </a:lnRef>
-          <a:fillRef idx="0">
-            <a:schemeClr val="accent1"/>
-          </a:fillRef>
-          <a:effectRef idx="0">
-            <a:schemeClr val="accent1"/>
-          </a:effectRef>
-          <a:fontRef idx="minor">
-            <a:schemeClr val="tx1"/>
-          </a:fontRef>
-        </p:style>
-      </p:cxnSp>
-      <p:sp>
-        <p:nvSpPr>
-          <p:cNvPr id="16" name="TextBox 15"/>
-          <p:cNvSpPr txBox="1"/>
-          <p:nvPr/>
-        </p:nvSpPr>
-        <p:spPr>
-          <a:xfrm>
-            <a:off x="1903412" y="6172200"/>
-            <a:ext cx="1752600" cy="215444"/>
-          </a:xfrm>
-          <a:prstGeom prst="rect">
-            <a:avLst/>
-          </a:prstGeom>
-          <a:noFill/>
-        </p:spPr>
-        <p:txBody>
-          <a:bodyPr wrap="square" lIns="0" tIns="0" rIns="0" bIns="0" rtlCol="0">
-            <a:spAutoFit/>
-          </a:bodyPr>
-          <a:lstStyle/>
-          <a:p>
-            <a:r>
-              <a:rPr lang="en-US" sz="1400" b="1" dirty="0"/>
-              <a:t>Submission</a:t>
-            </a:r>
-          </a:p>
-        </p:txBody>
-      </p:sp>
-      <p:sp>
-        <p:nvSpPr>
-          <p:cNvPr id="33" name="TextBox 32"/>
-          <p:cNvSpPr txBox="1"/>
-          <p:nvPr/>
-        </p:nvSpPr>
-        <p:spPr>
-          <a:xfrm>
-            <a:off x="3670239" y="6172200"/>
-            <a:ext cx="1752600" cy="215444"/>
-          </a:xfrm>
-          <a:prstGeom prst="rect">
-            <a:avLst/>
-          </a:prstGeom>
-          <a:noFill/>
-        </p:spPr>
-        <p:txBody>
-          <a:bodyPr wrap="square" lIns="0" tIns="0" rIns="0" bIns="0" rtlCol="0">
-            <a:spAutoFit/>
-          </a:bodyPr>
-          <a:lstStyle/>
-          <a:p>
-            <a:r>
-              <a:rPr lang="en-US" sz="1400" b="1" dirty="0"/>
-              <a:t>Integration Build</a:t>
-            </a:r>
-          </a:p>
-        </p:txBody>
-      </p:sp>
-      <p:cxnSp>
-        <p:nvCxnSpPr>
-          <p:cNvPr id="34" name="Straight Arrow Connector 33"/>
-          <p:cNvCxnSpPr>
-            <a:stCxn id="2059" idx="1"/>
-          </p:cNvCxnSpPr>
-          <p:nvPr/>
-        </p:nvCxnSpPr>
-        <p:spPr>
-          <a:xfrm flipV="1">
-            <a:off x="4670015" y="2658486"/>
-            <a:ext cx="2338797" cy="932330"/>
-          </a:xfrm>
-          <a:prstGeom prst="straightConnector1">
-            <a:avLst/>
-          </a:prstGeom>
-          <a:ln w="22225">
-            <a:solidFill>
-              <a:srgbClr val="92D050"/>
-            </a:solidFill>
-            <a:tailEnd type="arrow"/>
-          </a:ln>
-        </p:spPr>
-        <p:style>
-          <a:lnRef idx="1">
-            <a:schemeClr val="accent1"/>
-          </a:lnRef>
-          <a:fillRef idx="0">
-            <a:schemeClr val="accent1"/>
-          </a:fillRef>
-          <a:effectRef idx="0">
-            <a:schemeClr val="accent1"/>
-          </a:effectRef>
-          <a:fontRef idx="minor">
-            <a:schemeClr val="tx1"/>
-          </a:fontRef>
-        </p:style>
-      </p:cxnSp>
-      <p:cxnSp>
-        <p:nvCxnSpPr>
-          <p:cNvPr id="38" name="Straight Arrow Connector 37"/>
-          <p:cNvCxnSpPr>
-            <a:endCxn id="21" idx="1"/>
-          </p:cNvCxnSpPr>
-          <p:nvPr/>
-        </p:nvCxnSpPr>
-        <p:spPr>
-          <a:xfrm>
-            <a:off x="4670015" y="3638296"/>
-            <a:ext cx="1767296" cy="446642"/>
-          </a:xfrm>
-          <a:prstGeom prst="straightConnector1">
-            <a:avLst/>
-          </a:prstGeom>
-          <a:ln w="22225">
-            <a:solidFill>
-              <a:srgbClr val="92D050"/>
-            </a:solidFill>
-            <a:tailEnd type="arrow"/>
-          </a:ln>
-        </p:spPr>
-        <p:style>
-          <a:lnRef idx="1">
-            <a:schemeClr val="accent1"/>
-          </a:lnRef>
-          <a:fillRef idx="0">
-            <a:schemeClr val="accent1"/>
-          </a:fillRef>
-          <a:effectRef idx="0">
-            <a:schemeClr val="accent1"/>
-          </a:effectRef>
-          <a:fontRef idx="minor">
-            <a:schemeClr val="tx1"/>
-          </a:fontRef>
-        </p:style>
-      </p:cxnSp>
-      <p:cxnSp>
-        <p:nvCxnSpPr>
-          <p:cNvPr id="41" name="Straight Arrow Connector 40"/>
-          <p:cNvCxnSpPr>
-            <a:stCxn id="2059" idx="1"/>
-            <a:endCxn id="22" idx="1"/>
-          </p:cNvCxnSpPr>
-          <p:nvPr/>
-        </p:nvCxnSpPr>
-        <p:spPr>
-          <a:xfrm>
-            <a:off x="4670015" y="3590816"/>
-            <a:ext cx="2163184" cy="2123881"/>
-          </a:xfrm>
-          <a:prstGeom prst="straightConnector1">
-            <a:avLst/>
-          </a:prstGeom>
-          <a:ln w="22225">
-            <a:solidFill>
-              <a:srgbClr val="92D050"/>
-            </a:solidFill>
-            <a:tailEnd type="arrow"/>
-          </a:ln>
-        </p:spPr>
-        <p:style>
-          <a:lnRef idx="1">
-            <a:schemeClr val="accent1"/>
-          </a:lnRef>
-          <a:fillRef idx="0">
-            <a:schemeClr val="accent1"/>
-          </a:fillRef>
-          <a:effectRef idx="0">
-            <a:schemeClr val="accent1"/>
-          </a:effectRef>
-          <a:fontRef idx="minor">
-            <a:schemeClr val="tx1"/>
-          </a:fontRef>
-        </p:style>
-      </p:cxnSp>
-      <p:sp>
-        <p:nvSpPr>
-          <p:cNvPr id="44" name="TextBox 43"/>
-          <p:cNvSpPr txBox="1"/>
-          <p:nvPr/>
-        </p:nvSpPr>
-        <p:spPr>
-          <a:xfrm>
-            <a:off x="5553663" y="6172200"/>
-            <a:ext cx="1752600" cy="215444"/>
-          </a:xfrm>
-          <a:prstGeom prst="rect">
-            <a:avLst/>
-          </a:prstGeom>
-          <a:noFill/>
-        </p:spPr>
-        <p:txBody>
-          <a:bodyPr wrap="square" lIns="0" tIns="0" rIns="0" bIns="0" rtlCol="0">
-            <a:spAutoFit/>
-          </a:bodyPr>
-          <a:lstStyle/>
-          <a:p>
-            <a:r>
-              <a:rPr lang="en-US" sz="1400" b="1" dirty="0"/>
-              <a:t>System Update</a:t>
-            </a:r>
-          </a:p>
-        </p:txBody>
-      </p:sp>
-      <p:pic>
-        <p:nvPicPr>
-          <p:cNvPr id="45" name="Picture 5" descr="C:\Program Files (x86)\Microsoft Office\MEDIA\CAGCAT10\j0292020.wmf"/>
-          <p:cNvPicPr>
-            <a:picLocks noChangeAspect="1" noChangeArrowheads="1"/>
-          </p:cNvPicPr>
-          <p:nvPr/>
-        </p:nvPicPr>
-        <p:blipFill>
-          <a:blip r:embed="rId2" cstate="print">
-            <a:extLst>
-              <a:ext uri="{28A0092B-C50C-407E-A947-70E740481C1C}">
-                <a14:useLocalDpi xmlns:a14="http://schemas.microsoft.com/office/drawing/2010/main" val="0"/>
-              </a:ext>
-            </a:extLst>
-          </a:blip>
-          <a:srcRect/>
-          <a:stretch>
-            <a:fillRect/>
-          </a:stretch>
-        </p:blipFill>
-        <p:spPr bwMode="auto">
-          <a:xfrm>
-            <a:off x="8385464" y="2489055"/>
-            <a:ext cx="934517" cy="886968"/>
-          </a:xfrm>
-          <a:prstGeom prst="rect">
-            <a:avLst/>
-          </a:prstGeom>
-          <a:noFill/>
-          <a:extLst>
-            <a:ext uri="{909E8E84-426E-40DD-AFC4-6F175D3DCCD1}">
-              <a14:hiddenFill xmlns:a14="http://schemas.microsoft.com/office/drawing/2010/main">
-                <a:solidFill>
-                  <a:srgbClr val="FFFFFF"/>
-                </a:solidFill>
-              </a14:hiddenFill>
-            </a:ext>
-          </a:extLst>
-        </p:spPr>
-      </p:pic>
-      <p:pic>
-        <p:nvPicPr>
-          <p:cNvPr id="46" name="Picture 6" descr="C:\Program Files (x86)\Microsoft Office\MEDIA\CAGCAT10\j0195384.wmf"/>
-          <p:cNvPicPr>
-            <a:picLocks noChangeAspect="1" noChangeArrowheads="1"/>
-          </p:cNvPicPr>
-          <p:nvPr/>
-        </p:nvPicPr>
-        <p:blipFill>
-          <a:blip r:embed="rId3" cstate="print">
-            <a:extLst>
-              <a:ext uri="{28A0092B-C50C-407E-A947-70E740481C1C}">
-                <a14:useLocalDpi xmlns:a14="http://schemas.microsoft.com/office/drawing/2010/main" val="0"/>
-              </a:ext>
-            </a:extLst>
-          </a:blip>
-          <a:srcRect/>
-          <a:stretch>
-            <a:fillRect/>
-          </a:stretch>
-        </p:blipFill>
-        <p:spPr bwMode="auto">
-          <a:xfrm flipH="1">
-            <a:off x="8380412" y="3702782"/>
-            <a:ext cx="897941" cy="916686"/>
-          </a:xfrm>
-          <a:prstGeom prst="rect">
-            <a:avLst/>
-          </a:prstGeom>
-          <a:noFill/>
-          <a:extLst>
-            <a:ext uri="{909E8E84-426E-40DD-AFC4-6F175D3DCCD1}">
-              <a14:hiddenFill xmlns:a14="http://schemas.microsoft.com/office/drawing/2010/main">
-                <a:solidFill>
-                  <a:srgbClr val="FFFFFF"/>
-                </a:solidFill>
-              </a14:hiddenFill>
-            </a:ext>
-          </a:extLst>
-        </p:spPr>
-      </p:pic>
-      <p:pic>
-        <p:nvPicPr>
-          <p:cNvPr id="47" name="Picture 5" descr="C:\Program Files (x86)\Microsoft Office\MEDIA\CAGCAT10\j0292020.wmf"/>
-          <p:cNvPicPr>
-            <a:picLocks noChangeAspect="1" noChangeArrowheads="1"/>
-          </p:cNvPicPr>
-          <p:nvPr/>
-        </p:nvPicPr>
-        <p:blipFill>
-          <a:blip r:embed="rId2" cstate="print">
-            <a:duotone>
-              <a:prstClr val="black"/>
-              <a:schemeClr val="accent2">
-                <a:tint val="45000"/>
-                <a:satMod val="400000"/>
-              </a:schemeClr>
-            </a:duotone>
-            <a:extLst>
-              <a:ext uri="{28A0092B-C50C-407E-A947-70E740481C1C}">
-                <a14:useLocalDpi xmlns:a14="http://schemas.microsoft.com/office/drawing/2010/main" val="0"/>
-              </a:ext>
-            </a:extLst>
-          </a:blip>
-          <a:srcRect/>
-          <a:stretch>
-            <a:fillRect/>
-          </a:stretch>
-        </p:blipFill>
-        <p:spPr bwMode="auto">
-          <a:xfrm>
-            <a:off x="8343836" y="4924268"/>
-            <a:ext cx="934517" cy="886968"/>
-          </a:xfrm>
-          <a:prstGeom prst="rect">
-            <a:avLst/>
-          </a:prstGeom>
-          <a:noFill/>
-          <a:extLst>
-            <a:ext uri="{909E8E84-426E-40DD-AFC4-6F175D3DCCD1}">
-              <a14:hiddenFill xmlns:a14="http://schemas.microsoft.com/office/drawing/2010/main">
-                <a:solidFill>
-                  <a:srgbClr val="FFFFFF"/>
-                </a:solidFill>
-              </a14:hiddenFill>
-            </a:ext>
-          </a:extLst>
-        </p:spPr>
-      </p:pic>
-      <p:sp>
-        <p:nvSpPr>
-          <p:cNvPr id="48" name="TextBox 47"/>
-          <p:cNvSpPr txBox="1"/>
-          <p:nvPr/>
-        </p:nvSpPr>
-        <p:spPr>
-          <a:xfrm>
-            <a:off x="8075612" y="6172200"/>
-            <a:ext cx="1752600" cy="215444"/>
-          </a:xfrm>
-          <a:prstGeom prst="rect">
-            <a:avLst/>
-          </a:prstGeom>
-          <a:noFill/>
-        </p:spPr>
-        <p:txBody>
-          <a:bodyPr wrap="square" lIns="0" tIns="0" rIns="0" bIns="0" rtlCol="0">
-            <a:spAutoFit/>
-          </a:bodyPr>
-          <a:lstStyle/>
-          <a:p>
-            <a:r>
-              <a:rPr lang="en-US" sz="1400" b="1" dirty="0"/>
-              <a:t>Updated $PTCSYS</a:t>
-            </a:r>
-          </a:p>
-        </p:txBody>
-      </p:sp>
     </p:spTree>
     <p:extLst>
       <p:ext uri="{BB962C8B-B14F-4D97-AF65-F5344CB8AC3E}">
-        <p14:creationId xmlns:p14="http://schemas.microsoft.com/office/powerpoint/2010/main" val="1735367430"/>
+        <p14:creationId xmlns:p14="http://schemas.microsoft.com/office/powerpoint/2010/main" val="945378842"/>
       </p:ext>
     </p:extLst>
   </p:cSld>
@@ -17179,7 +15557,7 @@
       </p:grpSpPr>
       <p:sp>
         <p:nvSpPr>
-          <p:cNvPr id="3" name="Title 2"/>
+          <p:cNvPr id="2" name="Title 1"/>
           <p:cNvSpPr>
             <a:spLocks noGrp="1"/>
           </p:cNvSpPr>
@@ -17194,633 +15572,112 @@
           <a:p>
             <a:r>
               <a:rPr lang="en-US" dirty="0"/>
-              <a:t>BY the Numbers</a:t>
-            </a:r>
-          </a:p>
-        </p:txBody>
-      </p:sp>
-      <p:sp>
-        <p:nvSpPr>
-          <p:cNvPr id="10" name="Rectangle 9"/>
-          <p:cNvSpPr/>
+              <a:t>Agenda</a:t>
+            </a:r>
+          </a:p>
+        </p:txBody>
+      </p:sp>
+      <p:sp>
+        <p:nvSpPr>
+          <p:cNvPr id="4" name="Text Placeholder 3"/>
+          <p:cNvSpPr>
+            <a:spLocks noGrp="1"/>
+          </p:cNvSpPr>
+          <p:nvPr>
+            <p:ph type="body" sz="quarter" idx="16"/>
+          </p:nvPr>
+        </p:nvSpPr>
+        <p:spPr/>
+        <p:txBody>
+          <a:bodyPr/>
+          <a:lstStyle/>
+          <a:p>
+            <a:r>
+              <a:rPr lang="en-US" dirty="0"/>
+              <a:t>What is this project about?</a:t>
+            </a:r>
+          </a:p>
+          <a:p>
+            <a:r>
+              <a:rPr lang="en-US" dirty="0"/>
+              <a:t>Why this project is needed?</a:t>
+            </a:r>
+          </a:p>
+          <a:p>
+            <a:r>
+              <a:rPr lang="en-US" dirty="0"/>
+              <a:t>H/W &amp; S/W Requirements</a:t>
+            </a:r>
+          </a:p>
+          <a:p>
+            <a:r>
+              <a:rPr lang="en-US" dirty="0"/>
+              <a:t>UML Diagrams</a:t>
+            </a:r>
+          </a:p>
+          <a:p>
+            <a:r>
+              <a:rPr lang="en-US" dirty="0"/>
+              <a:t>Output</a:t>
+            </a:r>
+          </a:p>
+          <a:p>
+            <a:r>
+              <a:rPr lang="en-US" dirty="0"/>
+              <a:t>Future Enhancements</a:t>
+            </a:r>
+          </a:p>
+          <a:p>
+            <a:r>
+              <a:rPr lang="en-US" dirty="0"/>
+              <a:t>References</a:t>
+            </a:r>
+          </a:p>
+        </p:txBody>
+      </p:sp>
+      <p:pic>
+        <p:nvPicPr>
+          <p:cNvPr id="3" name="Picture 2">
+            <a:extLst>
+              <a:ext uri="{FF2B5EF4-FFF2-40B4-BE49-F238E27FC236}">
+                <a16:creationId xmlns:a16="http://schemas.microsoft.com/office/drawing/2014/main" id="{1DA3B4CE-0B75-4B88-805D-D16E41F2D5B4}"/>
+              </a:ext>
+            </a:extLst>
+          </p:cNvPr>
+          <p:cNvPicPr>
+            <a:picLocks noChangeAspect="1"/>
+          </p:cNvPicPr>
           <p:nvPr/>
-        </p:nvSpPr>
+        </p:nvPicPr>
+        <p:blipFill>
+          <a:blip r:embed="rId2"/>
+          <a:stretch>
+            <a:fillRect/>
+          </a:stretch>
+        </p:blipFill>
         <p:spPr>
           <a:xfrm>
-            <a:off x="4951412" y="1223187"/>
-            <a:ext cx="3048000" cy="1323439"/>
+            <a:off x="10375180" y="297180"/>
+            <a:ext cx="1524000" cy="685800"/>
           </a:xfrm>
           <a:prstGeom prst="rect">
             <a:avLst/>
           </a:prstGeom>
         </p:spPr>
-        <p:style>
-          <a:lnRef idx="2">
-            <a:schemeClr val="accent3"/>
-          </a:lnRef>
-          <a:fillRef idx="1">
-            <a:schemeClr val="lt1"/>
-          </a:fillRef>
-          <a:effectRef idx="0">
-            <a:schemeClr val="accent3"/>
-          </a:effectRef>
-          <a:fontRef idx="minor">
-            <a:schemeClr val="dk1"/>
-          </a:fontRef>
-        </p:style>
-        <p:txBody>
-          <a:bodyPr wrap="square" lIns="91440" tIns="45720" rIns="91440" bIns="45720">
-            <a:spAutoFit/>
-          </a:bodyPr>
-          <a:lstStyle/>
-          <a:p>
-            <a:pPr algn="ctr"/>
-            <a:r>
-              <a:rPr lang="en-IN" sz="4800" dirty="0">
-                <a:ln w="0"/>
-                <a:solidFill>
-                  <a:schemeClr val="accent1"/>
-                </a:solidFill>
-                <a:effectLst>
-                  <a:outerShdw blurRad="38100" dist="25400" dir="5400000" algn="ctr" rotWithShape="0">
-                    <a:srgbClr val="6E747A">
-                      <a:alpha val="43000"/>
-                    </a:srgbClr>
-                  </a:outerShdw>
-                </a:effectLst>
-                <a:latin typeface="Consolas" panose="020B0609020204030204" pitchFamily="49" charset="0"/>
-                <a:cs typeface="Consolas" panose="020B0609020204030204" pitchFamily="49" charset="0"/>
-              </a:rPr>
-              <a:t>1</a:t>
-            </a:r>
-            <a:endParaRPr lang="en-US" sz="4800" b="0" cap="none" spc="0" dirty="0">
-              <a:ln w="0"/>
-              <a:solidFill>
-                <a:schemeClr val="accent1"/>
-              </a:solidFill>
-              <a:effectLst>
-                <a:outerShdw blurRad="38100" dist="25400" dir="5400000" algn="ctr" rotWithShape="0">
-                  <a:srgbClr val="6E747A">
-                    <a:alpha val="43000"/>
-                  </a:srgbClr>
-                </a:outerShdw>
-              </a:effectLst>
-              <a:latin typeface="Consolas" panose="020B0609020204030204" pitchFamily="49" charset="0"/>
-              <a:cs typeface="Consolas" panose="020B0609020204030204" pitchFamily="49" charset="0"/>
-            </a:endParaRPr>
-          </a:p>
-          <a:p>
-            <a:pPr algn="ctr"/>
-            <a:r>
-              <a:rPr lang="en-IN" sz="3200" dirty="0">
-                <a:ln w="0"/>
-                <a:solidFill>
-                  <a:schemeClr val="bg1">
-                    <a:lumMod val="50000"/>
-                  </a:schemeClr>
-                </a:solidFill>
-                <a:effectLst>
-                  <a:outerShdw blurRad="38100" dist="25400" dir="5400000" algn="ctr" rotWithShape="0">
-                    <a:srgbClr val="6E747A">
-                      <a:alpha val="43000"/>
-                    </a:srgbClr>
-                  </a:outerShdw>
-                </a:effectLst>
-              </a:rPr>
-              <a:t>Project</a:t>
-            </a:r>
-            <a:r>
-              <a:rPr lang="en-US" sz="3200" b="0" cap="none" spc="0" dirty="0">
-                <a:ln w="0"/>
-                <a:solidFill>
-                  <a:schemeClr val="bg1">
-                    <a:lumMod val="50000"/>
-                  </a:schemeClr>
-                </a:solidFill>
-                <a:effectLst>
-                  <a:outerShdw blurRad="38100" dist="25400" dir="5400000" algn="ctr" rotWithShape="0">
-                    <a:srgbClr val="6E747A">
-                      <a:alpha val="43000"/>
-                    </a:srgbClr>
-                  </a:outerShdw>
-                </a:effectLst>
-              </a:rPr>
-              <a:t> </a:t>
-            </a:r>
-          </a:p>
-        </p:txBody>
-      </p:sp>
-      <p:sp>
-        <p:nvSpPr>
-          <p:cNvPr id="12" name="Rectangle 11"/>
-          <p:cNvSpPr/>
-          <p:nvPr/>
-        </p:nvSpPr>
-        <p:spPr>
-          <a:xfrm>
-            <a:off x="184058" y="1223187"/>
-            <a:ext cx="4267200" cy="1323439"/>
-          </a:xfrm>
-          <a:prstGeom prst="rect">
-            <a:avLst/>
-          </a:prstGeom>
-        </p:spPr>
-        <p:style>
-          <a:lnRef idx="2">
-            <a:schemeClr val="accent3"/>
-          </a:lnRef>
-          <a:fillRef idx="1">
-            <a:schemeClr val="lt1"/>
-          </a:fillRef>
-          <a:effectRef idx="0">
-            <a:schemeClr val="accent3"/>
-          </a:effectRef>
-          <a:fontRef idx="minor">
-            <a:schemeClr val="dk1"/>
-          </a:fontRef>
-        </p:style>
-        <p:txBody>
-          <a:bodyPr wrap="square" lIns="91440" tIns="45720" rIns="91440" bIns="45720">
-            <a:spAutoFit/>
-          </a:bodyPr>
-          <a:lstStyle/>
-          <a:p>
-            <a:pPr algn="ctr"/>
-            <a:r>
-              <a:rPr lang="en-IN" sz="4800" b="0" cap="none" spc="0" dirty="0">
-                <a:ln w="0"/>
-                <a:solidFill>
-                  <a:schemeClr val="accent1"/>
-                </a:solidFill>
-                <a:effectLst>
-                  <a:outerShdw blurRad="38100" dist="25400" dir="5400000" algn="ctr" rotWithShape="0">
-                    <a:srgbClr val="6E747A">
-                      <a:alpha val="43000"/>
-                    </a:srgbClr>
-                  </a:outerShdw>
-                </a:effectLst>
-                <a:latin typeface="Consolas" panose="020B0609020204030204" pitchFamily="49" charset="0"/>
-                <a:cs typeface="Consolas" panose="020B0609020204030204" pitchFamily="49" charset="0"/>
-              </a:rPr>
-              <a:t>1</a:t>
-            </a:r>
-            <a:endParaRPr lang="en-US" sz="5400" b="0" cap="none" spc="0" dirty="0">
-              <a:ln w="0"/>
-              <a:solidFill>
-                <a:schemeClr val="accent1"/>
-              </a:solidFill>
-              <a:effectLst>
-                <a:outerShdw blurRad="38100" dist="25400" dir="5400000" algn="ctr" rotWithShape="0">
-                  <a:srgbClr val="6E747A">
-                    <a:alpha val="43000"/>
-                  </a:srgbClr>
-                </a:outerShdw>
-              </a:effectLst>
-              <a:latin typeface="Consolas" panose="020B0609020204030204" pitchFamily="49" charset="0"/>
-              <a:cs typeface="Consolas" panose="020B0609020204030204" pitchFamily="49" charset="0"/>
-            </a:endParaRPr>
-          </a:p>
-          <a:p>
-            <a:pPr algn="ctr"/>
-            <a:r>
-              <a:rPr lang="en-US" sz="3200" dirty="0">
-                <a:ln w="0"/>
-                <a:solidFill>
-                  <a:schemeClr val="bg1">
-                    <a:lumMod val="50000"/>
-                  </a:schemeClr>
-                </a:solidFill>
-                <a:effectLst>
-                  <a:outerShdw blurRad="38100" dist="25400" dir="5400000" algn="ctr" rotWithShape="0">
-                    <a:srgbClr val="6E747A">
-                      <a:alpha val="43000"/>
-                    </a:srgbClr>
-                  </a:outerShdw>
-                </a:effectLst>
-              </a:rPr>
-              <a:t>Product</a:t>
-            </a:r>
-            <a:endParaRPr lang="en-US" sz="3200" b="0" cap="none" spc="0" dirty="0">
-              <a:ln w="0"/>
-              <a:solidFill>
-                <a:schemeClr val="bg1">
-                  <a:lumMod val="50000"/>
-                </a:schemeClr>
-              </a:solidFill>
-              <a:effectLst>
-                <a:outerShdw blurRad="38100" dist="25400" dir="5400000" algn="ctr" rotWithShape="0">
-                  <a:srgbClr val="6E747A">
-                    <a:alpha val="43000"/>
-                  </a:srgbClr>
-                </a:outerShdw>
-              </a:effectLst>
-            </a:endParaRPr>
-          </a:p>
-        </p:txBody>
-      </p:sp>
-      <p:sp>
-        <p:nvSpPr>
-          <p:cNvPr id="13" name="Rectangle 12"/>
-          <p:cNvSpPr/>
-          <p:nvPr/>
-        </p:nvSpPr>
-        <p:spPr>
-          <a:xfrm>
-            <a:off x="8548052" y="3200400"/>
-            <a:ext cx="3048000" cy="1323439"/>
-          </a:xfrm>
-          <a:prstGeom prst="rect">
-            <a:avLst/>
-          </a:prstGeom>
-        </p:spPr>
-        <p:style>
-          <a:lnRef idx="2">
-            <a:schemeClr val="accent3"/>
-          </a:lnRef>
-          <a:fillRef idx="1">
-            <a:schemeClr val="lt1"/>
-          </a:fillRef>
-          <a:effectRef idx="0">
-            <a:schemeClr val="accent3"/>
-          </a:effectRef>
-          <a:fontRef idx="minor">
-            <a:schemeClr val="dk1"/>
-          </a:fontRef>
-        </p:style>
-        <p:txBody>
-          <a:bodyPr wrap="square" lIns="91440" tIns="45720" rIns="91440" bIns="45720">
-            <a:spAutoFit/>
-          </a:bodyPr>
-          <a:lstStyle/>
-          <a:p>
-            <a:pPr algn="ctr"/>
-            <a:r>
-              <a:rPr lang="en-IN" sz="4800" dirty="0">
-                <a:ln w="0"/>
-                <a:solidFill>
-                  <a:schemeClr val="accent1"/>
-                </a:solidFill>
-                <a:effectLst>
-                  <a:outerShdw blurRad="38100" dist="25400" dir="5400000" algn="ctr" rotWithShape="0">
-                    <a:srgbClr val="6E747A">
-                      <a:alpha val="43000"/>
-                    </a:srgbClr>
-                  </a:outerShdw>
-                </a:effectLst>
-                <a:latin typeface="Consolas" panose="020B0609020204030204" pitchFamily="49" charset="0"/>
-                <a:cs typeface="Consolas" panose="020B0609020204030204" pitchFamily="49" charset="0"/>
-              </a:rPr>
-              <a:t>4</a:t>
-            </a:r>
-            <a:endParaRPr lang="en-US" sz="4800" b="0" cap="none" spc="0" dirty="0">
-              <a:ln w="0"/>
-              <a:solidFill>
-                <a:schemeClr val="accent1"/>
-              </a:solidFill>
-              <a:effectLst>
-                <a:outerShdw blurRad="38100" dist="25400" dir="5400000" algn="ctr" rotWithShape="0">
-                  <a:srgbClr val="6E747A">
-                    <a:alpha val="43000"/>
-                  </a:srgbClr>
-                </a:outerShdw>
-              </a:effectLst>
-              <a:latin typeface="Consolas" panose="020B0609020204030204" pitchFamily="49" charset="0"/>
-              <a:cs typeface="Consolas" panose="020B0609020204030204" pitchFamily="49" charset="0"/>
-            </a:endParaRPr>
-          </a:p>
-          <a:p>
-            <a:pPr algn="ctr"/>
-            <a:r>
-              <a:rPr lang="en-US" sz="3200" dirty="0">
-                <a:ln w="0"/>
-                <a:solidFill>
-                  <a:schemeClr val="bg1">
-                    <a:lumMod val="50000"/>
-                  </a:schemeClr>
-                </a:solidFill>
-                <a:effectLst>
-                  <a:outerShdw blurRad="38100" dist="25400" dir="5400000" algn="ctr" rotWithShape="0">
-                    <a:srgbClr val="6E747A">
-                      <a:alpha val="43000"/>
-                    </a:srgbClr>
-                  </a:outerShdw>
-                </a:effectLst>
-              </a:rPr>
-              <a:t>months</a:t>
-            </a:r>
-            <a:r>
-              <a:rPr lang="en-US" sz="3200" b="0" cap="none" spc="0" dirty="0">
-                <a:ln w="0"/>
-                <a:solidFill>
-                  <a:schemeClr val="bg1">
-                    <a:lumMod val="50000"/>
-                  </a:schemeClr>
-                </a:solidFill>
-                <a:effectLst>
-                  <a:outerShdw blurRad="38100" dist="25400" dir="5400000" algn="ctr" rotWithShape="0">
-                    <a:srgbClr val="6E747A">
-                      <a:alpha val="43000"/>
-                    </a:srgbClr>
-                  </a:outerShdw>
-                </a:effectLst>
-              </a:rPr>
-              <a:t> </a:t>
-            </a:r>
-          </a:p>
-        </p:txBody>
-      </p:sp>
-      <p:sp>
-        <p:nvSpPr>
-          <p:cNvPr id="14" name="Rectangle 13"/>
-          <p:cNvSpPr/>
-          <p:nvPr/>
-        </p:nvSpPr>
-        <p:spPr>
-          <a:xfrm>
-            <a:off x="4951412" y="3254187"/>
-            <a:ext cx="3048000" cy="1323439"/>
-          </a:xfrm>
-          <a:prstGeom prst="rect">
-            <a:avLst/>
-          </a:prstGeom>
-        </p:spPr>
-        <p:style>
-          <a:lnRef idx="2">
-            <a:schemeClr val="accent3"/>
-          </a:lnRef>
-          <a:fillRef idx="1">
-            <a:schemeClr val="lt1"/>
-          </a:fillRef>
-          <a:effectRef idx="0">
-            <a:schemeClr val="accent3"/>
-          </a:effectRef>
-          <a:fontRef idx="minor">
-            <a:schemeClr val="dk1"/>
-          </a:fontRef>
-        </p:style>
-        <p:txBody>
-          <a:bodyPr wrap="square" lIns="91440" tIns="45720" rIns="91440" bIns="45720">
-            <a:spAutoFit/>
-          </a:bodyPr>
-          <a:lstStyle/>
-          <a:p>
-            <a:pPr algn="ctr"/>
-            <a:r>
-              <a:rPr lang="en-IN" sz="4800" b="0" cap="none" spc="0" dirty="0">
-                <a:ln w="0"/>
-                <a:solidFill>
-                  <a:schemeClr val="accent1"/>
-                </a:solidFill>
-                <a:effectLst>
-                  <a:outerShdw blurRad="38100" dist="25400" dir="5400000" algn="ctr" rotWithShape="0">
-                    <a:srgbClr val="6E747A">
-                      <a:alpha val="43000"/>
-                    </a:srgbClr>
-                  </a:outerShdw>
-                </a:effectLst>
-                <a:latin typeface="Consolas" panose="020B0609020204030204" pitchFamily="49" charset="0"/>
-                <a:cs typeface="Consolas" panose="020B0609020204030204" pitchFamily="49" charset="0"/>
-              </a:rPr>
-              <a:t>48295</a:t>
-            </a:r>
-            <a:endParaRPr lang="en-US" sz="4800" b="0" cap="none" spc="0" dirty="0">
-              <a:ln w="0"/>
-              <a:solidFill>
-                <a:schemeClr val="accent1"/>
-              </a:solidFill>
-              <a:effectLst>
-                <a:outerShdw blurRad="38100" dist="25400" dir="5400000" algn="ctr" rotWithShape="0">
-                  <a:srgbClr val="6E747A">
-                    <a:alpha val="43000"/>
-                  </a:srgbClr>
-                </a:outerShdw>
-              </a:effectLst>
-              <a:latin typeface="Consolas" panose="020B0609020204030204" pitchFamily="49" charset="0"/>
-              <a:cs typeface="Consolas" panose="020B0609020204030204" pitchFamily="49" charset="0"/>
-            </a:endParaRPr>
-          </a:p>
-          <a:p>
-            <a:pPr algn="ctr"/>
-            <a:r>
-              <a:rPr lang="en-US" sz="3200" dirty="0">
-                <a:ln w="0"/>
-                <a:solidFill>
-                  <a:schemeClr val="bg1">
-                    <a:lumMod val="50000"/>
-                  </a:schemeClr>
-                </a:solidFill>
-                <a:effectLst>
-                  <a:outerShdw blurRad="38100" dist="25400" dir="5400000" algn="ctr" rotWithShape="0">
-                    <a:srgbClr val="6E747A">
-                      <a:alpha val="43000"/>
-                    </a:srgbClr>
-                  </a:outerShdw>
-                </a:effectLst>
-              </a:rPr>
-              <a:t>Useful Tests</a:t>
-            </a:r>
-            <a:endParaRPr lang="en-US" sz="3200" b="0" cap="none" spc="0" dirty="0">
-              <a:ln w="0"/>
-              <a:solidFill>
-                <a:schemeClr val="bg1">
-                  <a:lumMod val="50000"/>
-                </a:schemeClr>
-              </a:solidFill>
-              <a:effectLst>
-                <a:outerShdw blurRad="38100" dist="25400" dir="5400000" algn="ctr" rotWithShape="0">
-                  <a:srgbClr val="6E747A">
-                    <a:alpha val="43000"/>
-                  </a:srgbClr>
-                </a:outerShdw>
-              </a:effectLst>
-            </a:endParaRPr>
-          </a:p>
-        </p:txBody>
-      </p:sp>
-      <p:sp>
-        <p:nvSpPr>
-          <p:cNvPr id="15" name="Rectangle 14"/>
-          <p:cNvSpPr/>
-          <p:nvPr/>
-        </p:nvSpPr>
-        <p:spPr>
-          <a:xfrm>
-            <a:off x="8548052" y="1212301"/>
-            <a:ext cx="3048000" cy="1323439"/>
-          </a:xfrm>
-          <a:prstGeom prst="rect">
-            <a:avLst/>
-          </a:prstGeom>
-        </p:spPr>
-        <p:style>
-          <a:lnRef idx="2">
-            <a:schemeClr val="accent3"/>
-          </a:lnRef>
-          <a:fillRef idx="1">
-            <a:schemeClr val="lt1"/>
-          </a:fillRef>
-          <a:effectRef idx="0">
-            <a:schemeClr val="accent3"/>
-          </a:effectRef>
-          <a:fontRef idx="minor">
-            <a:schemeClr val="dk1"/>
-          </a:fontRef>
-        </p:style>
-        <p:txBody>
-          <a:bodyPr wrap="square" lIns="91440" tIns="45720" rIns="91440" bIns="45720">
-            <a:spAutoFit/>
-          </a:bodyPr>
-          <a:lstStyle/>
-          <a:p>
-            <a:pPr algn="ctr"/>
-            <a:r>
-              <a:rPr lang="en-US" sz="4800" b="0" cap="none" spc="0" dirty="0">
-                <a:ln w="0"/>
-                <a:solidFill>
-                  <a:schemeClr val="accent1"/>
-                </a:solidFill>
-                <a:effectLst>
-                  <a:outerShdw blurRad="38100" dist="25400" dir="5400000" algn="ctr" rotWithShape="0">
-                    <a:srgbClr val="6E747A">
-                      <a:alpha val="43000"/>
-                    </a:srgbClr>
-                  </a:outerShdw>
-                </a:effectLst>
-                <a:latin typeface="Consolas" panose="020B0609020204030204" pitchFamily="49" charset="0"/>
-                <a:cs typeface="Consolas" panose="020B0609020204030204" pitchFamily="49" charset="0"/>
-              </a:rPr>
-              <a:t>6</a:t>
-            </a:r>
-          </a:p>
-          <a:p>
-            <a:pPr algn="ctr"/>
-            <a:r>
-              <a:rPr lang="en-US" sz="3200" b="0" cap="none" spc="0" dirty="0">
-                <a:ln w="0"/>
-                <a:solidFill>
-                  <a:schemeClr val="bg1">
-                    <a:lumMod val="50000"/>
-                  </a:schemeClr>
-                </a:solidFill>
-                <a:effectLst>
-                  <a:outerShdw blurRad="38100" dist="25400" dir="5400000" algn="ctr" rotWithShape="0">
-                    <a:srgbClr val="6E747A">
-                      <a:alpha val="43000"/>
-                    </a:srgbClr>
-                  </a:outerShdw>
-                </a:effectLst>
-              </a:rPr>
-              <a:t>Versions</a:t>
-            </a:r>
-          </a:p>
-        </p:txBody>
-      </p:sp>
-      <p:sp>
-        <p:nvSpPr>
-          <p:cNvPr id="8" name="Rectangle 7">
-            <a:extLst>
-              <a:ext uri="{FF2B5EF4-FFF2-40B4-BE49-F238E27FC236}">
-                <a16:creationId xmlns:a16="http://schemas.microsoft.com/office/drawing/2014/main" id="{40013FE4-B2BE-4885-9D5A-B790AFA62E11}"/>
-              </a:ext>
-            </a:extLst>
-          </p:cNvPr>
-          <p:cNvSpPr/>
-          <p:nvPr/>
-        </p:nvSpPr>
-        <p:spPr>
-          <a:xfrm>
-            <a:off x="184058" y="3254186"/>
-            <a:ext cx="4267200" cy="1323439"/>
-          </a:xfrm>
-          <a:prstGeom prst="rect">
-            <a:avLst/>
-          </a:prstGeom>
-        </p:spPr>
-        <p:style>
-          <a:lnRef idx="2">
-            <a:schemeClr val="accent3"/>
-          </a:lnRef>
-          <a:fillRef idx="1">
-            <a:schemeClr val="lt1"/>
-          </a:fillRef>
-          <a:effectRef idx="0">
-            <a:schemeClr val="accent3"/>
-          </a:effectRef>
-          <a:fontRef idx="minor">
-            <a:schemeClr val="dk1"/>
-          </a:fontRef>
-        </p:style>
-        <p:txBody>
-          <a:bodyPr wrap="square" lIns="91440" tIns="45720" rIns="91440" bIns="45720">
-            <a:spAutoFit/>
-          </a:bodyPr>
-          <a:lstStyle/>
-          <a:p>
-            <a:pPr algn="ctr"/>
-            <a:r>
-              <a:rPr lang="en-US" sz="4800" b="0" cap="none" spc="0" dirty="0">
-                <a:ln w="0"/>
-                <a:solidFill>
-                  <a:schemeClr val="accent1"/>
-                </a:solidFill>
-                <a:effectLst>
-                  <a:outerShdw blurRad="38100" dist="25400" dir="5400000" algn="ctr" rotWithShape="0">
-                    <a:srgbClr val="6E747A">
-                      <a:alpha val="43000"/>
-                    </a:srgbClr>
-                  </a:outerShdw>
-                </a:effectLst>
-                <a:latin typeface="Consolas" panose="020B0609020204030204" pitchFamily="49" charset="0"/>
-                <a:cs typeface="Consolas" panose="020B0609020204030204" pitchFamily="49" charset="0"/>
-              </a:rPr>
-              <a:t>172677</a:t>
-            </a:r>
-          </a:p>
-          <a:p>
-            <a:pPr algn="ctr"/>
-            <a:r>
-              <a:rPr lang="en-US" sz="3200" b="0" cap="none" spc="0" dirty="0">
-                <a:ln w="0"/>
-                <a:solidFill>
-                  <a:schemeClr val="bg1">
-                    <a:lumMod val="50000"/>
-                  </a:schemeClr>
-                </a:solidFill>
-                <a:effectLst>
-                  <a:outerShdw blurRad="38100" dist="25400" dir="5400000" algn="ctr" rotWithShape="0">
-                    <a:srgbClr val="6E747A">
-                      <a:alpha val="43000"/>
-                    </a:srgbClr>
-                  </a:outerShdw>
-                </a:effectLst>
-              </a:rPr>
-              <a:t>Tests</a:t>
-            </a:r>
-          </a:p>
-        </p:txBody>
-      </p:sp>
+      </p:pic>
     </p:spTree>
     <p:extLst>
       <p:ext uri="{BB962C8B-B14F-4D97-AF65-F5344CB8AC3E}">
-        <p14:creationId xmlns:p14="http://schemas.microsoft.com/office/powerpoint/2010/main" val="4136519371"/>
+        <p14:creationId xmlns:p14="http://schemas.microsoft.com/office/powerpoint/2010/main" val="4125862979"/>
       </p:ext>
     </p:extLst>
   </p:cSld>
   <p:clrMapOvr>
     <a:masterClrMapping/>
   </p:clrMapOvr>
-  <mc:AlternateContent xmlns:mc="http://schemas.openxmlformats.org/markup-compatibility/2006" xmlns:p14="http://schemas.microsoft.com/office/powerpoint/2010/main">
-    <mc:Choice Requires="p14">
-      <p:transition spd="med" p14:dur="700">
-        <p:fade/>
-      </p:transition>
-    </mc:Choice>
-    <mc:Fallback xmlns="">
-      <p:transition spd="med">
-        <p:fade/>
-      </p:transition>
-    </mc:Fallback>
-  </mc:AlternateContent>
+  <p:transition>
+    <p:wipe dir="r"/>
+  </p:transition>
 </p:sld>
 </file>
 
@@ -17858,7 +15715,7 @@
           <a:p>
             <a:r>
               <a:rPr lang="en-US" dirty="0"/>
-              <a:t>Why this project?</a:t>
+              <a:t>What is this project about?</a:t>
             </a:r>
           </a:p>
         </p:txBody>
@@ -17875,70 +15732,66 @@
         </p:nvSpPr>
         <p:spPr/>
         <p:txBody>
-          <a:bodyPr>
-            <a:normAutofit/>
-          </a:bodyPr>
+          <a:bodyPr/>
           <a:lstStyle/>
           <a:p>
             <a:r>
-              <a:rPr lang="en-US" dirty="0"/>
-              <a:t>I’m curious about</a:t>
-            </a:r>
-          </a:p>
-          <a:p>
-            <a:pPr lvl="1"/>
-            <a:r>
-              <a:rPr lang="en-US" dirty="0"/>
-              <a:t>Artificial Intelligence</a:t>
-            </a:r>
-          </a:p>
-          <a:p>
-            <a:pPr lvl="1"/>
-            <a:r>
-              <a:rPr lang="en-US" dirty="0"/>
-              <a:t>Data Science</a:t>
-            </a:r>
-          </a:p>
-          <a:p>
-            <a:pPr lvl="1"/>
+              <a:rPr lang="en-US" dirty="0" err="1"/>
+              <a:t>Regretion</a:t>
+            </a:r>
+            <a:r>
+              <a:rPr lang="en-US" dirty="0"/>
+              <a:t> tests</a:t>
+            </a:r>
+          </a:p>
+          <a:p>
+            <a:r>
+              <a:rPr lang="en-US" dirty="0"/>
+              <a:t>Automation</a:t>
+            </a:r>
+          </a:p>
+          <a:p>
             <a:r>
               <a:rPr lang="en-US" dirty="0"/>
               <a:t>Machine Learning</a:t>
             </a:r>
           </a:p>
-          <a:p>
-            <a:r>
-              <a:rPr lang="en-US" dirty="0"/>
-              <a:t>Next generation job opportunities</a:t>
-            </a:r>
-          </a:p>
-          <a:p>
-            <a:pPr lvl="1"/>
-            <a:r>
-              <a:rPr lang="en-US" dirty="0"/>
-              <a:t>Artificial Intelligence</a:t>
-            </a:r>
-          </a:p>
-          <a:p>
-            <a:pPr lvl="1"/>
-            <a:r>
-              <a:rPr lang="en-US" dirty="0"/>
-              <a:t>Bio-technology</a:t>
-            </a:r>
-          </a:p>
-          <a:p>
-            <a:pPr lvl="1"/>
-            <a:r>
-              <a:rPr lang="en-US" dirty="0"/>
-              <a:t>Nano-technology</a:t>
-            </a:r>
-          </a:p>
-        </p:txBody>
-      </p:sp>
+        </p:txBody>
+      </p:sp>
+      <p:pic>
+        <p:nvPicPr>
+          <p:cNvPr id="3" name="Picture 2">
+            <a:extLst>
+              <a:ext uri="{FF2B5EF4-FFF2-40B4-BE49-F238E27FC236}">
+                <a16:creationId xmlns:a16="http://schemas.microsoft.com/office/drawing/2014/main" id="{52B63AFF-42FF-4BCE-9D06-718ADA044C9D}"/>
+              </a:ext>
+            </a:extLst>
+          </p:cNvPr>
+          <p:cNvPicPr>
+            <a:picLocks noChangeAspect="1"/>
+          </p:cNvPicPr>
+          <p:nvPr/>
+        </p:nvPicPr>
+        <p:blipFill>
+          <a:blip r:embed="rId2"/>
+          <a:stretch>
+            <a:fillRect/>
+          </a:stretch>
+        </p:blipFill>
+        <p:spPr>
+          <a:xfrm>
+            <a:off x="10590212" y="182880"/>
+            <a:ext cx="1524000" cy="685800"/>
+          </a:xfrm>
+          <a:prstGeom prst="rect">
+            <a:avLst/>
+          </a:prstGeom>
+        </p:spPr>
+      </p:pic>
     </p:spTree>
     <p:extLst>
       <p:ext uri="{BB962C8B-B14F-4D97-AF65-F5344CB8AC3E}">
-        <p14:creationId xmlns:p14="http://schemas.microsoft.com/office/powerpoint/2010/main" val="751144124"/>
+        <p14:creationId xmlns:p14="http://schemas.microsoft.com/office/powerpoint/2010/main" val="2507600275"/>
       </p:ext>
     </p:extLst>
   </p:cSld>
@@ -17970,7 +15823,7 @@
       </p:grpSpPr>
       <p:sp>
         <p:nvSpPr>
-          <p:cNvPr id="2" name="Title 1"/>
+          <p:cNvPr id="3" name="Title 2"/>
           <p:cNvSpPr>
             <a:spLocks noGrp="1"/>
           </p:cNvSpPr>
@@ -17985,62 +15838,663 @@
           <a:p>
             <a:r>
               <a:rPr lang="en-US" dirty="0"/>
-              <a:t>What is this project about?</a:t>
-            </a:r>
-          </a:p>
-        </p:txBody>
-      </p:sp>
-      <p:sp>
-        <p:nvSpPr>
-          <p:cNvPr id="4" name="Text Placeholder 3"/>
-          <p:cNvSpPr>
-            <a:spLocks noGrp="1"/>
-          </p:cNvSpPr>
-          <p:nvPr>
-            <p:ph type="body" sz="quarter" idx="16"/>
-          </p:nvPr>
-        </p:nvSpPr>
-        <p:spPr/>
-        <p:txBody>
-          <a:bodyPr/>
+              <a:t>BY the Numbers</a:t>
+            </a:r>
+          </a:p>
+        </p:txBody>
+      </p:sp>
+      <p:sp>
+        <p:nvSpPr>
+          <p:cNvPr id="10" name="Rectangle 9"/>
+          <p:cNvSpPr/>
+          <p:nvPr/>
+        </p:nvSpPr>
+        <p:spPr>
+          <a:xfrm>
+            <a:off x="4951412" y="1223187"/>
+            <a:ext cx="3048000" cy="1323439"/>
+          </a:xfrm>
+          <a:prstGeom prst="rect">
+            <a:avLst/>
+          </a:prstGeom>
+        </p:spPr>
+        <p:style>
+          <a:lnRef idx="2">
+            <a:schemeClr val="accent3"/>
+          </a:lnRef>
+          <a:fillRef idx="1">
+            <a:schemeClr val="lt1"/>
+          </a:fillRef>
+          <a:effectRef idx="0">
+            <a:schemeClr val="accent3"/>
+          </a:effectRef>
+          <a:fontRef idx="minor">
+            <a:schemeClr val="dk1"/>
+          </a:fontRef>
+        </p:style>
+        <p:txBody>
+          <a:bodyPr wrap="square" lIns="91440" tIns="45720" rIns="91440" bIns="45720">
+            <a:spAutoFit/>
+          </a:bodyPr>
           <a:lstStyle/>
           <a:p>
-            <a:r>
-              <a:rPr lang="en-US" dirty="0" err="1"/>
-              <a:t>Regretion</a:t>
-            </a:r>
-            <a:r>
-              <a:rPr lang="en-US" dirty="0"/>
-              <a:t> tests</a:t>
-            </a:r>
-          </a:p>
-          <a:p>
-            <a:r>
-              <a:rPr lang="en-US" dirty="0"/>
-              <a:t>Automation</a:t>
-            </a:r>
-          </a:p>
-          <a:p>
-            <a:r>
-              <a:rPr lang="en-US" dirty="0"/>
-              <a:t>Machine Learning</a:t>
-            </a:r>
-          </a:p>
-        </p:txBody>
-      </p:sp>
+            <a:pPr algn="ctr"/>
+            <a:r>
+              <a:rPr lang="en-IN" sz="4800" dirty="0">
+                <a:ln w="0"/>
+                <a:solidFill>
+                  <a:schemeClr val="accent1"/>
+                </a:solidFill>
+                <a:effectLst>
+                  <a:outerShdw blurRad="38100" dist="25400" dir="5400000" algn="ctr" rotWithShape="0">
+                    <a:srgbClr val="6E747A">
+                      <a:alpha val="43000"/>
+                    </a:srgbClr>
+                  </a:outerShdw>
+                </a:effectLst>
+                <a:latin typeface="Consolas" panose="020B0609020204030204" pitchFamily="49" charset="0"/>
+                <a:cs typeface="Consolas" panose="020B0609020204030204" pitchFamily="49" charset="0"/>
+              </a:rPr>
+              <a:t>1</a:t>
+            </a:r>
+            <a:endParaRPr lang="en-US" sz="4800" b="0" cap="none" spc="0" dirty="0">
+              <a:ln w="0"/>
+              <a:solidFill>
+                <a:schemeClr val="accent1"/>
+              </a:solidFill>
+              <a:effectLst>
+                <a:outerShdw blurRad="38100" dist="25400" dir="5400000" algn="ctr" rotWithShape="0">
+                  <a:srgbClr val="6E747A">
+                    <a:alpha val="43000"/>
+                  </a:srgbClr>
+                </a:outerShdw>
+              </a:effectLst>
+              <a:latin typeface="Consolas" panose="020B0609020204030204" pitchFamily="49" charset="0"/>
+              <a:cs typeface="Consolas" panose="020B0609020204030204" pitchFamily="49" charset="0"/>
+            </a:endParaRPr>
+          </a:p>
+          <a:p>
+            <a:pPr algn="ctr"/>
+            <a:r>
+              <a:rPr lang="en-IN" sz="3200" dirty="0">
+                <a:ln w="0"/>
+                <a:solidFill>
+                  <a:schemeClr val="bg1">
+                    <a:lumMod val="50000"/>
+                  </a:schemeClr>
+                </a:solidFill>
+                <a:effectLst>
+                  <a:outerShdw blurRad="38100" dist="25400" dir="5400000" algn="ctr" rotWithShape="0">
+                    <a:srgbClr val="6E747A">
+                      <a:alpha val="43000"/>
+                    </a:srgbClr>
+                  </a:outerShdw>
+                </a:effectLst>
+              </a:rPr>
+              <a:t>Project</a:t>
+            </a:r>
+            <a:r>
+              <a:rPr lang="en-US" sz="3200" b="0" cap="none" spc="0" dirty="0">
+                <a:ln w="0"/>
+                <a:solidFill>
+                  <a:schemeClr val="bg1">
+                    <a:lumMod val="50000"/>
+                  </a:schemeClr>
+                </a:solidFill>
+                <a:effectLst>
+                  <a:outerShdw blurRad="38100" dist="25400" dir="5400000" algn="ctr" rotWithShape="0">
+                    <a:srgbClr val="6E747A">
+                      <a:alpha val="43000"/>
+                    </a:srgbClr>
+                  </a:outerShdw>
+                </a:effectLst>
+              </a:rPr>
+              <a:t> </a:t>
+            </a:r>
+          </a:p>
+        </p:txBody>
+      </p:sp>
+      <p:sp>
+        <p:nvSpPr>
+          <p:cNvPr id="12" name="Rectangle 11"/>
+          <p:cNvSpPr/>
+          <p:nvPr/>
+        </p:nvSpPr>
+        <p:spPr>
+          <a:xfrm>
+            <a:off x="184058" y="1223187"/>
+            <a:ext cx="4267200" cy="1323439"/>
+          </a:xfrm>
+          <a:prstGeom prst="rect">
+            <a:avLst/>
+          </a:prstGeom>
+        </p:spPr>
+        <p:style>
+          <a:lnRef idx="2">
+            <a:schemeClr val="accent3"/>
+          </a:lnRef>
+          <a:fillRef idx="1">
+            <a:schemeClr val="lt1"/>
+          </a:fillRef>
+          <a:effectRef idx="0">
+            <a:schemeClr val="accent3"/>
+          </a:effectRef>
+          <a:fontRef idx="minor">
+            <a:schemeClr val="dk1"/>
+          </a:fontRef>
+        </p:style>
+        <p:txBody>
+          <a:bodyPr wrap="square" lIns="91440" tIns="45720" rIns="91440" bIns="45720">
+            <a:spAutoFit/>
+          </a:bodyPr>
+          <a:lstStyle/>
+          <a:p>
+            <a:pPr algn="ctr"/>
+            <a:r>
+              <a:rPr lang="en-IN" sz="4800" b="0" cap="none" spc="0" dirty="0">
+                <a:ln w="0"/>
+                <a:solidFill>
+                  <a:schemeClr val="accent1"/>
+                </a:solidFill>
+                <a:effectLst>
+                  <a:outerShdw blurRad="38100" dist="25400" dir="5400000" algn="ctr" rotWithShape="0">
+                    <a:srgbClr val="6E747A">
+                      <a:alpha val="43000"/>
+                    </a:srgbClr>
+                  </a:outerShdw>
+                </a:effectLst>
+                <a:latin typeface="Consolas" panose="020B0609020204030204" pitchFamily="49" charset="0"/>
+                <a:cs typeface="Consolas" panose="020B0609020204030204" pitchFamily="49" charset="0"/>
+              </a:rPr>
+              <a:t>1</a:t>
+            </a:r>
+            <a:endParaRPr lang="en-US" sz="5400" b="0" cap="none" spc="0" dirty="0">
+              <a:ln w="0"/>
+              <a:solidFill>
+                <a:schemeClr val="accent1"/>
+              </a:solidFill>
+              <a:effectLst>
+                <a:outerShdw blurRad="38100" dist="25400" dir="5400000" algn="ctr" rotWithShape="0">
+                  <a:srgbClr val="6E747A">
+                    <a:alpha val="43000"/>
+                  </a:srgbClr>
+                </a:outerShdw>
+              </a:effectLst>
+              <a:latin typeface="Consolas" panose="020B0609020204030204" pitchFamily="49" charset="0"/>
+              <a:cs typeface="Consolas" panose="020B0609020204030204" pitchFamily="49" charset="0"/>
+            </a:endParaRPr>
+          </a:p>
+          <a:p>
+            <a:pPr algn="ctr"/>
+            <a:r>
+              <a:rPr lang="en-US" sz="3200" dirty="0">
+                <a:ln w="0"/>
+                <a:solidFill>
+                  <a:schemeClr val="bg1">
+                    <a:lumMod val="50000"/>
+                  </a:schemeClr>
+                </a:solidFill>
+                <a:effectLst>
+                  <a:outerShdw blurRad="38100" dist="25400" dir="5400000" algn="ctr" rotWithShape="0">
+                    <a:srgbClr val="6E747A">
+                      <a:alpha val="43000"/>
+                    </a:srgbClr>
+                  </a:outerShdw>
+                </a:effectLst>
+              </a:rPr>
+              <a:t>Product</a:t>
+            </a:r>
+            <a:endParaRPr lang="en-US" sz="3200" b="0" cap="none" spc="0" dirty="0">
+              <a:ln w="0"/>
+              <a:solidFill>
+                <a:schemeClr val="bg1">
+                  <a:lumMod val="50000"/>
+                </a:schemeClr>
+              </a:solidFill>
+              <a:effectLst>
+                <a:outerShdw blurRad="38100" dist="25400" dir="5400000" algn="ctr" rotWithShape="0">
+                  <a:srgbClr val="6E747A">
+                    <a:alpha val="43000"/>
+                  </a:srgbClr>
+                </a:outerShdw>
+              </a:effectLst>
+            </a:endParaRPr>
+          </a:p>
+        </p:txBody>
+      </p:sp>
+      <p:sp>
+        <p:nvSpPr>
+          <p:cNvPr id="13" name="Rectangle 12"/>
+          <p:cNvSpPr/>
+          <p:nvPr/>
+        </p:nvSpPr>
+        <p:spPr>
+          <a:xfrm>
+            <a:off x="8548052" y="3200400"/>
+            <a:ext cx="3048000" cy="1323439"/>
+          </a:xfrm>
+          <a:prstGeom prst="rect">
+            <a:avLst/>
+          </a:prstGeom>
+        </p:spPr>
+        <p:style>
+          <a:lnRef idx="2">
+            <a:schemeClr val="accent3"/>
+          </a:lnRef>
+          <a:fillRef idx="1">
+            <a:schemeClr val="lt1"/>
+          </a:fillRef>
+          <a:effectRef idx="0">
+            <a:schemeClr val="accent3"/>
+          </a:effectRef>
+          <a:fontRef idx="minor">
+            <a:schemeClr val="dk1"/>
+          </a:fontRef>
+        </p:style>
+        <p:txBody>
+          <a:bodyPr wrap="square" lIns="91440" tIns="45720" rIns="91440" bIns="45720">
+            <a:spAutoFit/>
+          </a:bodyPr>
+          <a:lstStyle/>
+          <a:p>
+            <a:pPr algn="ctr"/>
+            <a:r>
+              <a:rPr lang="en-IN" sz="4800" dirty="0">
+                <a:ln w="0"/>
+                <a:solidFill>
+                  <a:schemeClr val="accent1"/>
+                </a:solidFill>
+                <a:effectLst>
+                  <a:outerShdw blurRad="38100" dist="25400" dir="5400000" algn="ctr" rotWithShape="0">
+                    <a:srgbClr val="6E747A">
+                      <a:alpha val="43000"/>
+                    </a:srgbClr>
+                  </a:outerShdw>
+                </a:effectLst>
+                <a:latin typeface="Consolas" panose="020B0609020204030204" pitchFamily="49" charset="0"/>
+                <a:cs typeface="Consolas" panose="020B0609020204030204" pitchFamily="49" charset="0"/>
+              </a:rPr>
+              <a:t>4</a:t>
+            </a:r>
+            <a:endParaRPr lang="en-US" sz="4800" b="0" cap="none" spc="0" dirty="0">
+              <a:ln w="0"/>
+              <a:solidFill>
+                <a:schemeClr val="accent1"/>
+              </a:solidFill>
+              <a:effectLst>
+                <a:outerShdw blurRad="38100" dist="25400" dir="5400000" algn="ctr" rotWithShape="0">
+                  <a:srgbClr val="6E747A">
+                    <a:alpha val="43000"/>
+                  </a:srgbClr>
+                </a:outerShdw>
+              </a:effectLst>
+              <a:latin typeface="Consolas" panose="020B0609020204030204" pitchFamily="49" charset="0"/>
+              <a:cs typeface="Consolas" panose="020B0609020204030204" pitchFamily="49" charset="0"/>
+            </a:endParaRPr>
+          </a:p>
+          <a:p>
+            <a:pPr algn="ctr"/>
+            <a:r>
+              <a:rPr lang="en-US" sz="3200" dirty="0">
+                <a:ln w="0"/>
+                <a:solidFill>
+                  <a:schemeClr val="bg1">
+                    <a:lumMod val="50000"/>
+                  </a:schemeClr>
+                </a:solidFill>
+                <a:effectLst>
+                  <a:outerShdw blurRad="38100" dist="25400" dir="5400000" algn="ctr" rotWithShape="0">
+                    <a:srgbClr val="6E747A">
+                      <a:alpha val="43000"/>
+                    </a:srgbClr>
+                  </a:outerShdw>
+                </a:effectLst>
+              </a:rPr>
+              <a:t>months</a:t>
+            </a:r>
+            <a:r>
+              <a:rPr lang="en-US" sz="3200" b="0" cap="none" spc="0" dirty="0">
+                <a:ln w="0"/>
+                <a:solidFill>
+                  <a:schemeClr val="bg1">
+                    <a:lumMod val="50000"/>
+                  </a:schemeClr>
+                </a:solidFill>
+                <a:effectLst>
+                  <a:outerShdw blurRad="38100" dist="25400" dir="5400000" algn="ctr" rotWithShape="0">
+                    <a:srgbClr val="6E747A">
+                      <a:alpha val="43000"/>
+                    </a:srgbClr>
+                  </a:outerShdw>
+                </a:effectLst>
+              </a:rPr>
+              <a:t> </a:t>
+            </a:r>
+          </a:p>
+        </p:txBody>
+      </p:sp>
+      <p:sp>
+        <p:nvSpPr>
+          <p:cNvPr id="14" name="Rectangle 13"/>
+          <p:cNvSpPr/>
+          <p:nvPr/>
+        </p:nvSpPr>
+        <p:spPr>
+          <a:xfrm>
+            <a:off x="4951412" y="3254187"/>
+            <a:ext cx="3048000" cy="1323439"/>
+          </a:xfrm>
+          <a:prstGeom prst="rect">
+            <a:avLst/>
+          </a:prstGeom>
+        </p:spPr>
+        <p:style>
+          <a:lnRef idx="2">
+            <a:schemeClr val="accent3"/>
+          </a:lnRef>
+          <a:fillRef idx="1">
+            <a:schemeClr val="lt1"/>
+          </a:fillRef>
+          <a:effectRef idx="0">
+            <a:schemeClr val="accent3"/>
+          </a:effectRef>
+          <a:fontRef idx="minor">
+            <a:schemeClr val="dk1"/>
+          </a:fontRef>
+        </p:style>
+        <p:txBody>
+          <a:bodyPr wrap="square" lIns="91440" tIns="45720" rIns="91440" bIns="45720">
+            <a:spAutoFit/>
+          </a:bodyPr>
+          <a:lstStyle/>
+          <a:p>
+            <a:pPr algn="ctr"/>
+            <a:r>
+              <a:rPr lang="en-IN" sz="4800" b="0" cap="none" spc="0" dirty="0">
+                <a:ln w="0"/>
+                <a:solidFill>
+                  <a:schemeClr val="accent1"/>
+                </a:solidFill>
+                <a:effectLst>
+                  <a:outerShdw blurRad="38100" dist="25400" dir="5400000" algn="ctr" rotWithShape="0">
+                    <a:srgbClr val="6E747A">
+                      <a:alpha val="43000"/>
+                    </a:srgbClr>
+                  </a:outerShdw>
+                </a:effectLst>
+                <a:latin typeface="Consolas" panose="020B0609020204030204" pitchFamily="49" charset="0"/>
+                <a:cs typeface="Consolas" panose="020B0609020204030204" pitchFamily="49" charset="0"/>
+              </a:rPr>
+              <a:t>48295</a:t>
+            </a:r>
+            <a:endParaRPr lang="en-US" sz="4800" b="0" cap="none" spc="0" dirty="0">
+              <a:ln w="0"/>
+              <a:solidFill>
+                <a:schemeClr val="accent1"/>
+              </a:solidFill>
+              <a:effectLst>
+                <a:outerShdw blurRad="38100" dist="25400" dir="5400000" algn="ctr" rotWithShape="0">
+                  <a:srgbClr val="6E747A">
+                    <a:alpha val="43000"/>
+                  </a:srgbClr>
+                </a:outerShdw>
+              </a:effectLst>
+              <a:latin typeface="Consolas" panose="020B0609020204030204" pitchFamily="49" charset="0"/>
+              <a:cs typeface="Consolas" panose="020B0609020204030204" pitchFamily="49" charset="0"/>
+            </a:endParaRPr>
+          </a:p>
+          <a:p>
+            <a:pPr algn="ctr"/>
+            <a:r>
+              <a:rPr lang="en-US" sz="3200" dirty="0">
+                <a:ln w="0"/>
+                <a:solidFill>
+                  <a:schemeClr val="bg1">
+                    <a:lumMod val="50000"/>
+                  </a:schemeClr>
+                </a:solidFill>
+                <a:effectLst>
+                  <a:outerShdw blurRad="38100" dist="25400" dir="5400000" algn="ctr" rotWithShape="0">
+                    <a:srgbClr val="6E747A">
+                      <a:alpha val="43000"/>
+                    </a:srgbClr>
+                  </a:outerShdw>
+                </a:effectLst>
+              </a:rPr>
+              <a:t>Useful Tests</a:t>
+            </a:r>
+            <a:endParaRPr lang="en-US" sz="3200" b="0" cap="none" spc="0" dirty="0">
+              <a:ln w="0"/>
+              <a:solidFill>
+                <a:schemeClr val="bg1">
+                  <a:lumMod val="50000"/>
+                </a:schemeClr>
+              </a:solidFill>
+              <a:effectLst>
+                <a:outerShdw blurRad="38100" dist="25400" dir="5400000" algn="ctr" rotWithShape="0">
+                  <a:srgbClr val="6E747A">
+                    <a:alpha val="43000"/>
+                  </a:srgbClr>
+                </a:outerShdw>
+              </a:effectLst>
+            </a:endParaRPr>
+          </a:p>
+        </p:txBody>
+      </p:sp>
+      <p:sp>
+        <p:nvSpPr>
+          <p:cNvPr id="15" name="Rectangle 14"/>
+          <p:cNvSpPr/>
+          <p:nvPr/>
+        </p:nvSpPr>
+        <p:spPr>
+          <a:xfrm>
+            <a:off x="8548052" y="1212301"/>
+            <a:ext cx="3048000" cy="1323439"/>
+          </a:xfrm>
+          <a:prstGeom prst="rect">
+            <a:avLst/>
+          </a:prstGeom>
+        </p:spPr>
+        <p:style>
+          <a:lnRef idx="2">
+            <a:schemeClr val="accent3"/>
+          </a:lnRef>
+          <a:fillRef idx="1">
+            <a:schemeClr val="lt1"/>
+          </a:fillRef>
+          <a:effectRef idx="0">
+            <a:schemeClr val="accent3"/>
+          </a:effectRef>
+          <a:fontRef idx="minor">
+            <a:schemeClr val="dk1"/>
+          </a:fontRef>
+        </p:style>
+        <p:txBody>
+          <a:bodyPr wrap="square" lIns="91440" tIns="45720" rIns="91440" bIns="45720">
+            <a:spAutoFit/>
+          </a:bodyPr>
+          <a:lstStyle/>
+          <a:p>
+            <a:pPr algn="ctr"/>
+            <a:r>
+              <a:rPr lang="en-US" sz="4800" b="0" cap="none" spc="0" dirty="0">
+                <a:ln w="0"/>
+                <a:solidFill>
+                  <a:schemeClr val="accent1"/>
+                </a:solidFill>
+                <a:effectLst>
+                  <a:outerShdw blurRad="38100" dist="25400" dir="5400000" algn="ctr" rotWithShape="0">
+                    <a:srgbClr val="6E747A">
+                      <a:alpha val="43000"/>
+                    </a:srgbClr>
+                  </a:outerShdw>
+                </a:effectLst>
+                <a:latin typeface="Consolas" panose="020B0609020204030204" pitchFamily="49" charset="0"/>
+                <a:cs typeface="Consolas" panose="020B0609020204030204" pitchFamily="49" charset="0"/>
+              </a:rPr>
+              <a:t>6</a:t>
+            </a:r>
+          </a:p>
+          <a:p>
+            <a:pPr algn="ctr"/>
+            <a:r>
+              <a:rPr lang="en-US" sz="3200" b="0" cap="none" spc="0" dirty="0">
+                <a:ln w="0"/>
+                <a:solidFill>
+                  <a:schemeClr val="bg1">
+                    <a:lumMod val="50000"/>
+                  </a:schemeClr>
+                </a:solidFill>
+                <a:effectLst>
+                  <a:outerShdw blurRad="38100" dist="25400" dir="5400000" algn="ctr" rotWithShape="0">
+                    <a:srgbClr val="6E747A">
+                      <a:alpha val="43000"/>
+                    </a:srgbClr>
+                  </a:outerShdw>
+                </a:effectLst>
+              </a:rPr>
+              <a:t>Versions</a:t>
+            </a:r>
+          </a:p>
+        </p:txBody>
+      </p:sp>
+      <p:sp>
+        <p:nvSpPr>
+          <p:cNvPr id="8" name="Rectangle 7">
+            <a:extLst>
+              <a:ext uri="{FF2B5EF4-FFF2-40B4-BE49-F238E27FC236}">
+                <a16:creationId xmlns:a16="http://schemas.microsoft.com/office/drawing/2014/main" id="{40013FE4-B2BE-4885-9D5A-B790AFA62E11}"/>
+              </a:ext>
+            </a:extLst>
+          </p:cNvPr>
+          <p:cNvSpPr/>
+          <p:nvPr/>
+        </p:nvSpPr>
+        <p:spPr>
+          <a:xfrm>
+            <a:off x="184058" y="3254186"/>
+            <a:ext cx="4267200" cy="1323439"/>
+          </a:xfrm>
+          <a:prstGeom prst="rect">
+            <a:avLst/>
+          </a:prstGeom>
+        </p:spPr>
+        <p:style>
+          <a:lnRef idx="2">
+            <a:schemeClr val="accent3"/>
+          </a:lnRef>
+          <a:fillRef idx="1">
+            <a:schemeClr val="lt1"/>
+          </a:fillRef>
+          <a:effectRef idx="0">
+            <a:schemeClr val="accent3"/>
+          </a:effectRef>
+          <a:fontRef idx="minor">
+            <a:schemeClr val="dk1"/>
+          </a:fontRef>
+        </p:style>
+        <p:txBody>
+          <a:bodyPr wrap="square" lIns="91440" tIns="45720" rIns="91440" bIns="45720">
+            <a:spAutoFit/>
+          </a:bodyPr>
+          <a:lstStyle/>
+          <a:p>
+            <a:pPr algn="ctr"/>
+            <a:r>
+              <a:rPr lang="en-US" sz="4800" b="0" cap="none" spc="0" dirty="0">
+                <a:ln w="0"/>
+                <a:solidFill>
+                  <a:schemeClr val="accent1"/>
+                </a:solidFill>
+                <a:effectLst>
+                  <a:outerShdw blurRad="38100" dist="25400" dir="5400000" algn="ctr" rotWithShape="0">
+                    <a:srgbClr val="6E747A">
+                      <a:alpha val="43000"/>
+                    </a:srgbClr>
+                  </a:outerShdw>
+                </a:effectLst>
+                <a:latin typeface="Consolas" panose="020B0609020204030204" pitchFamily="49" charset="0"/>
+                <a:cs typeface="Consolas" panose="020B0609020204030204" pitchFamily="49" charset="0"/>
+              </a:rPr>
+              <a:t>172677</a:t>
+            </a:r>
+          </a:p>
+          <a:p>
+            <a:pPr algn="ctr"/>
+            <a:r>
+              <a:rPr lang="en-US" sz="3200" b="0" cap="none" spc="0" dirty="0">
+                <a:ln w="0"/>
+                <a:solidFill>
+                  <a:schemeClr val="bg1">
+                    <a:lumMod val="50000"/>
+                  </a:schemeClr>
+                </a:solidFill>
+                <a:effectLst>
+                  <a:outerShdw blurRad="38100" dist="25400" dir="5400000" algn="ctr" rotWithShape="0">
+                    <a:srgbClr val="6E747A">
+                      <a:alpha val="43000"/>
+                    </a:srgbClr>
+                  </a:outerShdw>
+                </a:effectLst>
+              </a:rPr>
+              <a:t>Tests</a:t>
+            </a:r>
+          </a:p>
+        </p:txBody>
+      </p:sp>
+      <p:pic>
+        <p:nvPicPr>
+          <p:cNvPr id="2" name="Picture 1">
+            <a:extLst>
+              <a:ext uri="{FF2B5EF4-FFF2-40B4-BE49-F238E27FC236}">
+                <a16:creationId xmlns:a16="http://schemas.microsoft.com/office/drawing/2014/main" id="{045AD91C-8419-446B-8216-C37B12BEC35D}"/>
+              </a:ext>
+            </a:extLst>
+          </p:cNvPr>
+          <p:cNvPicPr>
+            <a:picLocks noChangeAspect="1"/>
+          </p:cNvPicPr>
+          <p:nvPr/>
+        </p:nvPicPr>
+        <p:blipFill>
+          <a:blip r:embed="rId2"/>
+          <a:stretch>
+            <a:fillRect/>
+          </a:stretch>
+        </p:blipFill>
+        <p:spPr>
+          <a:xfrm>
+            <a:off x="10361612" y="180388"/>
+            <a:ext cx="1524000" cy="685800"/>
+          </a:xfrm>
+          <a:prstGeom prst="rect">
+            <a:avLst/>
+          </a:prstGeom>
+        </p:spPr>
+      </p:pic>
     </p:spTree>
     <p:extLst>
       <p:ext uri="{BB962C8B-B14F-4D97-AF65-F5344CB8AC3E}">
-        <p14:creationId xmlns:p14="http://schemas.microsoft.com/office/powerpoint/2010/main" val="2507600275"/>
+        <p14:creationId xmlns:p14="http://schemas.microsoft.com/office/powerpoint/2010/main" val="4136519371"/>
       </p:ext>
     </p:extLst>
   </p:cSld>
   <p:clrMapOvr>
     <a:masterClrMapping/>
   </p:clrMapOvr>
-  <p:transition>
-    <p:wipe dir="r"/>
-  </p:transition>
+  <mc:AlternateContent xmlns:mc="http://schemas.openxmlformats.org/markup-compatibility/2006" xmlns:p14="http://schemas.microsoft.com/office/powerpoint/2010/main">
+    <mc:Choice Requires="p14">
+      <p:transition spd="med" p14:dur="700">
+        <p:fade/>
+      </p:transition>
+    </mc:Choice>
+    <mc:Fallback xmlns="">
+      <p:transition spd="med">
+        <p:fade/>
+      </p:transition>
+    </mc:Fallback>
+  </mc:AlternateContent>
 </p:sld>
 </file>
 
@@ -18078,20 +16532,14 @@
           <a:p>
             <a:r>
               <a:rPr lang="en-US" dirty="0"/>
-              <a:t>Output – (48,295)</a:t>
-            </a:r>
-          </a:p>
-        </p:txBody>
-      </p:sp>
-      <p:sp>
-        <p:nvSpPr>
-          <p:cNvPr id="6" name="Text Placeholder 5">
-            <a:extLst>
-              <a:ext uri="{FF2B5EF4-FFF2-40B4-BE49-F238E27FC236}">
-                <a16:creationId xmlns:a16="http://schemas.microsoft.com/office/drawing/2014/main" id="{027FCAC2-4F05-456D-83B7-3539B2FE258F}"/>
-              </a:ext>
-            </a:extLst>
-          </p:cNvPr>
+              <a:t>Why this project?</a:t>
+            </a:r>
+          </a:p>
+        </p:txBody>
+      </p:sp>
+      <p:sp>
+        <p:nvSpPr>
+          <p:cNvPr id="4" name="Text Placeholder 3"/>
           <p:cNvSpPr>
             <a:spLocks noGrp="1"/>
           </p:cNvSpPr>
@@ -18099,26 +16547,101 @@
             <p:ph type="body" sz="quarter" idx="16"/>
           </p:nvPr>
         </p:nvSpPr>
-        <p:spPr>
-          <a:xfrm>
-            <a:off x="255252" y="762000"/>
-            <a:ext cx="11685223" cy="5715000"/>
-          </a:xfrm>
-        </p:spPr>
-        <p:txBody>
-          <a:bodyPr/>
+        <p:spPr/>
+        <p:txBody>
+          <a:bodyPr>
+            <a:normAutofit/>
+          </a:bodyPr>
           <a:lstStyle/>
           <a:p>
-            <a:endParaRPr lang="en-US" dirty="0"/>
+            <a:r>
+              <a:rPr lang="en-US" dirty="0"/>
+              <a:t>Related to my work</a:t>
+            </a:r>
+          </a:p>
+          <a:p>
+            <a:pPr lvl="1"/>
+            <a:r>
+              <a:rPr lang="en-US" dirty="0"/>
+              <a:t>Existing system</a:t>
+            </a:r>
+          </a:p>
+          <a:p>
+            <a:pPr lvl="1"/>
+            <a:r>
+              <a:rPr lang="en-US" dirty="0"/>
+              <a:t>Limitations</a:t>
+            </a:r>
+          </a:p>
+          <a:p>
+            <a:pPr lvl="1"/>
+            <a:r>
+              <a:rPr lang="en-US" dirty="0"/>
+              <a:t>Manual</a:t>
+            </a:r>
+          </a:p>
+          <a:p>
+            <a:r>
+              <a:rPr lang="en-US" dirty="0"/>
+              <a:t>I’m curious about</a:t>
+            </a:r>
+          </a:p>
+          <a:p>
+            <a:pPr lvl="1"/>
+            <a:r>
+              <a:rPr lang="en-US" dirty="0"/>
+              <a:t>Artificial Intelligence</a:t>
+            </a:r>
+          </a:p>
+          <a:p>
+            <a:pPr lvl="1"/>
+            <a:r>
+              <a:rPr lang="en-US" dirty="0"/>
+              <a:t>Data Science</a:t>
+            </a:r>
+          </a:p>
+          <a:p>
+            <a:pPr lvl="1"/>
+            <a:r>
+              <a:rPr lang="en-US" dirty="0"/>
+              <a:t>Machine Learning</a:t>
+            </a:r>
+          </a:p>
+          <a:p>
+            <a:r>
+              <a:rPr lang="en-US" dirty="0"/>
+              <a:t>Next generation job opportunities</a:t>
+            </a:r>
+          </a:p>
+          <a:p>
+            <a:pPr lvl="1"/>
+            <a:r>
+              <a:rPr lang="en-US" dirty="0"/>
+              <a:t>Artificial Intelligence</a:t>
+            </a:r>
+          </a:p>
+          <a:p>
+            <a:pPr lvl="1"/>
+            <a:r>
+              <a:rPr lang="en-US" dirty="0"/>
+              <a:t>Bio-technology</a:t>
+            </a:r>
+          </a:p>
+          <a:p>
+            <a:pPr lvl="1"/>
+            <a:r>
+              <a:rPr lang="en-US" dirty="0"/>
+              <a:t>Nano-technology</a:t>
+            </a:r>
           </a:p>
         </p:txBody>
       </p:sp>
       <p:pic>
         <p:nvPicPr>
-          <p:cNvPr id="8" name="Picture 7">
+          <p:cNvPr id="3" name="Picture 2">
             <a:extLst>
               <a:ext uri="{FF2B5EF4-FFF2-40B4-BE49-F238E27FC236}">
-                <a16:creationId xmlns:a16="http://schemas.microsoft.com/office/drawing/2014/main" id="{3D842649-9C18-4BB6-B6D4-A4B23BE0A7EB}"/>
+                <a16:creationId xmlns:a16="http://schemas.microsoft.com/office/drawing/2014/main" id="{EC942303-DED5-4C4D-92F4-94BC396759F4}"/>
               </a:ext>
             </a:extLst>
           </p:cNvPr>
@@ -18128,21 +16651,15 @@
           <p:nvPr/>
         </p:nvPicPr>
         <p:blipFill>
-          <a:blip r:embed="rId2">
-            <a:extLst>
-              <a:ext uri="{28A0092B-C50C-407E-A947-70E740481C1C}">
-                <a14:useLocalDpi xmlns:a14="http://schemas.microsoft.com/office/drawing/2010/main" val="0"/>
-              </a:ext>
-            </a:extLst>
-          </a:blip>
+          <a:blip r:embed="rId2"/>
           <a:stretch>
             <a:fillRect/>
           </a:stretch>
         </p:blipFill>
         <p:spPr>
           <a:xfrm>
-            <a:off x="288057" y="762000"/>
-            <a:ext cx="11645515" cy="5715000"/>
+            <a:off x="10590212" y="182880"/>
+            <a:ext cx="1524000" cy="685800"/>
           </a:xfrm>
           <a:prstGeom prst="rect">
             <a:avLst/>
@@ -18152,7 +16669,7 @@
     </p:spTree>
     <p:extLst>
       <p:ext uri="{BB962C8B-B14F-4D97-AF65-F5344CB8AC3E}">
-        <p14:creationId xmlns:p14="http://schemas.microsoft.com/office/powerpoint/2010/main" val="2058478838"/>
+        <p14:creationId xmlns:p14="http://schemas.microsoft.com/office/powerpoint/2010/main" val="751144124"/>
       </p:ext>
     </p:extLst>
   </p:cSld>
@@ -18199,20 +16716,14 @@
           <a:p>
             <a:r>
               <a:rPr lang="en-US" dirty="0"/>
-              <a:t>Output – (124,382)</a:t>
-            </a:r>
-          </a:p>
-        </p:txBody>
-      </p:sp>
-      <p:sp>
-        <p:nvSpPr>
-          <p:cNvPr id="6" name="Text Placeholder 5">
-            <a:extLst>
-              <a:ext uri="{FF2B5EF4-FFF2-40B4-BE49-F238E27FC236}">
-                <a16:creationId xmlns:a16="http://schemas.microsoft.com/office/drawing/2014/main" id="{027FCAC2-4F05-456D-83B7-3539B2FE258F}"/>
-              </a:ext>
-            </a:extLst>
-          </p:cNvPr>
+              <a:t>H/W &amp; S/W Requirements</a:t>
+            </a:r>
+          </a:p>
+        </p:txBody>
+      </p:sp>
+      <p:sp>
+        <p:nvSpPr>
+          <p:cNvPr id="4" name="Text Placeholder 3"/>
           <p:cNvSpPr>
             <a:spLocks noGrp="1"/>
           </p:cNvSpPr>
@@ -18220,26 +16731,109 @@
             <p:ph type="body" sz="quarter" idx="16"/>
           </p:nvPr>
         </p:nvSpPr>
-        <p:spPr>
-          <a:xfrm>
-            <a:off x="288059" y="762000"/>
-            <a:ext cx="11484864" cy="5647944"/>
-          </a:xfrm>
-        </p:spPr>
-        <p:txBody>
-          <a:bodyPr/>
+        <p:spPr/>
+        <p:txBody>
+          <a:bodyPr>
+            <a:normAutofit/>
+          </a:bodyPr>
           <a:lstStyle/>
           <a:p>
+            <a:r>
+              <a:rPr lang="en-US" dirty="0"/>
+              <a:t>Hardware:</a:t>
+            </a:r>
+          </a:p>
+          <a:p>
+            <a:pPr lvl="1"/>
+            <a:r>
+              <a:rPr lang="en-US" dirty="0"/>
+              <a:t>8 GB RAM</a:t>
+            </a:r>
+          </a:p>
+          <a:p>
+            <a:pPr lvl="1"/>
+            <a:r>
+              <a:rPr lang="en-US" dirty="0"/>
+              <a:t>Intel 4</a:t>
+            </a:r>
+            <a:r>
+              <a:rPr lang="en-US" baseline="30000" dirty="0"/>
+              <a:t>th</a:t>
+            </a:r>
+            <a:r>
+              <a:rPr lang="en-US" dirty="0"/>
+              <a:t> generation processor</a:t>
+            </a:r>
+          </a:p>
+          <a:p>
+            <a:r>
+              <a:rPr lang="en-US" dirty="0"/>
+              <a:t>Operating System:</a:t>
+            </a:r>
+          </a:p>
+          <a:p>
+            <a:pPr lvl="1"/>
+            <a:r>
+              <a:rPr lang="en-US" dirty="0"/>
+              <a:t>Windows/</a:t>
+            </a:r>
+            <a:r>
+              <a:rPr lang="en-US" dirty="0" err="1"/>
+              <a:t>Linu</a:t>
+            </a:r>
+            <a:endParaRPr lang="en-US" dirty="0"/>
+          </a:p>
+          <a:p>
+            <a:r>
+              <a:rPr lang="en-US" dirty="0"/>
+              <a:t>Tools:</a:t>
+            </a:r>
+          </a:p>
+          <a:p>
+            <a:pPr lvl="1"/>
+            <a:r>
+              <a:rPr lang="en-US" dirty="0" err="1"/>
+              <a:t>Jupitor</a:t>
+            </a:r>
+            <a:r>
+              <a:rPr lang="en-US" dirty="0"/>
+              <a:t> notebook</a:t>
+            </a:r>
+          </a:p>
+          <a:p>
+            <a:pPr lvl="1"/>
+            <a:r>
+              <a:rPr lang="en-US" dirty="0"/>
+              <a:t>matplotlib</a:t>
+            </a:r>
+          </a:p>
+          <a:p>
+            <a:r>
+              <a:rPr lang="en-US" dirty="0"/>
+              <a:t>Languages:</a:t>
+            </a:r>
+          </a:p>
+          <a:p>
+            <a:pPr lvl="1"/>
+            <a:r>
+              <a:rPr lang="en-US" dirty="0"/>
+              <a:t>Python 3.6 or greater</a:t>
+            </a:r>
+          </a:p>
+          <a:p>
+            <a:pPr marL="541339" lvl="1" indent="0">
+              <a:buNone/>
+            </a:pPr>
             <a:endParaRPr lang="en-US" dirty="0"/>
           </a:p>
         </p:txBody>
       </p:sp>
       <p:pic>
         <p:nvPicPr>
-          <p:cNvPr id="11" name="Picture 10">
+          <p:cNvPr id="3" name="Picture 2">
             <a:extLst>
               <a:ext uri="{FF2B5EF4-FFF2-40B4-BE49-F238E27FC236}">
-                <a16:creationId xmlns:a16="http://schemas.microsoft.com/office/drawing/2014/main" id="{47D66CE0-A90C-472A-B511-EE13C56DE6DC}"/>
+                <a16:creationId xmlns:a16="http://schemas.microsoft.com/office/drawing/2014/main" id="{89A0052D-062D-4C3C-B3D4-0B1B34BB2428}"/>
               </a:ext>
             </a:extLst>
           </p:cNvPr>
@@ -18249,21 +16843,15 @@
           <p:nvPr/>
         </p:nvPicPr>
         <p:blipFill>
-          <a:blip r:embed="rId2">
-            <a:extLst>
-              <a:ext uri="{28A0092B-C50C-407E-A947-70E740481C1C}">
-                <a14:useLocalDpi xmlns:a14="http://schemas.microsoft.com/office/drawing/2010/main" val="0"/>
-              </a:ext>
-            </a:extLst>
-          </a:blip>
+          <a:blip r:embed="rId2"/>
           <a:stretch>
             <a:fillRect/>
           </a:stretch>
         </p:blipFill>
         <p:spPr>
           <a:xfrm>
-            <a:off x="415902" y="762000"/>
-            <a:ext cx="11357018" cy="5647944"/>
+            <a:off x="10365655" y="182880"/>
+            <a:ext cx="1524000" cy="685800"/>
           </a:xfrm>
           <a:prstGeom prst="rect">
             <a:avLst/>
@@ -18273,7 +16861,7 @@
     </p:spTree>
     <p:extLst>
       <p:ext uri="{BB962C8B-B14F-4D97-AF65-F5344CB8AC3E}">
-        <p14:creationId xmlns:p14="http://schemas.microsoft.com/office/powerpoint/2010/main" val="421926054"/>
+        <p14:creationId xmlns:p14="http://schemas.microsoft.com/office/powerpoint/2010/main" val="745527007"/>
       </p:ext>
     </p:extLst>
   </p:cSld>
@@ -18320,47 +16908,17 @@
           <a:p>
             <a:r>
               <a:rPr lang="en-US" dirty="0"/>
-              <a:t>Output</a:t>
-            </a:r>
-          </a:p>
-        </p:txBody>
-      </p:sp>
-      <p:sp>
-        <p:nvSpPr>
-          <p:cNvPr id="6" name="Text Placeholder 5">
+              <a:t>UML Diagrams – use case</a:t>
+            </a:r>
+          </a:p>
+        </p:txBody>
+      </p:sp>
+      <p:pic>
+        <p:nvPicPr>
+          <p:cNvPr id="3" name="Picture 2">
             <a:extLst>
               <a:ext uri="{FF2B5EF4-FFF2-40B4-BE49-F238E27FC236}">
-                <a16:creationId xmlns:a16="http://schemas.microsoft.com/office/drawing/2014/main" id="{027FCAC2-4F05-456D-83B7-3539B2FE258F}"/>
-              </a:ext>
-            </a:extLst>
-          </p:cNvPr>
-          <p:cNvSpPr>
-            <a:spLocks noGrp="1"/>
-          </p:cNvSpPr>
-          <p:nvPr>
-            <p:ph type="body" sz="quarter" idx="16"/>
-          </p:nvPr>
-        </p:nvSpPr>
-        <p:spPr>
-          <a:xfrm>
-            <a:off x="288058" y="762000"/>
-            <a:ext cx="11612709" cy="5647944"/>
-          </a:xfrm>
-        </p:spPr>
-        <p:txBody>
-          <a:bodyPr/>
-          <a:lstStyle/>
-          <a:p>
-            <a:endParaRPr lang="en-US" dirty="0"/>
-          </a:p>
-        </p:txBody>
-      </p:sp>
-      <p:pic>
-        <p:nvPicPr>
-          <p:cNvPr id="4" name="Picture 3">
-            <a:extLst>
-              <a:ext uri="{FF2B5EF4-FFF2-40B4-BE49-F238E27FC236}">
-                <a16:creationId xmlns:a16="http://schemas.microsoft.com/office/drawing/2014/main" id="{27417446-1B2F-4690-8C07-C17792F73CB1}"/>
+                <a16:creationId xmlns:a16="http://schemas.microsoft.com/office/drawing/2014/main" id="{1417319B-C4F1-4B47-AFEB-98069FB67E7F}"/>
               </a:ext>
             </a:extLst>
           </p:cNvPr>
@@ -18370,21 +16928,45 @@
           <p:nvPr/>
         </p:nvPicPr>
         <p:blipFill>
-          <a:blip r:embed="rId2">
-            <a:extLst>
-              <a:ext uri="{28A0092B-C50C-407E-A947-70E740481C1C}">
-                <a14:useLocalDpi xmlns:a14="http://schemas.microsoft.com/office/drawing/2010/main" val="0"/>
-              </a:ext>
-            </a:extLst>
-          </a:blip>
+          <a:blip r:embed="rId2"/>
           <a:stretch>
             <a:fillRect/>
           </a:stretch>
         </p:blipFill>
         <p:spPr>
           <a:xfrm>
-            <a:off x="288057" y="761999"/>
-            <a:ext cx="11612709" cy="5647945"/>
+            <a:off x="5256212" y="0"/>
+            <a:ext cx="4730550" cy="6477000"/>
+          </a:xfrm>
+          <a:prstGeom prst="rect">
+            <a:avLst/>
+          </a:prstGeom>
+        </p:spPr>
+      </p:pic>
+      <p:pic>
+        <p:nvPicPr>
+          <p:cNvPr id="4" name="Picture 3">
+            <a:extLst>
+              <a:ext uri="{FF2B5EF4-FFF2-40B4-BE49-F238E27FC236}">
+                <a16:creationId xmlns:a16="http://schemas.microsoft.com/office/drawing/2014/main" id="{A4E66BDE-CE4B-44E2-B06F-63BA3121CECA}"/>
+              </a:ext>
+            </a:extLst>
+          </p:cNvPr>
+          <p:cNvPicPr>
+            <a:picLocks noChangeAspect="1"/>
+          </p:cNvPicPr>
+          <p:nvPr/>
+        </p:nvPicPr>
+        <p:blipFill>
+          <a:blip r:embed="rId3"/>
+          <a:stretch>
+            <a:fillRect/>
+          </a:stretch>
+        </p:blipFill>
+        <p:spPr>
+          <a:xfrm>
+            <a:off x="10664825" y="220980"/>
+            <a:ext cx="1524000" cy="685800"/>
           </a:xfrm>
           <a:prstGeom prst="rect">
             <a:avLst/>
@@ -18394,7 +16976,7 @@
     </p:spTree>
     <p:extLst>
       <p:ext uri="{BB962C8B-B14F-4D97-AF65-F5344CB8AC3E}">
-        <p14:creationId xmlns:p14="http://schemas.microsoft.com/office/powerpoint/2010/main" val="4255969925"/>
+        <p14:creationId xmlns:p14="http://schemas.microsoft.com/office/powerpoint/2010/main" val="2126451986"/>
       </p:ext>
     </p:extLst>
   </p:cSld>
@@ -18426,40 +17008,7 @@
       </p:grpSpPr>
       <p:sp>
         <p:nvSpPr>
-          <p:cNvPr id="2" name="Content Placeholder 1"/>
-          <p:cNvSpPr>
-            <a:spLocks noGrp="1"/>
-          </p:cNvSpPr>
-          <p:nvPr>
-            <p:ph idx="1"/>
-          </p:nvPr>
-        </p:nvSpPr>
-        <p:spPr/>
-        <p:txBody>
-          <a:bodyPr/>
-          <a:lstStyle/>
-          <a:p>
-            <a:r>
-              <a:rPr lang="en-US" dirty="0">
-                <a:solidFill>
-                  <a:schemeClr val="tx1"/>
-                </a:solidFill>
-              </a:rPr>
-              <a:t>Command line tools – you can invoke directly from the shell</a:t>
-            </a:r>
-          </a:p>
-          <a:p>
-            <a:endParaRPr lang="en-US" dirty="0">
-              <a:solidFill>
-                <a:schemeClr val="tx1"/>
-              </a:solidFill>
-            </a:endParaRPr>
-          </a:p>
-        </p:txBody>
-      </p:sp>
-      <p:sp>
-        <p:nvSpPr>
-          <p:cNvPr id="3" name="Title 2"/>
+          <p:cNvPr id="2" name="Title 1"/>
           <p:cNvSpPr>
             <a:spLocks noGrp="1"/>
           </p:cNvSpPr>
@@ -18474,37 +17023,75 @@
           <a:p>
             <a:r>
               <a:rPr lang="en-US" dirty="0"/>
-              <a:t>How do we build</a:t>
-            </a:r>
-          </a:p>
-        </p:txBody>
-      </p:sp>
-      <p:sp>
-        <p:nvSpPr>
-          <p:cNvPr id="4" name="Subtitle 3"/>
-          <p:cNvSpPr>
-            <a:spLocks noGrp="1"/>
-          </p:cNvSpPr>
-          <p:nvPr>
-            <p:ph type="subTitle" idx="15"/>
-          </p:nvPr>
-        </p:nvSpPr>
-        <p:spPr/>
-        <p:txBody>
-          <a:bodyPr/>
-          <a:lstStyle/>
-          <a:p>
-            <a:r>
-              <a:rPr lang="en-US" dirty="0"/>
-              <a:t>Platform used - Windows</a:t>
-            </a:r>
-          </a:p>
-        </p:txBody>
-      </p:sp>
+              <a:t>UML Diagrams - collaboration</a:t>
+            </a:r>
+          </a:p>
+        </p:txBody>
+      </p:sp>
+      <p:pic>
+        <p:nvPicPr>
+          <p:cNvPr id="64" name="Picture 63">
+            <a:extLst>
+              <a:ext uri="{FF2B5EF4-FFF2-40B4-BE49-F238E27FC236}">
+                <a16:creationId xmlns:a16="http://schemas.microsoft.com/office/drawing/2014/main" id="{F3DE7B35-DBCD-4051-ABD0-5D655B7109E3}"/>
+              </a:ext>
+            </a:extLst>
+          </p:cNvPr>
+          <p:cNvPicPr>
+            <a:picLocks noChangeAspect="1"/>
+          </p:cNvPicPr>
+          <p:nvPr/>
+        </p:nvPicPr>
+        <p:blipFill>
+          <a:blip r:embed="rId2"/>
+          <a:stretch>
+            <a:fillRect/>
+          </a:stretch>
+        </p:blipFill>
+        <p:spPr>
+          <a:xfrm>
+            <a:off x="289481" y="762000"/>
+            <a:ext cx="11609863" cy="5647944"/>
+          </a:xfrm>
+          <a:prstGeom prst="rect">
+            <a:avLst/>
+          </a:prstGeom>
+        </p:spPr>
+      </p:pic>
+      <p:pic>
+        <p:nvPicPr>
+          <p:cNvPr id="3" name="Picture 2">
+            <a:extLst>
+              <a:ext uri="{FF2B5EF4-FFF2-40B4-BE49-F238E27FC236}">
+                <a16:creationId xmlns:a16="http://schemas.microsoft.com/office/drawing/2014/main" id="{525BE06E-EA45-4C79-B4F5-1E579C176F65}"/>
+              </a:ext>
+            </a:extLst>
+          </p:cNvPr>
+          <p:cNvPicPr>
+            <a:picLocks noChangeAspect="1"/>
+          </p:cNvPicPr>
+          <p:nvPr/>
+        </p:nvPicPr>
+        <p:blipFill>
+          <a:blip r:embed="rId3"/>
+          <a:stretch>
+            <a:fillRect/>
+          </a:stretch>
+        </p:blipFill>
+        <p:spPr>
+          <a:xfrm>
+            <a:off x="10514012" y="182880"/>
+            <a:ext cx="1524000" cy="685800"/>
+          </a:xfrm>
+          <a:prstGeom prst="rect">
+            <a:avLst/>
+          </a:prstGeom>
+        </p:spPr>
+      </p:pic>
     </p:spTree>
     <p:extLst>
       <p:ext uri="{BB962C8B-B14F-4D97-AF65-F5344CB8AC3E}">
-        <p14:creationId xmlns:p14="http://schemas.microsoft.com/office/powerpoint/2010/main" val="3028628420"/>
+        <p14:creationId xmlns:p14="http://schemas.microsoft.com/office/powerpoint/2010/main" val="421926054"/>
       </p:ext>
     </p:extLst>
   </p:cSld>
